--- a/Saturday_Monday_Wednesday/Class_6_16_February_2019/Lecture.pptx
+++ b/Saturday_Monday_Wednesday/Class_6_16_February_2019/Lecture.pptx
@@ -22,7 +22,6 @@
     <p:sldId id="267" r:id="rId15"/>
     <p:sldId id="268" r:id="rId16"/>
     <p:sldId id="269" r:id="rId17"/>
-    <p:sldId id="270" r:id="rId18"/>
   </p:sldIdLst>
   <p:sldSz cx="10080625" cy="7559675"/>
   <p:notesSz cx="7559675" cy="10691812"/>
@@ -270,7 +269,7 @@
           <a:bodyPr lIns="0" rIns="0" tIns="0" bIns="0" anchor="b"/>
           <a:p>
             <a:pPr algn="r"/>
-            <a:fld id="{B8F5D0C8-1F6F-430C-97B0-C171F00D8C69}" type="slidenum">
+            <a:fld id="{036AFD63-39F0-4003-81B7-65E49FEAB79D}" type="slidenum">
               <a:rPr b="0" lang="en-US" sz="1400" spc="-1" strike="noStrike">
                 <a:solidFill>
                   <a:srgbClr val="000000"/>
@@ -323,14 +322,14 @@
       </p:grpSpPr>
       <p:sp>
         <p:nvSpPr>
-          <p:cNvPr id="75" name="CustomShape 1"/>
+          <p:cNvPr id="72" name="CustomShape 1"/>
           <p:cNvSpPr/>
           <p:nvPr/>
         </p:nvSpPr>
         <p:spPr>
           <a:xfrm>
             <a:off x="755640" y="5078520"/>
-            <a:ext cx="6046920" cy="4810320"/>
+            <a:ext cx="6046200" cy="4809600"/>
           </a:xfrm>
           <a:custGeom>
             <a:avLst/>
@@ -372,7 +371,7 @@
       </p:sp>
       <p:sp>
         <p:nvSpPr>
-          <p:cNvPr id="76" name="PlaceHolder 2"/>
+          <p:cNvPr id="73" name="PlaceHolder 2"/>
           <p:cNvSpPr>
             <a:spLocks noGrp="1"/>
           </p:cNvSpPr>
@@ -383,14 +382,14 @@
         <p:spPr>
           <a:xfrm>
             <a:off x="756000" y="5078520"/>
-            <a:ext cx="6047280" cy="4811040"/>
+            <a:ext cx="6046560" cy="4810320"/>
           </a:xfrm>
           <a:prstGeom prst="rect">
             <a:avLst/>
           </a:prstGeom>
         </p:spPr>
         <p:txBody>
-          <a:bodyPr tIns="91440" bIns="91440"/>
+          <a:bodyPr lIns="0" rIns="0" tIns="91440" bIns="91440"/>
           <a:p>
             <a:endParaRPr b="0" lang="en-US" sz="2000" spc="-1" strike="noStrike">
               <a:solidFill>
@@ -430,14 +429,14 @@
       </p:grpSpPr>
       <p:sp>
         <p:nvSpPr>
-          <p:cNvPr id="93" name="CustomShape 1"/>
+          <p:cNvPr id="90" name="CustomShape 1"/>
           <p:cNvSpPr/>
           <p:nvPr/>
         </p:nvSpPr>
         <p:spPr>
           <a:xfrm>
             <a:off x="755640" y="5078520"/>
-            <a:ext cx="6046920" cy="4810320"/>
+            <a:ext cx="6046200" cy="4809600"/>
           </a:xfrm>
           <a:custGeom>
             <a:avLst/>
@@ -479,7 +478,7 @@
       </p:sp>
       <p:sp>
         <p:nvSpPr>
-          <p:cNvPr id="94" name="PlaceHolder 2"/>
+          <p:cNvPr id="91" name="PlaceHolder 2"/>
           <p:cNvSpPr>
             <a:spLocks noGrp="1"/>
           </p:cNvSpPr>
@@ -490,14 +489,14 @@
         <p:spPr>
           <a:xfrm>
             <a:off x="756000" y="5078520"/>
-            <a:ext cx="6047280" cy="4811040"/>
+            <a:ext cx="6046560" cy="4810320"/>
           </a:xfrm>
           <a:prstGeom prst="rect">
             <a:avLst/>
           </a:prstGeom>
         </p:spPr>
         <p:txBody>
-          <a:bodyPr tIns="91440" bIns="91440"/>
+          <a:bodyPr lIns="0" rIns="0" tIns="91440" bIns="91440"/>
           <a:p>
             <a:endParaRPr b="0" lang="en-US" sz="2000" spc="-1" strike="noStrike">
               <a:solidFill>
@@ -537,14 +536,14 @@
       </p:grpSpPr>
       <p:sp>
         <p:nvSpPr>
-          <p:cNvPr id="95" name="CustomShape 1"/>
+          <p:cNvPr id="92" name="CustomShape 1"/>
           <p:cNvSpPr/>
           <p:nvPr/>
         </p:nvSpPr>
         <p:spPr>
           <a:xfrm>
             <a:off x="755640" y="5078520"/>
-            <a:ext cx="6046920" cy="4810320"/>
+            <a:ext cx="6046200" cy="4809600"/>
           </a:xfrm>
           <a:custGeom>
             <a:avLst/>
@@ -586,7 +585,7 @@
       </p:sp>
       <p:sp>
         <p:nvSpPr>
-          <p:cNvPr id="96" name="PlaceHolder 2"/>
+          <p:cNvPr id="93" name="PlaceHolder 2"/>
           <p:cNvSpPr>
             <a:spLocks noGrp="1"/>
           </p:cNvSpPr>
@@ -597,14 +596,14 @@
         <p:spPr>
           <a:xfrm>
             <a:off x="756000" y="5078520"/>
-            <a:ext cx="6047280" cy="4811040"/>
+            <a:ext cx="6046560" cy="4810320"/>
           </a:xfrm>
           <a:prstGeom prst="rect">
             <a:avLst/>
           </a:prstGeom>
         </p:spPr>
         <p:txBody>
-          <a:bodyPr tIns="91440" bIns="91440"/>
+          <a:bodyPr lIns="0" rIns="0" tIns="91440" bIns="91440"/>
           <a:p>
             <a:endParaRPr b="0" lang="en-US" sz="2000" spc="-1" strike="noStrike">
               <a:solidFill>
@@ -644,14 +643,14 @@
       </p:grpSpPr>
       <p:sp>
         <p:nvSpPr>
-          <p:cNvPr id="97" name="CustomShape 1"/>
+          <p:cNvPr id="94" name="CustomShape 1"/>
           <p:cNvSpPr/>
           <p:nvPr/>
         </p:nvSpPr>
         <p:spPr>
           <a:xfrm>
             <a:off x="755640" y="5078520"/>
-            <a:ext cx="6046920" cy="4810320"/>
+            <a:ext cx="6046200" cy="4809600"/>
           </a:xfrm>
           <a:custGeom>
             <a:avLst/>
@@ -693,7 +692,7 @@
       </p:sp>
       <p:sp>
         <p:nvSpPr>
-          <p:cNvPr id="98" name="PlaceHolder 2"/>
+          <p:cNvPr id="95" name="PlaceHolder 2"/>
           <p:cNvSpPr>
             <a:spLocks noGrp="1"/>
           </p:cNvSpPr>
@@ -704,14 +703,14 @@
         <p:spPr>
           <a:xfrm>
             <a:off x="756000" y="5078520"/>
-            <a:ext cx="6047280" cy="4811040"/>
+            <a:ext cx="6046560" cy="4810320"/>
           </a:xfrm>
           <a:prstGeom prst="rect">
             <a:avLst/>
           </a:prstGeom>
         </p:spPr>
         <p:txBody>
-          <a:bodyPr tIns="91440" bIns="91440"/>
+          <a:bodyPr lIns="0" rIns="0" tIns="91440" bIns="91440"/>
           <a:p>
             <a:endParaRPr b="0" lang="en-US" sz="2000" spc="-1" strike="noStrike">
               <a:solidFill>
@@ -751,14 +750,14 @@
       </p:grpSpPr>
       <p:sp>
         <p:nvSpPr>
-          <p:cNvPr id="99" name="CustomShape 1"/>
+          <p:cNvPr id="96" name="CustomShape 1"/>
           <p:cNvSpPr/>
           <p:nvPr/>
         </p:nvSpPr>
         <p:spPr>
           <a:xfrm>
             <a:off x="755640" y="5078520"/>
-            <a:ext cx="6046920" cy="4810320"/>
+            <a:ext cx="6046200" cy="4809600"/>
           </a:xfrm>
           <a:custGeom>
             <a:avLst/>
@@ -800,7 +799,7 @@
       </p:sp>
       <p:sp>
         <p:nvSpPr>
-          <p:cNvPr id="100" name="PlaceHolder 2"/>
+          <p:cNvPr id="97" name="PlaceHolder 2"/>
           <p:cNvSpPr>
             <a:spLocks noGrp="1"/>
           </p:cNvSpPr>
@@ -811,14 +810,14 @@
         <p:spPr>
           <a:xfrm>
             <a:off x="756000" y="5078520"/>
-            <a:ext cx="6047280" cy="4811040"/>
+            <a:ext cx="6046560" cy="4810320"/>
           </a:xfrm>
           <a:prstGeom prst="rect">
             <a:avLst/>
           </a:prstGeom>
         </p:spPr>
         <p:txBody>
-          <a:bodyPr tIns="91440" bIns="91440"/>
+          <a:bodyPr lIns="0" rIns="0" tIns="91440" bIns="91440"/>
           <a:p>
             <a:endParaRPr b="0" lang="en-US" sz="2000" spc="-1" strike="noStrike">
               <a:solidFill>
@@ -858,14 +857,14 @@
       </p:grpSpPr>
       <p:sp>
         <p:nvSpPr>
-          <p:cNvPr id="101" name="CustomShape 1"/>
+          <p:cNvPr id="98" name="CustomShape 1"/>
           <p:cNvSpPr/>
           <p:nvPr/>
         </p:nvSpPr>
         <p:spPr>
           <a:xfrm>
             <a:off x="755640" y="5078520"/>
-            <a:ext cx="6046920" cy="4810320"/>
+            <a:ext cx="6046200" cy="4809600"/>
           </a:xfrm>
           <a:custGeom>
             <a:avLst/>
@@ -907,7 +906,7 @@
       </p:sp>
       <p:sp>
         <p:nvSpPr>
-          <p:cNvPr id="102" name="PlaceHolder 2"/>
+          <p:cNvPr id="99" name="PlaceHolder 2"/>
           <p:cNvSpPr>
             <a:spLocks noGrp="1"/>
           </p:cNvSpPr>
@@ -918,14 +917,14 @@
         <p:spPr>
           <a:xfrm>
             <a:off x="756000" y="5078520"/>
-            <a:ext cx="6047280" cy="4811040"/>
+            <a:ext cx="6046560" cy="4810320"/>
           </a:xfrm>
           <a:prstGeom prst="rect">
             <a:avLst/>
           </a:prstGeom>
         </p:spPr>
         <p:txBody>
-          <a:bodyPr tIns="91440" bIns="91440"/>
+          <a:bodyPr lIns="0" rIns="0" tIns="91440" bIns="91440"/>
           <a:p>
             <a:endParaRPr b="0" lang="en-US" sz="2000" spc="-1" strike="noStrike">
               <a:solidFill>
@@ -946,7 +945,7 @@
 </p:notes>
 </file>
 
-<file path=ppt/notesSlides/notesSlide15.xml><?xml version="1.0" encoding="utf-8"?>
+<file path=ppt/notesSlides/notesSlide2.xml><?xml version="1.0" encoding="utf-8"?>
 <p:notes xmlns:a="http://schemas.openxmlformats.org/drawingml/2006/main" xmlns:p="http://schemas.openxmlformats.org/presentationml/2006/main" xmlns:r="http://schemas.openxmlformats.org/officeDocument/2006/relationships" xmlns:p14="http://schemas.microsoft.com/office/powerpoint/2010/main" xmlns:p15="http://schemas.microsoft.com/office/powerpoint/2012/main" xmlns:mc="http://schemas.openxmlformats.org/markup-compatibility/2006">
   <p:cSld>
     <p:spTree>
@@ -965,14 +964,14 @@
       </p:grpSpPr>
       <p:sp>
         <p:nvSpPr>
-          <p:cNvPr id="103" name="CustomShape 1"/>
+          <p:cNvPr id="74" name="CustomShape 1"/>
           <p:cNvSpPr/>
           <p:nvPr/>
         </p:nvSpPr>
         <p:spPr>
           <a:xfrm>
             <a:off x="755640" y="5078520"/>
-            <a:ext cx="6046920" cy="4810320"/>
+            <a:ext cx="6046200" cy="4809600"/>
           </a:xfrm>
           <a:custGeom>
             <a:avLst/>
@@ -1014,7 +1013,7 @@
       </p:sp>
       <p:sp>
         <p:nvSpPr>
-          <p:cNvPr id="104" name="PlaceHolder 2"/>
+          <p:cNvPr id="75" name="PlaceHolder 2"/>
           <p:cNvSpPr>
             <a:spLocks noGrp="1"/>
           </p:cNvSpPr>
@@ -1025,14 +1024,14 @@
         <p:spPr>
           <a:xfrm>
             <a:off x="756000" y="5078520"/>
-            <a:ext cx="6047280" cy="4811040"/>
+            <a:ext cx="6046560" cy="4810320"/>
           </a:xfrm>
           <a:prstGeom prst="rect">
             <a:avLst/>
           </a:prstGeom>
         </p:spPr>
         <p:txBody>
-          <a:bodyPr tIns="91440" bIns="91440"/>
+          <a:bodyPr lIns="0" rIns="0" tIns="91440" bIns="91440"/>
           <a:p>
             <a:endParaRPr b="0" lang="en-US" sz="2000" spc="-1" strike="noStrike">
               <a:solidFill>
@@ -1053,7 +1052,7 @@
 </p:notes>
 </file>
 
-<file path=ppt/notesSlides/notesSlide2.xml><?xml version="1.0" encoding="utf-8"?>
+<file path=ppt/notesSlides/notesSlide3.xml><?xml version="1.0" encoding="utf-8"?>
 <p:notes xmlns:a="http://schemas.openxmlformats.org/drawingml/2006/main" xmlns:p="http://schemas.openxmlformats.org/presentationml/2006/main" xmlns:r="http://schemas.openxmlformats.org/officeDocument/2006/relationships" xmlns:p14="http://schemas.microsoft.com/office/powerpoint/2010/main" xmlns:p15="http://schemas.microsoft.com/office/powerpoint/2012/main" xmlns:mc="http://schemas.openxmlformats.org/markup-compatibility/2006">
   <p:cSld>
     <p:spTree>
@@ -1072,14 +1071,14 @@
       </p:grpSpPr>
       <p:sp>
         <p:nvSpPr>
-          <p:cNvPr id="77" name="CustomShape 1"/>
+          <p:cNvPr id="76" name="CustomShape 1"/>
           <p:cNvSpPr/>
           <p:nvPr/>
         </p:nvSpPr>
         <p:spPr>
           <a:xfrm>
             <a:off x="755640" y="5078520"/>
-            <a:ext cx="6046920" cy="4810320"/>
+            <a:ext cx="6046200" cy="4809600"/>
           </a:xfrm>
           <a:custGeom>
             <a:avLst/>
@@ -1121,7 +1120,7 @@
       </p:sp>
       <p:sp>
         <p:nvSpPr>
-          <p:cNvPr id="78" name="PlaceHolder 2"/>
+          <p:cNvPr id="77" name="PlaceHolder 2"/>
           <p:cNvSpPr>
             <a:spLocks noGrp="1"/>
           </p:cNvSpPr>
@@ -1132,14 +1131,14 @@
         <p:spPr>
           <a:xfrm>
             <a:off x="756000" y="5078520"/>
-            <a:ext cx="6047280" cy="4811040"/>
+            <a:ext cx="6046560" cy="4810320"/>
           </a:xfrm>
           <a:prstGeom prst="rect">
             <a:avLst/>
           </a:prstGeom>
         </p:spPr>
         <p:txBody>
-          <a:bodyPr tIns="91440" bIns="91440"/>
+          <a:bodyPr lIns="0" rIns="0" tIns="91440" bIns="91440"/>
           <a:p>
             <a:endParaRPr b="0" lang="en-US" sz="2000" spc="-1" strike="noStrike">
               <a:solidFill>
@@ -1160,7 +1159,7 @@
 </p:notes>
 </file>
 
-<file path=ppt/notesSlides/notesSlide3.xml><?xml version="1.0" encoding="utf-8"?>
+<file path=ppt/notesSlides/notesSlide4.xml><?xml version="1.0" encoding="utf-8"?>
 <p:notes xmlns:a="http://schemas.openxmlformats.org/drawingml/2006/main" xmlns:p="http://schemas.openxmlformats.org/presentationml/2006/main" xmlns:r="http://schemas.openxmlformats.org/officeDocument/2006/relationships" xmlns:p14="http://schemas.microsoft.com/office/powerpoint/2010/main" xmlns:p15="http://schemas.microsoft.com/office/powerpoint/2012/main" xmlns:mc="http://schemas.openxmlformats.org/markup-compatibility/2006">
   <p:cSld>
     <p:spTree>
@@ -1179,14 +1178,14 @@
       </p:grpSpPr>
       <p:sp>
         <p:nvSpPr>
-          <p:cNvPr id="79" name="CustomShape 1"/>
+          <p:cNvPr id="78" name="CustomShape 1"/>
           <p:cNvSpPr/>
           <p:nvPr/>
         </p:nvSpPr>
         <p:spPr>
           <a:xfrm>
             <a:off x="755640" y="5078520"/>
-            <a:ext cx="6046920" cy="4810320"/>
+            <a:ext cx="6046200" cy="4809600"/>
           </a:xfrm>
           <a:custGeom>
             <a:avLst/>
@@ -1228,7 +1227,7 @@
       </p:sp>
       <p:sp>
         <p:nvSpPr>
-          <p:cNvPr id="80" name="PlaceHolder 2"/>
+          <p:cNvPr id="79" name="PlaceHolder 2"/>
           <p:cNvSpPr>
             <a:spLocks noGrp="1"/>
           </p:cNvSpPr>
@@ -1239,14 +1238,14 @@
         <p:spPr>
           <a:xfrm>
             <a:off x="756000" y="5078520"/>
-            <a:ext cx="6047280" cy="4811040"/>
+            <a:ext cx="6046560" cy="4810320"/>
           </a:xfrm>
           <a:prstGeom prst="rect">
             <a:avLst/>
           </a:prstGeom>
         </p:spPr>
         <p:txBody>
-          <a:bodyPr tIns="91440" bIns="91440"/>
+          <a:bodyPr lIns="0" rIns="0" tIns="91440" bIns="91440"/>
           <a:p>
             <a:endParaRPr b="0" lang="en-US" sz="2000" spc="-1" strike="noStrike">
               <a:solidFill>
@@ -1267,7 +1266,7 @@
 </p:notes>
 </file>
 
-<file path=ppt/notesSlides/notesSlide4.xml><?xml version="1.0" encoding="utf-8"?>
+<file path=ppt/notesSlides/notesSlide5.xml><?xml version="1.0" encoding="utf-8"?>
 <p:notes xmlns:a="http://schemas.openxmlformats.org/drawingml/2006/main" xmlns:p="http://schemas.openxmlformats.org/presentationml/2006/main" xmlns:r="http://schemas.openxmlformats.org/officeDocument/2006/relationships" xmlns:p14="http://schemas.microsoft.com/office/powerpoint/2010/main" xmlns:p15="http://schemas.microsoft.com/office/powerpoint/2012/main" xmlns:mc="http://schemas.openxmlformats.org/markup-compatibility/2006">
   <p:cSld>
     <p:spTree>
@@ -1286,14 +1285,14 @@
       </p:grpSpPr>
       <p:sp>
         <p:nvSpPr>
-          <p:cNvPr id="81" name="CustomShape 1"/>
+          <p:cNvPr id="80" name="CustomShape 1"/>
           <p:cNvSpPr/>
           <p:nvPr/>
         </p:nvSpPr>
         <p:spPr>
           <a:xfrm>
             <a:off x="755640" y="5078520"/>
-            <a:ext cx="6046920" cy="4810320"/>
+            <a:ext cx="6046200" cy="4809600"/>
           </a:xfrm>
           <a:custGeom>
             <a:avLst/>
@@ -1335,7 +1334,7 @@
       </p:sp>
       <p:sp>
         <p:nvSpPr>
-          <p:cNvPr id="82" name="PlaceHolder 2"/>
+          <p:cNvPr id="81" name="PlaceHolder 2"/>
           <p:cNvSpPr>
             <a:spLocks noGrp="1"/>
           </p:cNvSpPr>
@@ -1346,14 +1345,14 @@
         <p:spPr>
           <a:xfrm>
             <a:off x="756000" y="5078520"/>
-            <a:ext cx="6047280" cy="4811040"/>
+            <a:ext cx="6046560" cy="4810320"/>
           </a:xfrm>
           <a:prstGeom prst="rect">
             <a:avLst/>
           </a:prstGeom>
         </p:spPr>
         <p:txBody>
-          <a:bodyPr tIns="91440" bIns="91440"/>
+          <a:bodyPr lIns="0" rIns="0" tIns="91440" bIns="91440"/>
           <a:p>
             <a:endParaRPr b="0" lang="en-US" sz="2000" spc="-1" strike="noStrike">
               <a:solidFill>
@@ -1374,7 +1373,7 @@
 </p:notes>
 </file>
 
-<file path=ppt/notesSlides/notesSlide5.xml><?xml version="1.0" encoding="utf-8"?>
+<file path=ppt/notesSlides/notesSlide6.xml><?xml version="1.0" encoding="utf-8"?>
 <p:notes xmlns:a="http://schemas.openxmlformats.org/drawingml/2006/main" xmlns:p="http://schemas.openxmlformats.org/presentationml/2006/main" xmlns:r="http://schemas.openxmlformats.org/officeDocument/2006/relationships" xmlns:p14="http://schemas.microsoft.com/office/powerpoint/2010/main" xmlns:p15="http://schemas.microsoft.com/office/powerpoint/2012/main" xmlns:mc="http://schemas.openxmlformats.org/markup-compatibility/2006">
   <p:cSld>
     <p:spTree>
@@ -1393,14 +1392,14 @@
       </p:grpSpPr>
       <p:sp>
         <p:nvSpPr>
-          <p:cNvPr id="83" name="CustomShape 1"/>
+          <p:cNvPr id="82" name="CustomShape 1"/>
           <p:cNvSpPr/>
           <p:nvPr/>
         </p:nvSpPr>
         <p:spPr>
           <a:xfrm>
             <a:off x="755640" y="5078520"/>
-            <a:ext cx="6046920" cy="4810320"/>
+            <a:ext cx="6046200" cy="4809600"/>
           </a:xfrm>
           <a:custGeom>
             <a:avLst/>
@@ -1442,7 +1441,7 @@
       </p:sp>
       <p:sp>
         <p:nvSpPr>
-          <p:cNvPr id="84" name="PlaceHolder 2"/>
+          <p:cNvPr id="83" name="PlaceHolder 2"/>
           <p:cNvSpPr>
             <a:spLocks noGrp="1"/>
           </p:cNvSpPr>
@@ -1453,14 +1452,14 @@
         <p:spPr>
           <a:xfrm>
             <a:off x="756000" y="5078520"/>
-            <a:ext cx="6047280" cy="4811040"/>
+            <a:ext cx="6046560" cy="4810320"/>
           </a:xfrm>
           <a:prstGeom prst="rect">
             <a:avLst/>
           </a:prstGeom>
         </p:spPr>
         <p:txBody>
-          <a:bodyPr tIns="91440" bIns="91440"/>
+          <a:bodyPr lIns="0" rIns="0" tIns="91440" bIns="91440"/>
           <a:p>
             <a:endParaRPr b="0" lang="en-US" sz="2000" spc="-1" strike="noStrike">
               <a:solidFill>
@@ -1481,7 +1480,7 @@
 </p:notes>
 </file>
 
-<file path=ppt/notesSlides/notesSlide6.xml><?xml version="1.0" encoding="utf-8"?>
+<file path=ppt/notesSlides/notesSlide7.xml><?xml version="1.0" encoding="utf-8"?>
 <p:notes xmlns:a="http://schemas.openxmlformats.org/drawingml/2006/main" xmlns:p="http://schemas.openxmlformats.org/presentationml/2006/main" xmlns:r="http://schemas.openxmlformats.org/officeDocument/2006/relationships" xmlns:p14="http://schemas.microsoft.com/office/powerpoint/2010/main" xmlns:p15="http://schemas.microsoft.com/office/powerpoint/2012/main" xmlns:mc="http://schemas.openxmlformats.org/markup-compatibility/2006">
   <p:cSld>
     <p:spTree>
@@ -1500,14 +1499,14 @@
       </p:grpSpPr>
       <p:sp>
         <p:nvSpPr>
-          <p:cNvPr id="85" name="CustomShape 1"/>
+          <p:cNvPr id="84" name="CustomShape 1"/>
           <p:cNvSpPr/>
           <p:nvPr/>
         </p:nvSpPr>
         <p:spPr>
           <a:xfrm>
             <a:off x="755640" y="5078520"/>
-            <a:ext cx="6046920" cy="4810320"/>
+            <a:ext cx="6046200" cy="4809600"/>
           </a:xfrm>
           <a:custGeom>
             <a:avLst/>
@@ -1549,7 +1548,7 @@
       </p:sp>
       <p:sp>
         <p:nvSpPr>
-          <p:cNvPr id="86" name="PlaceHolder 2"/>
+          <p:cNvPr id="85" name="PlaceHolder 2"/>
           <p:cNvSpPr>
             <a:spLocks noGrp="1"/>
           </p:cNvSpPr>
@@ -1560,14 +1559,14 @@
         <p:spPr>
           <a:xfrm>
             <a:off x="756000" y="5078520"/>
-            <a:ext cx="6047280" cy="4811040"/>
+            <a:ext cx="6046560" cy="4810320"/>
           </a:xfrm>
           <a:prstGeom prst="rect">
             <a:avLst/>
           </a:prstGeom>
         </p:spPr>
         <p:txBody>
-          <a:bodyPr tIns="91440" bIns="91440"/>
+          <a:bodyPr lIns="0" rIns="0" tIns="91440" bIns="91440"/>
           <a:p>
             <a:endParaRPr b="0" lang="en-US" sz="2000" spc="-1" strike="noStrike">
               <a:solidFill>
@@ -1588,7 +1587,7 @@
 </p:notes>
 </file>
 
-<file path=ppt/notesSlides/notesSlide7.xml><?xml version="1.0" encoding="utf-8"?>
+<file path=ppt/notesSlides/notesSlide8.xml><?xml version="1.0" encoding="utf-8"?>
 <p:notes xmlns:a="http://schemas.openxmlformats.org/drawingml/2006/main" xmlns:p="http://schemas.openxmlformats.org/presentationml/2006/main" xmlns:r="http://schemas.openxmlformats.org/officeDocument/2006/relationships" xmlns:p14="http://schemas.microsoft.com/office/powerpoint/2010/main" xmlns:p15="http://schemas.microsoft.com/office/powerpoint/2012/main" xmlns:mc="http://schemas.openxmlformats.org/markup-compatibility/2006">
   <p:cSld>
     <p:spTree>
@@ -1607,14 +1606,14 @@
       </p:grpSpPr>
       <p:sp>
         <p:nvSpPr>
-          <p:cNvPr id="87" name="CustomShape 1"/>
+          <p:cNvPr id="86" name="CustomShape 1"/>
           <p:cNvSpPr/>
           <p:nvPr/>
         </p:nvSpPr>
         <p:spPr>
           <a:xfrm>
             <a:off x="755640" y="5078520"/>
-            <a:ext cx="6046920" cy="4810320"/>
+            <a:ext cx="6046200" cy="4809600"/>
           </a:xfrm>
           <a:custGeom>
             <a:avLst/>
@@ -1656,7 +1655,7 @@
       </p:sp>
       <p:sp>
         <p:nvSpPr>
-          <p:cNvPr id="88" name="PlaceHolder 2"/>
+          <p:cNvPr id="87" name="PlaceHolder 2"/>
           <p:cNvSpPr>
             <a:spLocks noGrp="1"/>
           </p:cNvSpPr>
@@ -1667,14 +1666,14 @@
         <p:spPr>
           <a:xfrm>
             <a:off x="756000" y="5078520"/>
-            <a:ext cx="6047280" cy="4811040"/>
+            <a:ext cx="6046560" cy="4810320"/>
           </a:xfrm>
           <a:prstGeom prst="rect">
             <a:avLst/>
           </a:prstGeom>
         </p:spPr>
         <p:txBody>
-          <a:bodyPr tIns="91440" bIns="91440"/>
+          <a:bodyPr lIns="0" rIns="0" tIns="91440" bIns="91440"/>
           <a:p>
             <a:endParaRPr b="0" lang="en-US" sz="2000" spc="-1" strike="noStrike">
               <a:solidFill>
@@ -1695,7 +1694,7 @@
 </p:notes>
 </file>
 
-<file path=ppt/notesSlides/notesSlide8.xml><?xml version="1.0" encoding="utf-8"?>
+<file path=ppt/notesSlides/notesSlide9.xml><?xml version="1.0" encoding="utf-8"?>
 <p:notes xmlns:a="http://schemas.openxmlformats.org/drawingml/2006/main" xmlns:p="http://schemas.openxmlformats.org/presentationml/2006/main" xmlns:r="http://schemas.openxmlformats.org/officeDocument/2006/relationships" xmlns:p14="http://schemas.microsoft.com/office/powerpoint/2010/main" xmlns:p15="http://schemas.microsoft.com/office/powerpoint/2012/main" xmlns:mc="http://schemas.openxmlformats.org/markup-compatibility/2006">
   <p:cSld>
     <p:spTree>
@@ -1714,14 +1713,14 @@
       </p:grpSpPr>
       <p:sp>
         <p:nvSpPr>
-          <p:cNvPr id="89" name="CustomShape 1"/>
+          <p:cNvPr id="88" name="CustomShape 1"/>
           <p:cNvSpPr/>
           <p:nvPr/>
         </p:nvSpPr>
         <p:spPr>
           <a:xfrm>
             <a:off x="755640" y="5078520"/>
-            <a:ext cx="6046920" cy="4810320"/>
+            <a:ext cx="6046200" cy="4809600"/>
           </a:xfrm>
           <a:custGeom>
             <a:avLst/>
@@ -1763,7 +1762,7 @@
       </p:sp>
       <p:sp>
         <p:nvSpPr>
-          <p:cNvPr id="90" name="PlaceHolder 2"/>
+          <p:cNvPr id="89" name="PlaceHolder 2"/>
           <p:cNvSpPr>
             <a:spLocks noGrp="1"/>
           </p:cNvSpPr>
@@ -1774,121 +1773,14 @@
         <p:spPr>
           <a:xfrm>
             <a:off x="756000" y="5078520"/>
-            <a:ext cx="6047280" cy="4811040"/>
+            <a:ext cx="6046560" cy="4810320"/>
           </a:xfrm>
           <a:prstGeom prst="rect">
             <a:avLst/>
           </a:prstGeom>
         </p:spPr>
         <p:txBody>
-          <a:bodyPr tIns="91440" bIns="91440"/>
-          <a:p>
-            <a:endParaRPr b="0" lang="en-US" sz="2000" spc="-1" strike="noStrike">
-              <a:solidFill>
-                <a:srgbClr val="000000"/>
-              </a:solidFill>
-              <a:uFill>
-                <a:solidFill>
-                  <a:srgbClr val="ffffff"/>
-                </a:solidFill>
-              </a:uFill>
-              <a:latin typeface="Arial"/>
-            </a:endParaRPr>
-          </a:p>
-        </p:txBody>
-      </p:sp>
-    </p:spTree>
-  </p:cSld>
-</p:notes>
-</file>
-
-<file path=ppt/notesSlides/notesSlide9.xml><?xml version="1.0" encoding="utf-8"?>
-<p:notes xmlns:a="http://schemas.openxmlformats.org/drawingml/2006/main" xmlns:p="http://schemas.openxmlformats.org/presentationml/2006/main" xmlns:r="http://schemas.openxmlformats.org/officeDocument/2006/relationships" xmlns:p14="http://schemas.microsoft.com/office/powerpoint/2010/main" xmlns:p15="http://schemas.microsoft.com/office/powerpoint/2012/main" xmlns:mc="http://schemas.openxmlformats.org/markup-compatibility/2006">
-  <p:cSld>
-    <p:spTree>
-      <p:nvGrpSpPr>
-        <p:cNvPr id="1" name=""/>
-        <p:cNvGrpSpPr/>
-        <p:nvPr/>
-      </p:nvGrpSpPr>
-      <p:grpSpPr>
-        <a:xfrm>
-          <a:off x="0" y="0"/>
-          <a:ext cx="0" cy="0"/>
-          <a:chOff x="0" y="0"/>
-          <a:chExt cx="0" cy="0"/>
-        </a:xfrm>
-      </p:grpSpPr>
-      <p:sp>
-        <p:nvSpPr>
-          <p:cNvPr id="91" name="CustomShape 1"/>
-          <p:cNvSpPr/>
-          <p:nvPr/>
-        </p:nvSpPr>
-        <p:spPr>
-          <a:xfrm>
-            <a:off x="755640" y="5078520"/>
-            <a:ext cx="6046920" cy="4810320"/>
-          </a:xfrm>
-          <a:custGeom>
-            <a:avLst/>
-            <a:gdLst/>
-            <a:ahLst/>
-            <a:rect l="l" t="t" r="r" b="b"/>
-            <a:pathLst>
-              <a:path w="21600" h="21600">
-                <a:moveTo>
-                  <a:pt x="0" y="0"/>
-                </a:moveTo>
-                <a:lnTo>
-                  <a:pt x="21600" y="0"/>
-                </a:lnTo>
-                <a:lnTo>
-                  <a:pt x="21600" y="21600"/>
-                </a:lnTo>
-                <a:lnTo>
-                  <a:pt x="0" y="21600"/>
-                </a:lnTo>
-                <a:lnTo>
-                  <a:pt x="0" y="0"/>
-                </a:lnTo>
-                <a:close/>
-              </a:path>
-            </a:pathLst>
-          </a:custGeom>
-          <a:noFill/>
-          <a:ln>
-            <a:noFill/>
-          </a:ln>
-        </p:spPr>
-        <p:style>
-          <a:lnRef idx="0"/>
-          <a:fillRef idx="0"/>
-          <a:effectRef idx="0"/>
-          <a:fontRef idx="minor"/>
-        </p:style>
-      </p:sp>
-      <p:sp>
-        <p:nvSpPr>
-          <p:cNvPr id="92" name="PlaceHolder 2"/>
-          <p:cNvSpPr>
-            <a:spLocks noGrp="1"/>
-          </p:cNvSpPr>
-          <p:nvPr>
-            <p:ph type="body"/>
-          </p:nvPr>
-        </p:nvSpPr>
-        <p:spPr>
-          <a:xfrm>
-            <a:off x="756000" y="5078520"/>
-            <a:ext cx="6047280" cy="4811040"/>
-          </a:xfrm>
-          <a:prstGeom prst="rect">
-            <a:avLst/>
-          </a:prstGeom>
-        </p:spPr>
-        <p:txBody>
-          <a:bodyPr tIns="91440" bIns="91440"/>
+          <a:bodyPr lIns="0" rIns="0" tIns="91440" bIns="91440"/>
           <a:p>
             <a:endParaRPr b="0" lang="en-US" sz="2000" spc="-1" strike="noStrike">
               <a:solidFill>
@@ -1970,7 +1862,8 @@
         <p:txBody>
           <a:bodyPr lIns="0" rIns="0" tIns="0" bIns="0" anchor="ctr"/>
           <a:p>
-            <a:endParaRPr b="0" lang="en-US" sz="1400" spc="-1" strike="noStrike">
+            <a:pPr algn="ctr"/>
+            <a:endParaRPr b="0" lang="en-US" sz="4400" spc="-1" strike="noStrike">
               <a:solidFill>
                 <a:srgbClr val="000000"/>
               </a:solidFill>
@@ -2006,7 +1899,7 @@
         <p:txBody>
           <a:bodyPr lIns="0" rIns="0" tIns="0" bIns="0"/>
           <a:p>
-            <a:endParaRPr b="0" lang="en-US" sz="1400" spc="-1" strike="noStrike">
+            <a:endParaRPr b="0" lang="en-US" sz="3200" spc="-1" strike="noStrike">
               <a:solidFill>
                 <a:srgbClr val="000000"/>
               </a:solidFill>
@@ -2042,7 +1935,7 @@
         <p:txBody>
           <a:bodyPr lIns="0" rIns="0" tIns="0" bIns="0"/>
           <a:p>
-            <a:endParaRPr b="0" lang="en-US" sz="1400" spc="-1" strike="noStrike">
+            <a:endParaRPr b="0" lang="en-US" sz="3200" spc="-1" strike="noStrike">
               <a:solidFill>
                 <a:srgbClr val="000000"/>
               </a:solidFill>
@@ -2100,7 +1993,8 @@
         <p:txBody>
           <a:bodyPr lIns="0" rIns="0" tIns="0" bIns="0" anchor="ctr"/>
           <a:p>
-            <a:endParaRPr b="0" lang="en-US" sz="1400" spc="-1" strike="noStrike">
+            <a:pPr algn="ctr"/>
+            <a:endParaRPr b="0" lang="en-US" sz="4400" spc="-1" strike="noStrike">
               <a:solidFill>
                 <a:srgbClr val="000000"/>
               </a:solidFill>
@@ -2136,7 +2030,7 @@
         <p:txBody>
           <a:bodyPr lIns="0" rIns="0" tIns="0" bIns="0"/>
           <a:p>
-            <a:endParaRPr b="0" lang="en-US" sz="1400" spc="-1" strike="noStrike">
+            <a:endParaRPr b="0" lang="en-US" sz="3200" spc="-1" strike="noStrike">
               <a:solidFill>
                 <a:srgbClr val="000000"/>
               </a:solidFill>
@@ -2172,7 +2066,7 @@
         <p:txBody>
           <a:bodyPr lIns="0" rIns="0" tIns="0" bIns="0"/>
           <a:p>
-            <a:endParaRPr b="0" lang="en-US" sz="1400" spc="-1" strike="noStrike">
+            <a:endParaRPr b="0" lang="en-US" sz="3200" spc="-1" strike="noStrike">
               <a:solidFill>
                 <a:srgbClr val="000000"/>
               </a:solidFill>
@@ -2208,7 +2102,7 @@
         <p:txBody>
           <a:bodyPr lIns="0" rIns="0" tIns="0" bIns="0"/>
           <a:p>
-            <a:endParaRPr b="0" lang="en-US" sz="1400" spc="-1" strike="noStrike">
+            <a:endParaRPr b="0" lang="en-US" sz="3200" spc="-1" strike="noStrike">
               <a:solidFill>
                 <a:srgbClr val="000000"/>
               </a:solidFill>
@@ -2244,7 +2138,7 @@
         <p:txBody>
           <a:bodyPr lIns="0" rIns="0" tIns="0" bIns="0"/>
           <a:p>
-            <a:endParaRPr b="0" lang="en-US" sz="1400" spc="-1" strike="noStrike">
+            <a:endParaRPr b="0" lang="en-US" sz="3200" spc="-1" strike="noStrike">
               <a:solidFill>
                 <a:srgbClr val="000000"/>
               </a:solidFill>
@@ -2302,7 +2196,8 @@
         <p:txBody>
           <a:bodyPr lIns="0" rIns="0" tIns="0" bIns="0" anchor="ctr"/>
           <a:p>
-            <a:endParaRPr b="0" lang="en-US" sz="1400" spc="-1" strike="noStrike">
+            <a:pPr algn="ctr"/>
+            <a:endParaRPr b="0" lang="en-US" sz="4400" spc="-1" strike="noStrike">
               <a:solidFill>
                 <a:srgbClr val="000000"/>
               </a:solidFill>
@@ -2338,7 +2233,7 @@
         <p:txBody>
           <a:bodyPr lIns="0" rIns="0" tIns="0" bIns="0"/>
           <a:p>
-            <a:endParaRPr b="0" lang="en-US" sz="1400" spc="-1" strike="noStrike">
+            <a:endParaRPr b="0" lang="en-US" sz="3200" spc="-1" strike="noStrike">
               <a:solidFill>
                 <a:srgbClr val="000000"/>
               </a:solidFill>
@@ -2374,7 +2269,7 @@
         <p:txBody>
           <a:bodyPr lIns="0" rIns="0" tIns="0" bIns="0"/>
           <a:p>
-            <a:endParaRPr b="0" lang="en-US" sz="1400" spc="-1" strike="noStrike">
+            <a:endParaRPr b="0" lang="en-US" sz="3200" spc="-1" strike="noStrike">
               <a:solidFill>
                 <a:srgbClr val="000000"/>
               </a:solidFill>
@@ -2478,7 +2373,8 @@
         <p:txBody>
           <a:bodyPr lIns="0" rIns="0" tIns="0" bIns="0" anchor="ctr"/>
           <a:p>
-            <a:endParaRPr b="0" lang="en-US" sz="1400" spc="-1" strike="noStrike">
+            <a:pPr algn="ctr"/>
+            <a:endParaRPr b="0" lang="en-US" sz="4400" spc="-1" strike="noStrike">
               <a:solidFill>
                 <a:srgbClr val="000000"/>
               </a:solidFill>
@@ -2573,7 +2469,8 @@
         <p:txBody>
           <a:bodyPr lIns="0" rIns="0" tIns="0" bIns="0" anchor="ctr"/>
           <a:p>
-            <a:endParaRPr b="0" lang="en-US" sz="1400" spc="-1" strike="noStrike">
+            <a:pPr algn="ctr"/>
+            <a:endParaRPr b="0" lang="en-US" sz="4400" spc="-1" strike="noStrike">
               <a:solidFill>
                 <a:srgbClr val="000000"/>
               </a:solidFill>
@@ -2609,7 +2506,7 @@
         <p:txBody>
           <a:bodyPr lIns="0" rIns="0" tIns="0" bIns="0"/>
           <a:p>
-            <a:endParaRPr b="0" lang="en-US" sz="1400" spc="-1" strike="noStrike">
+            <a:endParaRPr b="0" lang="en-US" sz="3200" spc="-1" strike="noStrike">
               <a:solidFill>
                 <a:srgbClr val="000000"/>
               </a:solidFill>
@@ -2667,7 +2564,8 @@
         <p:txBody>
           <a:bodyPr lIns="0" rIns="0" tIns="0" bIns="0" anchor="ctr"/>
           <a:p>
-            <a:endParaRPr b="0" lang="en-US" sz="1400" spc="-1" strike="noStrike">
+            <a:pPr algn="ctr"/>
+            <a:endParaRPr b="0" lang="en-US" sz="4400" spc="-1" strike="noStrike">
               <a:solidFill>
                 <a:srgbClr val="000000"/>
               </a:solidFill>
@@ -2703,7 +2601,7 @@
         <p:txBody>
           <a:bodyPr lIns="0" rIns="0" tIns="0" bIns="0"/>
           <a:p>
-            <a:endParaRPr b="0" lang="en-US" sz="1400" spc="-1" strike="noStrike">
+            <a:endParaRPr b="0" lang="en-US" sz="3200" spc="-1" strike="noStrike">
               <a:solidFill>
                 <a:srgbClr val="000000"/>
               </a:solidFill>
@@ -2739,7 +2637,7 @@
         <p:txBody>
           <a:bodyPr lIns="0" rIns="0" tIns="0" bIns="0"/>
           <a:p>
-            <a:endParaRPr b="0" lang="en-US" sz="1400" spc="-1" strike="noStrike">
+            <a:endParaRPr b="0" lang="en-US" sz="3200" spc="-1" strike="noStrike">
               <a:solidFill>
                 <a:srgbClr val="000000"/>
               </a:solidFill>
@@ -2797,7 +2695,8 @@
         <p:txBody>
           <a:bodyPr lIns="0" rIns="0" tIns="0" bIns="0" anchor="ctr"/>
           <a:p>
-            <a:endParaRPr b="0" lang="en-US" sz="1400" spc="-1" strike="noStrike">
+            <a:pPr algn="ctr"/>
+            <a:endParaRPr b="0" lang="en-US" sz="4400" spc="-1" strike="noStrike">
               <a:solidFill>
                 <a:srgbClr val="000000"/>
               </a:solidFill>
@@ -2914,7 +2813,8 @@
         <p:txBody>
           <a:bodyPr lIns="0" rIns="0" tIns="0" bIns="0" anchor="ctr"/>
           <a:p>
-            <a:endParaRPr b="0" lang="en-US" sz="1400" spc="-1" strike="noStrike">
+            <a:pPr algn="ctr"/>
+            <a:endParaRPr b="0" lang="en-US" sz="4400" spc="-1" strike="noStrike">
               <a:solidFill>
                 <a:srgbClr val="000000"/>
               </a:solidFill>
@@ -2950,7 +2850,7 @@
         <p:txBody>
           <a:bodyPr lIns="0" rIns="0" tIns="0" bIns="0"/>
           <a:p>
-            <a:endParaRPr b="0" lang="en-US" sz="1400" spc="-1" strike="noStrike">
+            <a:endParaRPr b="0" lang="en-US" sz="3200" spc="-1" strike="noStrike">
               <a:solidFill>
                 <a:srgbClr val="000000"/>
               </a:solidFill>
@@ -2986,7 +2886,7 @@
         <p:txBody>
           <a:bodyPr lIns="0" rIns="0" tIns="0" bIns="0"/>
           <a:p>
-            <a:endParaRPr b="0" lang="en-US" sz="1400" spc="-1" strike="noStrike">
+            <a:endParaRPr b="0" lang="en-US" sz="3200" spc="-1" strike="noStrike">
               <a:solidFill>
                 <a:srgbClr val="000000"/>
               </a:solidFill>
@@ -3022,7 +2922,7 @@
         <p:txBody>
           <a:bodyPr lIns="0" rIns="0" tIns="0" bIns="0"/>
           <a:p>
-            <a:endParaRPr b="0" lang="en-US" sz="1400" spc="-1" strike="noStrike">
+            <a:endParaRPr b="0" lang="en-US" sz="3200" spc="-1" strike="noStrike">
               <a:solidFill>
                 <a:srgbClr val="000000"/>
               </a:solidFill>
@@ -3080,7 +2980,8 @@
         <p:txBody>
           <a:bodyPr lIns="0" rIns="0" tIns="0" bIns="0" anchor="ctr"/>
           <a:p>
-            <a:endParaRPr b="0" lang="en-US" sz="1400" spc="-1" strike="noStrike">
+            <a:pPr algn="ctr"/>
+            <a:endParaRPr b="0" lang="en-US" sz="4400" spc="-1" strike="noStrike">
               <a:solidFill>
                 <a:srgbClr val="000000"/>
               </a:solidFill>
@@ -3116,7 +3017,7 @@
         <p:txBody>
           <a:bodyPr lIns="0" rIns="0" tIns="0" bIns="0"/>
           <a:p>
-            <a:endParaRPr b="0" lang="en-US" sz="1400" spc="-1" strike="noStrike">
+            <a:endParaRPr b="0" lang="en-US" sz="3200" spc="-1" strike="noStrike">
               <a:solidFill>
                 <a:srgbClr val="000000"/>
               </a:solidFill>
@@ -3152,7 +3053,7 @@
         <p:txBody>
           <a:bodyPr lIns="0" rIns="0" tIns="0" bIns="0"/>
           <a:p>
-            <a:endParaRPr b="0" lang="en-US" sz="1400" spc="-1" strike="noStrike">
+            <a:endParaRPr b="0" lang="en-US" sz="3200" spc="-1" strike="noStrike">
               <a:solidFill>
                 <a:srgbClr val="000000"/>
               </a:solidFill>
@@ -3188,7 +3089,7 @@
         <p:txBody>
           <a:bodyPr lIns="0" rIns="0" tIns="0" bIns="0"/>
           <a:p>
-            <a:endParaRPr b="0" lang="en-US" sz="1400" spc="-1" strike="noStrike">
+            <a:endParaRPr b="0" lang="en-US" sz="3200" spc="-1" strike="noStrike">
               <a:solidFill>
                 <a:srgbClr val="000000"/>
               </a:solidFill>
@@ -3246,7 +3147,8 @@
         <p:txBody>
           <a:bodyPr lIns="0" rIns="0" tIns="0" bIns="0" anchor="ctr"/>
           <a:p>
-            <a:endParaRPr b="0" lang="en-US" sz="1400" spc="-1" strike="noStrike">
+            <a:pPr algn="ctr"/>
+            <a:endParaRPr b="0" lang="en-US" sz="4400" spc="-1" strike="noStrike">
               <a:solidFill>
                 <a:srgbClr val="000000"/>
               </a:solidFill>
@@ -3282,7 +3184,7 @@
         <p:txBody>
           <a:bodyPr lIns="0" rIns="0" tIns="0" bIns="0"/>
           <a:p>
-            <a:endParaRPr b="0" lang="en-US" sz="1400" spc="-1" strike="noStrike">
+            <a:endParaRPr b="0" lang="en-US" sz="3200" spc="-1" strike="noStrike">
               <a:solidFill>
                 <a:srgbClr val="000000"/>
               </a:solidFill>
@@ -3318,7 +3220,7 @@
         <p:txBody>
           <a:bodyPr lIns="0" rIns="0" tIns="0" bIns="0"/>
           <a:p>
-            <a:endParaRPr b="0" lang="en-US" sz="1400" spc="-1" strike="noStrike">
+            <a:endParaRPr b="0" lang="en-US" sz="3200" spc="-1" strike="noStrike">
               <a:solidFill>
                 <a:srgbClr val="000000"/>
               </a:solidFill>
@@ -3354,7 +3256,7 @@
         <p:txBody>
           <a:bodyPr lIns="0" rIns="0" tIns="0" bIns="0"/>
           <a:p>
-            <a:endParaRPr b="0" lang="en-US" sz="1400" spc="-1" strike="noStrike">
+            <a:endParaRPr b="0" lang="en-US" sz="3200" spc="-1" strike="noStrike">
               <a:solidFill>
                 <a:srgbClr val="000000"/>
               </a:solidFill>
@@ -3412,8 +3314,9 @@
         <p:txBody>
           <a:bodyPr lIns="0" rIns="0" tIns="0" bIns="0" anchor="ctr"/>
           <a:p>
-            <a:r>
-              <a:rPr b="0" lang="en-US" sz="1400" spc="-1" strike="noStrike">
+            <a:pPr algn="ctr"/>
+            <a:r>
+              <a:rPr b="0" lang="en-US" sz="4400" spc="-1" strike="noStrike">
                 <a:solidFill>
                   <a:srgbClr val="000000"/>
                 </a:solidFill>
@@ -3426,7 +3329,7 @@
               </a:rPr>
               <a:t>Click to edit the title text format</a:t>
             </a:r>
-            <a:endParaRPr b="0" lang="en-US" sz="1400" spc="-1" strike="noStrike">
+            <a:endParaRPr b="0" lang="en-US" sz="4400" spc="-1" strike="noStrike">
               <a:solidFill>
                 <a:srgbClr val="000000"/>
               </a:solidFill>
@@ -3471,7 +3374,7 @@
               <a:buChar char=""/>
             </a:pPr>
             <a:r>
-              <a:rPr b="0" lang="en-US" sz="1400" spc="-1" strike="noStrike">
+              <a:rPr b="0" lang="en-US" sz="3200" spc="-1" strike="noStrike">
                 <a:solidFill>
                   <a:srgbClr val="000000"/>
                 </a:solidFill>
@@ -3484,7 +3387,7 @@
               </a:rPr>
               <a:t>Click to edit the outline text format</a:t>
             </a:r>
-            <a:endParaRPr b="0" lang="en-US" sz="1400" spc="-1" strike="noStrike">
+            <a:endParaRPr b="0" lang="en-US" sz="3200" spc="-1" strike="noStrike">
               <a:solidFill>
                 <a:srgbClr val="000000"/>
               </a:solidFill>
@@ -3506,7 +3409,7 @@
               <a:buChar char=""/>
             </a:pPr>
             <a:r>
-              <a:rPr b="0" lang="en-US" sz="1400" spc="-1" strike="noStrike">
+              <a:rPr b="0" lang="en-US" sz="2800" spc="-1" strike="noStrike">
                 <a:solidFill>
                   <a:srgbClr val="000000"/>
                 </a:solidFill>
@@ -3519,7 +3422,7 @@
               </a:rPr>
               <a:t>Second Outline Level</a:t>
             </a:r>
-            <a:endParaRPr b="0" lang="en-US" sz="1400" spc="-1" strike="noStrike">
+            <a:endParaRPr b="0" lang="en-US" sz="2800" spc="-1" strike="noStrike">
               <a:solidFill>
                 <a:srgbClr val="000000"/>
               </a:solidFill>
@@ -3541,7 +3444,7 @@
               <a:buChar char=""/>
             </a:pPr>
             <a:r>
-              <a:rPr b="0" lang="en-US" sz="1400" spc="-1" strike="noStrike">
+              <a:rPr b="0" lang="en-US" sz="2400" spc="-1" strike="noStrike">
                 <a:solidFill>
                   <a:srgbClr val="000000"/>
                 </a:solidFill>
@@ -3554,7 +3457,7 @@
               </a:rPr>
               <a:t>Third Outline Level</a:t>
             </a:r>
-            <a:endParaRPr b="0" lang="en-US" sz="1400" spc="-1" strike="noStrike">
+            <a:endParaRPr b="0" lang="en-US" sz="2400" spc="-1" strike="noStrike">
               <a:solidFill>
                 <a:srgbClr val="000000"/>
               </a:solidFill>
@@ -3576,7 +3479,7 @@
               <a:buChar char=""/>
             </a:pPr>
             <a:r>
-              <a:rPr b="0" lang="en-US" sz="1400" spc="-1" strike="noStrike">
+              <a:rPr b="0" lang="en-US" sz="2000" spc="-1" strike="noStrike">
                 <a:solidFill>
                   <a:srgbClr val="000000"/>
                 </a:solidFill>
@@ -3589,7 +3492,7 @@
               </a:rPr>
               <a:t>Fourth Outline Level</a:t>
             </a:r>
-            <a:endParaRPr b="0" lang="en-US" sz="1400" spc="-1" strike="noStrike">
+            <a:endParaRPr b="0" lang="en-US" sz="2000" spc="-1" strike="noStrike">
               <a:solidFill>
                 <a:srgbClr val="000000"/>
               </a:solidFill>
@@ -3761,7 +3664,7 @@
         <p:spPr>
           <a:xfrm>
             <a:off x="456480" y="1188720"/>
-            <a:ext cx="9068400" cy="6216840"/>
+            <a:ext cx="9067680" cy="6216120"/>
           </a:xfrm>
           <a:prstGeom prst="rect">
             <a:avLst/>
@@ -3846,7 +3749,7 @@
             </a:endParaRPr>
           </a:p>
           <a:p>
-            <a:pPr marL="215640" indent="-207720">
+            <a:pPr marL="215640" indent="-207000">
               <a:lnSpc>
                 <a:spcPct val="98000"/>
               </a:lnSpc>
@@ -3879,7 +3782,7 @@
             </a:endParaRPr>
           </a:p>
           <a:p>
-            <a:pPr marL="215640" indent="-207720">
+            <a:pPr marL="215640" indent="-207000">
               <a:lnSpc>
                 <a:spcPct val="98000"/>
               </a:lnSpc>
@@ -3912,7 +3815,7 @@
             </a:endParaRPr>
           </a:p>
           <a:p>
-            <a:pPr marL="215640" indent="-207720">
+            <a:pPr marL="215640" indent="-207000">
               <a:lnSpc>
                 <a:spcPct val="98000"/>
               </a:lnSpc>
@@ -3955,7 +3858,7 @@
         <p:spPr>
           <a:xfrm>
             <a:off x="437760" y="731880"/>
-            <a:ext cx="9068400" cy="6216840"/>
+            <a:ext cx="9067680" cy="6216120"/>
           </a:xfrm>
           <a:custGeom>
             <a:avLst/>
@@ -4587,14 +4490,14 @@
       </p:grpSpPr>
       <p:sp>
         <p:nvSpPr>
-          <p:cNvPr id="63" name="CustomShape 1"/>
+          <p:cNvPr id="62" name="CustomShape 1"/>
           <p:cNvSpPr/>
           <p:nvPr/>
         </p:nvSpPr>
         <p:spPr>
           <a:xfrm>
             <a:off x="456480" y="1188720"/>
-            <a:ext cx="9068400" cy="6216840"/>
+            <a:ext cx="9067680" cy="6216120"/>
           </a:xfrm>
           <a:prstGeom prst="rect">
             <a:avLst/>
@@ -4679,7 +4582,7 @@
             </a:endParaRPr>
           </a:p>
           <a:p>
-            <a:pPr marL="215640" indent="-207720">
+            <a:pPr marL="215640" indent="-207000">
               <a:lnSpc>
                 <a:spcPct val="98000"/>
               </a:lnSpc>
@@ -4712,7 +4615,7 @@
             </a:endParaRPr>
           </a:p>
           <a:p>
-            <a:pPr marL="215640" indent="-207720">
+            <a:pPr marL="215640" indent="-207000">
               <a:lnSpc>
                 <a:spcPct val="98000"/>
               </a:lnSpc>
@@ -4745,7 +4648,7 @@
             </a:endParaRPr>
           </a:p>
           <a:p>
-            <a:pPr marL="215640" indent="-207720">
+            <a:pPr marL="215640" indent="-207000">
               <a:lnSpc>
                 <a:spcPct val="98000"/>
               </a:lnSpc>
@@ -4781,14 +4684,14 @@
       </p:sp>
       <p:sp>
         <p:nvSpPr>
-          <p:cNvPr id="64" name="CustomShape 2"/>
+          <p:cNvPr id="63" name="CustomShape 2"/>
           <p:cNvSpPr/>
           <p:nvPr/>
         </p:nvSpPr>
         <p:spPr>
           <a:xfrm>
             <a:off x="437760" y="194400"/>
-            <a:ext cx="9068400" cy="6754320"/>
+            <a:ext cx="9067680" cy="6753600"/>
           </a:xfrm>
           <a:custGeom>
             <a:avLst/>
@@ -4835,24 +4738,6 @@
                 <a:spcPct val="93000"/>
               </a:lnSpc>
             </a:pPr>
-            <a:endParaRPr b="0" lang="en-US" sz="1800" spc="-1" strike="noStrike">
-              <a:solidFill>
-                <a:srgbClr val="000000"/>
-              </a:solidFill>
-              <a:uFill>
-                <a:solidFill>
-                  <a:srgbClr val="ffffff"/>
-                </a:solidFill>
-              </a:uFill>
-              <a:latin typeface="Arial"/>
-            </a:endParaRPr>
-          </a:p>
-          <a:p>
-            <a:pPr>
-              <a:lnSpc>
-                <a:spcPct val="93000"/>
-              </a:lnSpc>
-            </a:pPr>
             <a:r>
               <a:rPr b="0" lang="en-US" sz="2200" spc="-1" strike="noStrike" u="sng">
                 <a:solidFill>
@@ -4866,70 +4751,40 @@
                 <a:latin typeface="Georgia"/>
                 <a:ea typeface="Georgia"/>
               </a:rPr>
-              <a:t>Nevertheless (</a:t>
-            </a:r>
-            <a:r>
-              <a:rPr b="0" lang="en-US" sz="2200" spc="-1" strike="noStrike" u="sng">
-                <a:solidFill>
-                  <a:srgbClr val="000000"/>
-                </a:solidFill>
-                <a:uFill>
-                  <a:solidFill>
-                    <a:srgbClr val="ffffff"/>
-                  </a:solidFill>
-                </a:uFill>
-                <a:latin typeface="Georgia"/>
-                <a:ea typeface="Georgia"/>
-              </a:rPr>
-              <a:t>তবুও</a:t>
-            </a:r>
-            <a:r>
-              <a:rPr b="0" lang="en-US" sz="2200" spc="-1" strike="noStrike" u="sng">
-                <a:solidFill>
-                  <a:srgbClr val="000000"/>
-                </a:solidFill>
-                <a:uFill>
-                  <a:solidFill>
-                    <a:srgbClr val="ffffff"/>
-                  </a:solidFill>
-                </a:uFill>
-                <a:latin typeface="Georgia"/>
-                <a:ea typeface="Georgia"/>
-              </a:rPr>
-              <a:t>) </a:t>
-            </a:r>
-            <a:endParaRPr b="0" lang="en-US" sz="1800" spc="-1" strike="noStrike">
-              <a:solidFill>
-                <a:srgbClr val="000000"/>
-              </a:solidFill>
-              <a:uFill>
-                <a:solidFill>
-                  <a:srgbClr val="ffffff"/>
-                </a:solidFill>
-              </a:uFill>
-              <a:latin typeface="Arial"/>
-            </a:endParaRPr>
-          </a:p>
-          <a:p>
-            <a:pPr>
-              <a:lnSpc>
-                <a:spcPct val="93000"/>
-              </a:lnSpc>
-            </a:pPr>
-            <a:endParaRPr b="0" lang="en-US" sz="1800" spc="-1" strike="noStrike">
-              <a:solidFill>
-                <a:srgbClr val="000000"/>
-              </a:solidFill>
-              <a:uFill>
-                <a:solidFill>
-                  <a:srgbClr val="ffffff"/>
-                </a:solidFill>
-              </a:uFill>
-              <a:latin typeface="Arial"/>
-            </a:endParaRPr>
-          </a:p>
-          <a:p>
-            <a:pPr marL="457200" indent="-367920">
+              <a:t>In addition</a:t>
+            </a:r>
+            <a:endParaRPr b="0" lang="en-US" sz="1800" spc="-1" strike="noStrike">
+              <a:solidFill>
+                <a:srgbClr val="000000"/>
+              </a:solidFill>
+              <a:uFill>
+                <a:solidFill>
+                  <a:srgbClr val="ffffff"/>
+                </a:solidFill>
+              </a:uFill>
+              <a:latin typeface="Arial"/>
+            </a:endParaRPr>
+          </a:p>
+          <a:p>
+            <a:pPr marL="457200">
+              <a:lnSpc>
+                <a:spcPct val="93000"/>
+              </a:lnSpc>
+            </a:pPr>
+            <a:endParaRPr b="0" lang="en-US" sz="1800" spc="-1" strike="noStrike">
+              <a:solidFill>
+                <a:srgbClr val="000000"/>
+              </a:solidFill>
+              <a:uFill>
+                <a:solidFill>
+                  <a:srgbClr val="ffffff"/>
+                </a:solidFill>
+              </a:uFill>
+              <a:latin typeface="Arial"/>
+            </a:endParaRPr>
+          </a:p>
+          <a:p>
+            <a:pPr marL="457200" indent="-367200">
               <a:lnSpc>
                 <a:spcPct val="93000"/>
               </a:lnSpc>
@@ -4952,7 +4807,7 @@
                 <a:latin typeface="Georgia"/>
                 <a:ea typeface="Georgia"/>
               </a:rPr>
-              <a:t>Many know that too much sugar is bad for health. Nevertheless, many continue to eat a lot of it every day.</a:t>
+              <a:t>Players in Ac Milan are all good footballers. In addition, many of them have years of experience playing together.</a:t>
             </a:r>
             <a:endParaRPr b="0" lang="en-US" sz="1800" spc="-1" strike="noStrike">
               <a:solidFill>
@@ -4985,7 +4840,7 @@
             </a:endParaRPr>
           </a:p>
           <a:p>
-            <a:pPr marL="457200" indent="-367920">
+            <a:pPr marL="457200" indent="-367200">
               <a:lnSpc>
                 <a:spcPct val="93000"/>
               </a:lnSpc>
@@ -5008,121 +4863,40 @@
                 <a:latin typeface="Georgia"/>
                 <a:ea typeface="Georgia"/>
               </a:rPr>
-              <a:t>There are several serious problems with the car. Nevertheless, we will have to use it to drive to work this week.</a:t>
-            </a:r>
-            <a:endParaRPr b="0" lang="en-US" sz="1800" spc="-1" strike="noStrike">
-              <a:solidFill>
-                <a:srgbClr val="000000"/>
-              </a:solidFill>
-              <a:uFill>
-                <a:solidFill>
-                  <a:srgbClr val="ffffff"/>
-                </a:solidFill>
-              </a:uFill>
-              <a:latin typeface="Arial"/>
-            </a:endParaRPr>
-          </a:p>
-          <a:p>
-            <a:pPr>
-              <a:lnSpc>
-                <a:spcPct val="93000"/>
-              </a:lnSpc>
-            </a:pPr>
-            <a:endParaRPr b="0" lang="en-US" sz="1800" spc="-1" strike="noStrike">
-              <a:solidFill>
-                <a:srgbClr val="000000"/>
-              </a:solidFill>
-              <a:uFill>
-                <a:solidFill>
-                  <a:srgbClr val="ffffff"/>
-                </a:solidFill>
-              </a:uFill>
-              <a:latin typeface="Arial"/>
-            </a:endParaRPr>
-          </a:p>
-          <a:p>
-            <a:pPr>
-              <a:lnSpc>
-                <a:spcPct val="93000"/>
-              </a:lnSpc>
-            </a:pPr>
-            <a:r>
-              <a:rPr b="0" lang="en-US" sz="2200" spc="-1" strike="noStrike">
-                <a:solidFill>
-                  <a:srgbClr val="000000"/>
-                </a:solidFill>
-                <a:uFill>
-                  <a:solidFill>
-                    <a:srgbClr val="ffffff"/>
-                  </a:solidFill>
-                </a:uFill>
-                <a:latin typeface="Georgia"/>
-                <a:ea typeface="Georgia"/>
-              </a:rPr>
-              <a:t>Unless ( Condition or </a:t>
-            </a:r>
-            <a:r>
-              <a:rPr b="0" lang="en-US" sz="2200" spc="-1" strike="noStrike">
-                <a:solidFill>
-                  <a:srgbClr val="000000"/>
-                </a:solidFill>
-                <a:uFill>
-                  <a:solidFill>
-                    <a:srgbClr val="ffffff"/>
-                  </a:solidFill>
-                </a:uFill>
-                <a:latin typeface="Georgia"/>
-                <a:ea typeface="Georgia"/>
-              </a:rPr>
-              <a:t>শর্ত </a:t>
-            </a:r>
-            <a:r>
-              <a:rPr b="0" lang="en-US" sz="2200" spc="-1" strike="noStrike">
-                <a:solidFill>
-                  <a:srgbClr val="000000"/>
-                </a:solidFill>
-                <a:uFill>
-                  <a:solidFill>
-                    <a:srgbClr val="ffffff"/>
-                  </a:solidFill>
-                </a:uFill>
-                <a:latin typeface="Georgia"/>
-                <a:ea typeface="Georgia"/>
-              </a:rPr>
-              <a:t>)</a:t>
-            </a:r>
-            <a:endParaRPr b="0" lang="en-US" sz="1800" spc="-1" strike="noStrike">
-              <a:solidFill>
-                <a:srgbClr val="000000"/>
-              </a:solidFill>
-              <a:uFill>
-                <a:solidFill>
-                  <a:srgbClr val="ffffff"/>
-                </a:solidFill>
-              </a:uFill>
-              <a:latin typeface="Arial"/>
-            </a:endParaRPr>
-          </a:p>
-          <a:p>
-            <a:pPr>
-              <a:lnSpc>
-                <a:spcPct val="93000"/>
-              </a:lnSpc>
-            </a:pPr>
-            <a:endParaRPr b="0" lang="en-US" sz="1800" spc="-1" strike="noStrike">
-              <a:solidFill>
-                <a:srgbClr val="000000"/>
-              </a:solidFill>
-              <a:uFill>
-                <a:solidFill>
-                  <a:srgbClr val="ffffff"/>
-                </a:solidFill>
-              </a:uFill>
-              <a:latin typeface="Arial"/>
-            </a:endParaRPr>
-          </a:p>
-          <a:p>
-            <a:pPr marL="457200" indent="-367920">
+              <a:t>He is kind, helpful and generous person. In addition, he is a sportsmen.</a:t>
+            </a:r>
+            <a:endParaRPr b="0" lang="en-US" sz="1800" spc="-1" strike="noStrike">
+              <a:solidFill>
+                <a:srgbClr val="000000"/>
+              </a:solidFill>
+              <a:uFill>
+                <a:solidFill>
+                  <a:srgbClr val="ffffff"/>
+                </a:solidFill>
+              </a:uFill>
+              <a:latin typeface="Arial"/>
+            </a:endParaRPr>
+          </a:p>
+          <a:p>
+            <a:pPr marL="457200">
+              <a:lnSpc>
+                <a:spcPct val="93000"/>
+              </a:lnSpc>
+            </a:pPr>
+            <a:endParaRPr b="0" lang="en-US" sz="1800" spc="-1" strike="noStrike">
+              <a:solidFill>
+                <a:srgbClr val="000000"/>
+              </a:solidFill>
+              <a:uFill>
+                <a:solidFill>
+                  <a:srgbClr val="ffffff"/>
+                </a:solidFill>
+              </a:uFill>
+              <a:latin typeface="Arial"/>
+            </a:endParaRPr>
+          </a:p>
+          <a:p>
+            <a:pPr marL="457200" indent="-367200">
               <a:lnSpc>
                 <a:spcPct val="93000"/>
               </a:lnSpc>
@@ -5145,7 +4919,7 @@
                 <a:latin typeface="Georgia"/>
                 <a:ea typeface="Georgia"/>
               </a:rPr>
-              <a:t>The guard will not allow you to enter the theatre unless you show the ticket.</a:t>
+              <a:t>He is an popular actor. In addition, he often conducts program act as an anchor.  </a:t>
             </a:r>
             <a:endParaRPr b="0" lang="en-US" sz="1800" spc="-1" strike="noStrike">
               <a:solidFill>
@@ -5178,99 +4952,25 @@
             </a:endParaRPr>
           </a:p>
           <a:p>
-            <a:pPr marL="457200" indent="-367920">
-              <a:lnSpc>
-                <a:spcPct val="93000"/>
-              </a:lnSpc>
-              <a:buClr>
-                <a:srgbClr val="000000"/>
-              </a:buClr>
-              <a:buFont typeface="Georgia"/>
-              <a:buChar char="❖"/>
-            </a:pPr>
-            <a:r>
-              <a:rPr b="0" lang="en-US" sz="2200" spc="-1" strike="noStrike">
-                <a:solidFill>
-                  <a:srgbClr val="000000"/>
-                </a:solidFill>
-                <a:uFill>
-                  <a:solidFill>
-                    <a:srgbClr val="ffffff"/>
-                  </a:solidFill>
-                </a:uFill>
-                <a:latin typeface="Georgia"/>
-                <a:ea typeface="Georgia"/>
-              </a:rPr>
-              <a:t>I will not go unless Peter gives my phone.</a:t>
-            </a:r>
-            <a:endParaRPr b="0" lang="en-US" sz="1800" spc="-1" strike="noStrike">
-              <a:solidFill>
-                <a:srgbClr val="000000"/>
-              </a:solidFill>
-              <a:uFill>
-                <a:solidFill>
-                  <a:srgbClr val="ffffff"/>
-                </a:solidFill>
-              </a:uFill>
-              <a:latin typeface="Arial"/>
-            </a:endParaRPr>
-          </a:p>
-          <a:p>
-            <a:pPr>
-              <a:lnSpc>
-                <a:spcPct val="93000"/>
-              </a:lnSpc>
-            </a:pPr>
-            <a:endParaRPr b="0" lang="en-US" sz="1800" spc="-1" strike="noStrike">
-              <a:solidFill>
-                <a:srgbClr val="000000"/>
-              </a:solidFill>
-              <a:uFill>
-                <a:solidFill>
-                  <a:srgbClr val="ffffff"/>
-                </a:solidFill>
-              </a:uFill>
-              <a:latin typeface="Arial"/>
-            </a:endParaRPr>
-          </a:p>
-          <a:p>
-            <a:pPr>
-              <a:lnSpc>
-                <a:spcPct val="93000"/>
-              </a:lnSpc>
-            </a:pPr>
-            <a:endParaRPr b="0" lang="en-US" sz="1800" spc="-1" strike="noStrike">
-              <a:solidFill>
-                <a:srgbClr val="000000"/>
-              </a:solidFill>
-              <a:uFill>
-                <a:solidFill>
-                  <a:srgbClr val="ffffff"/>
-                </a:solidFill>
-              </a:uFill>
-              <a:latin typeface="Arial"/>
-            </a:endParaRPr>
-          </a:p>
-          <a:p>
-            <a:pPr>
-              <a:lnSpc>
-                <a:spcPct val="93000"/>
-              </a:lnSpc>
-            </a:pPr>
-            <a:endParaRPr b="0" lang="en-US" sz="1800" spc="-1" strike="noStrike">
-              <a:solidFill>
-                <a:srgbClr val="000000"/>
-              </a:solidFill>
-              <a:uFill>
-                <a:solidFill>
-                  <a:srgbClr val="ffffff"/>
-                </a:solidFill>
-              </a:uFill>
-              <a:latin typeface="Arial"/>
-            </a:endParaRPr>
-          </a:p>
-          <a:p>
-            <a:pPr>
+            <a:pPr marL="457200">
+              <a:lnSpc>
+                <a:spcPct val="93000"/>
+              </a:lnSpc>
+            </a:pPr>
+            <a:endParaRPr b="0" lang="en-US" sz="1800" spc="-1" strike="noStrike">
+              <a:solidFill>
+                <a:srgbClr val="000000"/>
+              </a:solidFill>
+              <a:uFill>
+                <a:solidFill>
+                  <a:srgbClr val="ffffff"/>
+                </a:solidFill>
+              </a:uFill>
+              <a:latin typeface="Arial"/>
+            </a:endParaRPr>
+          </a:p>
+          <a:p>
+            <a:pPr marL="457200">
               <a:lnSpc>
                 <a:spcPct val="93000"/>
               </a:lnSpc>
@@ -5347,14 +5047,14 @@
       </p:grpSpPr>
       <p:sp>
         <p:nvSpPr>
-          <p:cNvPr id="65" name="CustomShape 1"/>
+          <p:cNvPr id="64" name="CustomShape 1"/>
           <p:cNvSpPr/>
           <p:nvPr/>
         </p:nvSpPr>
         <p:spPr>
           <a:xfrm>
             <a:off x="456480" y="1188720"/>
-            <a:ext cx="9068400" cy="6216840"/>
+            <a:ext cx="9067680" cy="6216120"/>
           </a:xfrm>
           <a:prstGeom prst="rect">
             <a:avLst/>
@@ -5439,7 +5139,7 @@
             </a:endParaRPr>
           </a:p>
           <a:p>
-            <a:pPr marL="215640" indent="-207720">
+            <a:pPr marL="215640" indent="-207000">
               <a:lnSpc>
                 <a:spcPct val="98000"/>
               </a:lnSpc>
@@ -5472,7 +5172,7 @@
             </a:endParaRPr>
           </a:p>
           <a:p>
-            <a:pPr marL="215640" indent="-207720">
+            <a:pPr marL="215640" indent="-207000">
               <a:lnSpc>
                 <a:spcPct val="98000"/>
               </a:lnSpc>
@@ -5505,7 +5205,7 @@
             </a:endParaRPr>
           </a:p>
           <a:p>
-            <a:pPr marL="215640" indent="-207720">
+            <a:pPr marL="215640" indent="-207000">
               <a:lnSpc>
                 <a:spcPct val="98000"/>
               </a:lnSpc>
@@ -5539,313 +5239,29 @@
           </a:p>
         </p:txBody>
       </p:sp>
-      <p:sp>
-        <p:nvSpPr>
-          <p:cNvPr id="66" name="CustomShape 2"/>
-          <p:cNvSpPr/>
+      <p:pic>
+        <p:nvPicPr>
+          <p:cNvPr id="65" name="" descr=""/>
+          <p:cNvPicPr/>
           <p:nvPr/>
-        </p:nvSpPr>
+        </p:nvPicPr>
+        <p:blipFill>
+          <a:blip r:embed="rId1"/>
+          <a:stretch/>
+        </p:blipFill>
         <p:spPr>
           <a:xfrm>
-            <a:off x="437760" y="194400"/>
-            <a:ext cx="9068400" cy="6754320"/>
+            <a:off x="1536840" y="63720"/>
+            <a:ext cx="6984000" cy="7364880"/>
           </a:xfrm>
-          <a:custGeom>
+          <a:prstGeom prst="rect">
             <a:avLst/>
-            <a:gdLst/>
-            <a:ahLst/>
-            <a:rect l="l" t="t" r="r" b="b"/>
-            <a:pathLst>
-              <a:path w="21600" h="21600">
-                <a:moveTo>
-                  <a:pt x="0" y="0"/>
-                </a:moveTo>
-                <a:lnTo>
-                  <a:pt x="21600" y="0"/>
-                </a:lnTo>
-                <a:lnTo>
-                  <a:pt x="21600" y="21600"/>
-                </a:lnTo>
-                <a:lnTo>
-                  <a:pt x="0" y="21600"/>
-                </a:lnTo>
-                <a:lnTo>
-                  <a:pt x="0" y="0"/>
-                </a:lnTo>
-                <a:close/>
-              </a:path>
-            </a:pathLst>
-          </a:custGeom>
-          <a:noFill/>
+          </a:prstGeom>
           <a:ln>
             <a:noFill/>
           </a:ln>
         </p:spPr>
-        <p:style>
-          <a:lnRef idx="0"/>
-          <a:fillRef idx="0"/>
-          <a:effectRef idx="0"/>
-          <a:fontRef idx="minor"/>
-        </p:style>
-        <p:txBody>
-          <a:bodyPr lIns="0" rIns="0" tIns="7200" bIns="0"/>
-          <a:p>
-            <a:pPr>
-              <a:lnSpc>
-                <a:spcPct val="93000"/>
-              </a:lnSpc>
-            </a:pPr>
-            <a:r>
-              <a:rPr b="0" lang="en-US" sz="2200" spc="-1" strike="noStrike" u="sng">
-                <a:solidFill>
-                  <a:srgbClr val="000000"/>
-                </a:solidFill>
-                <a:uFill>
-                  <a:solidFill>
-                    <a:srgbClr val="ffffff"/>
-                  </a:solidFill>
-                </a:uFill>
-                <a:latin typeface="Georgia"/>
-                <a:ea typeface="Georgia"/>
-              </a:rPr>
-              <a:t>In addition</a:t>
-            </a:r>
-            <a:endParaRPr b="0" lang="en-US" sz="1800" spc="-1" strike="noStrike">
-              <a:solidFill>
-                <a:srgbClr val="000000"/>
-              </a:solidFill>
-              <a:uFill>
-                <a:solidFill>
-                  <a:srgbClr val="ffffff"/>
-                </a:solidFill>
-              </a:uFill>
-              <a:latin typeface="Arial"/>
-            </a:endParaRPr>
-          </a:p>
-          <a:p>
-            <a:pPr marL="457200">
-              <a:lnSpc>
-                <a:spcPct val="93000"/>
-              </a:lnSpc>
-            </a:pPr>
-            <a:endParaRPr b="0" lang="en-US" sz="1800" spc="-1" strike="noStrike">
-              <a:solidFill>
-                <a:srgbClr val="000000"/>
-              </a:solidFill>
-              <a:uFill>
-                <a:solidFill>
-                  <a:srgbClr val="ffffff"/>
-                </a:solidFill>
-              </a:uFill>
-              <a:latin typeface="Arial"/>
-            </a:endParaRPr>
-          </a:p>
-          <a:p>
-            <a:pPr marL="457200" indent="-367920">
-              <a:lnSpc>
-                <a:spcPct val="93000"/>
-              </a:lnSpc>
-              <a:buClr>
-                <a:srgbClr val="000000"/>
-              </a:buClr>
-              <a:buFont typeface="Georgia"/>
-              <a:buChar char="❖"/>
-            </a:pPr>
-            <a:r>
-              <a:rPr b="0" lang="en-US" sz="2200" spc="-1" strike="noStrike">
-                <a:solidFill>
-                  <a:srgbClr val="000000"/>
-                </a:solidFill>
-                <a:uFill>
-                  <a:solidFill>
-                    <a:srgbClr val="ffffff"/>
-                  </a:solidFill>
-                </a:uFill>
-                <a:latin typeface="Georgia"/>
-                <a:ea typeface="Georgia"/>
-              </a:rPr>
-              <a:t>Players in Ac Milan are all good footballers. In addition, many of them have years of experience playing together.</a:t>
-            </a:r>
-            <a:endParaRPr b="0" lang="en-US" sz="1800" spc="-1" strike="noStrike">
-              <a:solidFill>
-                <a:srgbClr val="000000"/>
-              </a:solidFill>
-              <a:uFill>
-                <a:solidFill>
-                  <a:srgbClr val="ffffff"/>
-                </a:solidFill>
-              </a:uFill>
-              <a:latin typeface="Arial"/>
-            </a:endParaRPr>
-          </a:p>
-          <a:p>
-            <a:pPr marL="457200">
-              <a:lnSpc>
-                <a:spcPct val="93000"/>
-              </a:lnSpc>
-            </a:pPr>
-            <a:endParaRPr b="0" lang="en-US" sz="1800" spc="-1" strike="noStrike">
-              <a:solidFill>
-                <a:srgbClr val="000000"/>
-              </a:solidFill>
-              <a:uFill>
-                <a:solidFill>
-                  <a:srgbClr val="ffffff"/>
-                </a:solidFill>
-              </a:uFill>
-              <a:latin typeface="Arial"/>
-            </a:endParaRPr>
-          </a:p>
-          <a:p>
-            <a:pPr marL="457200" indent="-367920">
-              <a:lnSpc>
-                <a:spcPct val="93000"/>
-              </a:lnSpc>
-              <a:buClr>
-                <a:srgbClr val="000000"/>
-              </a:buClr>
-              <a:buFont typeface="Georgia"/>
-              <a:buChar char="❖"/>
-            </a:pPr>
-            <a:r>
-              <a:rPr b="0" lang="en-US" sz="2200" spc="-1" strike="noStrike">
-                <a:solidFill>
-                  <a:srgbClr val="000000"/>
-                </a:solidFill>
-                <a:uFill>
-                  <a:solidFill>
-                    <a:srgbClr val="ffffff"/>
-                  </a:solidFill>
-                </a:uFill>
-                <a:latin typeface="Georgia"/>
-                <a:ea typeface="Georgia"/>
-              </a:rPr>
-              <a:t>He is kind, helpful and generous person. In addition, he is a sportsmen.</a:t>
-            </a:r>
-            <a:endParaRPr b="0" lang="en-US" sz="1800" spc="-1" strike="noStrike">
-              <a:solidFill>
-                <a:srgbClr val="000000"/>
-              </a:solidFill>
-              <a:uFill>
-                <a:solidFill>
-                  <a:srgbClr val="ffffff"/>
-                </a:solidFill>
-              </a:uFill>
-              <a:latin typeface="Arial"/>
-            </a:endParaRPr>
-          </a:p>
-          <a:p>
-            <a:pPr marL="457200">
-              <a:lnSpc>
-                <a:spcPct val="93000"/>
-              </a:lnSpc>
-            </a:pPr>
-            <a:endParaRPr b="0" lang="en-US" sz="1800" spc="-1" strike="noStrike">
-              <a:solidFill>
-                <a:srgbClr val="000000"/>
-              </a:solidFill>
-              <a:uFill>
-                <a:solidFill>
-                  <a:srgbClr val="ffffff"/>
-                </a:solidFill>
-              </a:uFill>
-              <a:latin typeface="Arial"/>
-            </a:endParaRPr>
-          </a:p>
-          <a:p>
-            <a:pPr marL="457200" indent="-367920">
-              <a:lnSpc>
-                <a:spcPct val="93000"/>
-              </a:lnSpc>
-              <a:buClr>
-                <a:srgbClr val="000000"/>
-              </a:buClr>
-              <a:buFont typeface="Georgia"/>
-              <a:buChar char="❖"/>
-            </a:pPr>
-            <a:r>
-              <a:rPr b="0" lang="en-US" sz="2200" spc="-1" strike="noStrike">
-                <a:solidFill>
-                  <a:srgbClr val="000000"/>
-                </a:solidFill>
-                <a:uFill>
-                  <a:solidFill>
-                    <a:srgbClr val="ffffff"/>
-                  </a:solidFill>
-                </a:uFill>
-                <a:latin typeface="Georgia"/>
-                <a:ea typeface="Georgia"/>
-              </a:rPr>
-              <a:t>He is an popular actor. In addition, he often conducts program act as an anchor.  </a:t>
-            </a:r>
-            <a:endParaRPr b="0" lang="en-US" sz="1800" spc="-1" strike="noStrike">
-              <a:solidFill>
-                <a:srgbClr val="000000"/>
-              </a:solidFill>
-              <a:uFill>
-                <a:solidFill>
-                  <a:srgbClr val="ffffff"/>
-                </a:solidFill>
-              </a:uFill>
-              <a:latin typeface="Arial"/>
-            </a:endParaRPr>
-          </a:p>
-          <a:p>
-            <a:pPr marL="457200">
-              <a:lnSpc>
-                <a:spcPct val="93000"/>
-              </a:lnSpc>
-            </a:pPr>
-            <a:endParaRPr b="0" lang="en-US" sz="1800" spc="-1" strike="noStrike">
-              <a:solidFill>
-                <a:srgbClr val="000000"/>
-              </a:solidFill>
-              <a:uFill>
-                <a:solidFill>
-                  <a:srgbClr val="ffffff"/>
-                </a:solidFill>
-              </a:uFill>
-              <a:latin typeface="Arial"/>
-            </a:endParaRPr>
-          </a:p>
-          <a:p>
-            <a:pPr>
-              <a:lnSpc>
-                <a:spcPct val="93000"/>
-              </a:lnSpc>
-            </a:pPr>
-            <a:endParaRPr b="0" lang="en-US" sz="1800" spc="-1" strike="noStrike">
-              <a:solidFill>
-                <a:srgbClr val="000000"/>
-              </a:solidFill>
-              <a:uFill>
-                <a:solidFill>
-                  <a:srgbClr val="ffffff"/>
-                </a:solidFill>
-              </a:uFill>
-              <a:latin typeface="Arial"/>
-            </a:endParaRPr>
-          </a:p>
-          <a:p>
-            <a:pPr>
-              <a:lnSpc>
-                <a:spcPct val="93000"/>
-              </a:lnSpc>
-            </a:pPr>
-            <a:endParaRPr b="0" lang="en-US" sz="1800" spc="-1" strike="noStrike">
-              <a:solidFill>
-                <a:srgbClr val="000000"/>
-              </a:solidFill>
-              <a:uFill>
-                <a:solidFill>
-                  <a:srgbClr val="ffffff"/>
-                </a:solidFill>
-              </a:uFill>
-              <a:latin typeface="Arial"/>
-            </a:endParaRPr>
-          </a:p>
-        </p:txBody>
-      </p:sp>
+      </p:pic>
     </p:spTree>
   </p:cSld>
   <p:timing>
@@ -5904,14 +5320,14 @@
       </p:grpSpPr>
       <p:sp>
         <p:nvSpPr>
-          <p:cNvPr id="67" name="CustomShape 1"/>
+          <p:cNvPr id="66" name="CustomShape 1"/>
           <p:cNvSpPr/>
           <p:nvPr/>
         </p:nvSpPr>
         <p:spPr>
           <a:xfrm>
             <a:off x="456480" y="1188720"/>
-            <a:ext cx="9068400" cy="6216840"/>
+            <a:ext cx="9067680" cy="6216120"/>
           </a:xfrm>
           <a:prstGeom prst="rect">
             <a:avLst/>
@@ -5996,7 +5412,7 @@
             </a:endParaRPr>
           </a:p>
           <a:p>
-            <a:pPr marL="215640" indent="-207720">
+            <a:pPr marL="215640" indent="-207000">
               <a:lnSpc>
                 <a:spcPct val="98000"/>
               </a:lnSpc>
@@ -6029,7 +5445,7 @@
             </a:endParaRPr>
           </a:p>
           <a:p>
-            <a:pPr marL="215640" indent="-207720">
+            <a:pPr marL="215640" indent="-207000">
               <a:lnSpc>
                 <a:spcPct val="98000"/>
               </a:lnSpc>
@@ -6062,7 +5478,7 @@
             </a:endParaRPr>
           </a:p>
           <a:p>
-            <a:pPr marL="215640" indent="-207720">
+            <a:pPr marL="215640" indent="-207000">
               <a:lnSpc>
                 <a:spcPct val="98000"/>
               </a:lnSpc>
@@ -6098,7 +5514,7 @@
       </p:sp>
       <p:pic>
         <p:nvPicPr>
-          <p:cNvPr id="68" name="" descr=""/>
+          <p:cNvPr id="67" name="" descr=""/>
           <p:cNvPicPr/>
           <p:nvPr/>
         </p:nvPicPr>
@@ -6109,7 +5525,7 @@
         <p:spPr>
           <a:xfrm>
             <a:off x="1536840" y="63720"/>
-            <a:ext cx="6984720" cy="7365600"/>
+            <a:ext cx="6984000" cy="7364880"/>
           </a:xfrm>
           <a:prstGeom prst="rect">
             <a:avLst/>
@@ -6177,14 +5593,14 @@
       </p:grpSpPr>
       <p:sp>
         <p:nvSpPr>
-          <p:cNvPr id="69" name="CustomShape 1"/>
+          <p:cNvPr id="68" name="CustomShape 1"/>
           <p:cNvSpPr/>
           <p:nvPr/>
         </p:nvSpPr>
         <p:spPr>
           <a:xfrm>
             <a:off x="456480" y="1188720"/>
-            <a:ext cx="9068400" cy="6216840"/>
+            <a:ext cx="9067680" cy="6216120"/>
           </a:xfrm>
           <a:prstGeom prst="rect">
             <a:avLst/>
@@ -6269,7 +5685,7 @@
             </a:endParaRPr>
           </a:p>
           <a:p>
-            <a:pPr marL="215640" indent="-207720">
+            <a:pPr marL="215640" indent="-207000">
               <a:lnSpc>
                 <a:spcPct val="98000"/>
               </a:lnSpc>
@@ -6302,7 +5718,7 @@
             </a:endParaRPr>
           </a:p>
           <a:p>
-            <a:pPr marL="215640" indent="-207720">
+            <a:pPr marL="215640" indent="-207000">
               <a:lnSpc>
                 <a:spcPct val="98000"/>
               </a:lnSpc>
@@ -6335,7 +5751,7 @@
             </a:endParaRPr>
           </a:p>
           <a:p>
-            <a:pPr marL="215640" indent="-207720">
+            <a:pPr marL="215640" indent="-207000">
               <a:lnSpc>
                 <a:spcPct val="98000"/>
               </a:lnSpc>
@@ -6371,7 +5787,7 @@
       </p:sp>
       <p:pic>
         <p:nvPicPr>
-          <p:cNvPr id="70" name="" descr=""/>
+          <p:cNvPr id="69" name="" descr=""/>
           <p:cNvPicPr/>
           <p:nvPr/>
         </p:nvPicPr>
@@ -6382,7 +5798,7 @@
         <p:spPr>
           <a:xfrm>
             <a:off x="1536840" y="63720"/>
-            <a:ext cx="6984720" cy="7365600"/>
+            <a:ext cx="6984000" cy="7364880"/>
           </a:xfrm>
           <a:prstGeom prst="rect">
             <a:avLst/>
@@ -6450,14 +5866,14 @@
       </p:grpSpPr>
       <p:sp>
         <p:nvSpPr>
-          <p:cNvPr id="71" name="CustomShape 1"/>
+          <p:cNvPr id="70" name="CustomShape 1"/>
           <p:cNvSpPr/>
           <p:nvPr/>
         </p:nvSpPr>
         <p:spPr>
           <a:xfrm>
             <a:off x="456480" y="1188720"/>
-            <a:ext cx="9068400" cy="6216840"/>
+            <a:ext cx="9067680" cy="6216120"/>
           </a:xfrm>
           <a:prstGeom prst="rect">
             <a:avLst/>
@@ -6542,7 +5958,7 @@
             </a:endParaRPr>
           </a:p>
           <a:p>
-            <a:pPr marL="215640" indent="-207720">
+            <a:pPr marL="215640" indent="-207000">
               <a:lnSpc>
                 <a:spcPct val="98000"/>
               </a:lnSpc>
@@ -6575,7 +5991,7 @@
             </a:endParaRPr>
           </a:p>
           <a:p>
-            <a:pPr marL="215640" indent="-207720">
+            <a:pPr marL="215640" indent="-207000">
               <a:lnSpc>
                 <a:spcPct val="98000"/>
               </a:lnSpc>
@@ -6608,280 +6024,7 @@
             </a:endParaRPr>
           </a:p>
           <a:p>
-            <a:pPr marL="215640" indent="-207720">
-              <a:lnSpc>
-                <a:spcPct val="98000"/>
-              </a:lnSpc>
-            </a:pPr>
-            <a:r>
-              <a:rPr b="0" lang="en-US" sz="2800" spc="-1" strike="noStrike">
-                <a:solidFill>
-                  <a:srgbClr val="000000"/>
-                </a:solidFill>
-                <a:uFill>
-                  <a:solidFill>
-                    <a:srgbClr val="ffffff"/>
-                  </a:solidFill>
-                </a:uFill>
-                <a:latin typeface="Georgia"/>
-                <a:ea typeface="Georgia"/>
-              </a:rPr>
-              <a:t> </a:t>
-            </a:r>
-            <a:endParaRPr b="0" lang="en-US" sz="1800" spc="-1" strike="noStrike">
-              <a:solidFill>
-                <a:srgbClr val="000000"/>
-              </a:solidFill>
-              <a:uFill>
-                <a:solidFill>
-                  <a:srgbClr val="ffffff"/>
-                </a:solidFill>
-              </a:uFill>
-              <a:latin typeface="Arial"/>
-            </a:endParaRPr>
-          </a:p>
-        </p:txBody>
-      </p:sp>
-      <p:pic>
-        <p:nvPicPr>
-          <p:cNvPr id="72" name="" descr=""/>
-          <p:cNvPicPr/>
-          <p:nvPr/>
-        </p:nvPicPr>
-        <p:blipFill>
-          <a:blip r:embed="rId1"/>
-          <a:stretch/>
-        </p:blipFill>
-        <p:spPr>
-          <a:xfrm>
-            <a:off x="1536840" y="63720"/>
-            <a:ext cx="6984720" cy="7365600"/>
-          </a:xfrm>
-          <a:prstGeom prst="rect">
-            <a:avLst/>
-          </a:prstGeom>
-          <a:ln>
-            <a:noFill/>
-          </a:ln>
-        </p:spPr>
-      </p:pic>
-    </p:spTree>
-  </p:cSld>
-  <p:timing>
-    <p:tnLst>
-      <p:par>
-        <p:cTn id="27" dur="indefinite" restart="never" nodeType="tmRoot">
-          <p:childTnLst>
-            <p:seq>
-              <p:cTn id="28" nodeType="mainSeq"/>
-              <p:prevCondLst>
-                <p:cond delay="0" evt="onPrev">
-                  <p:tgtEl>
-                    <p:sldTgt/>
-                  </p:tgtEl>
-                </p:cond>
-              </p:prevCondLst>
-              <p:nextCondLst>
-                <p:cond delay="0" evt="onNext">
-                  <p:tgtEl>
-                    <p:sldTgt/>
-                  </p:tgtEl>
-                </p:cond>
-              </p:nextCondLst>
-            </p:seq>
-          </p:childTnLst>
-        </p:cTn>
-      </p:par>
-    </p:tnLst>
-  </p:timing>
-</p:sld>
-</file>
-
-<file path=ppt/slides/slide15.xml><?xml version="1.0" encoding="utf-8"?>
-<p:sld xmlns:a="http://schemas.openxmlformats.org/drawingml/2006/main" xmlns:p="http://schemas.openxmlformats.org/presentationml/2006/main" xmlns:r="http://schemas.openxmlformats.org/officeDocument/2006/relationships" xmlns:p14="http://schemas.microsoft.com/office/powerpoint/2010/main" xmlns:p15="http://schemas.microsoft.com/office/powerpoint/2012/main" xmlns:mc="http://schemas.openxmlformats.org/markup-compatibility/2006">
-  <p:cSld>
-    <p:bg>
-      <p:bgPr>
-        <a:solidFill>
-          <a:srgbClr val="ffffff"/>
-        </a:solidFill>
-      </p:bgPr>
-    </p:bg>
-    <p:spTree>
-      <p:nvGrpSpPr>
-        <p:cNvPr id="1" name=""/>
-        <p:cNvGrpSpPr/>
-        <p:nvPr/>
-      </p:nvGrpSpPr>
-      <p:grpSpPr>
-        <a:xfrm>
-          <a:off x="0" y="0"/>
-          <a:ext cx="0" cy="0"/>
-          <a:chOff x="0" y="0"/>
-          <a:chExt cx="0" cy="0"/>
-        </a:xfrm>
-      </p:grpSpPr>
-      <p:sp>
-        <p:nvSpPr>
-          <p:cNvPr id="73" name="CustomShape 1"/>
-          <p:cNvSpPr/>
-          <p:nvPr/>
-        </p:nvSpPr>
-        <p:spPr>
-          <a:xfrm>
-            <a:off x="456480" y="1188720"/>
-            <a:ext cx="9068400" cy="6216840"/>
-          </a:xfrm>
-          <a:prstGeom prst="rect">
-            <a:avLst/>
-          </a:prstGeom>
-          <a:noFill/>
-          <a:ln>
-            <a:noFill/>
-          </a:ln>
-        </p:spPr>
-        <p:style>
-          <a:lnRef idx="0"/>
-          <a:fillRef idx="0"/>
-          <a:effectRef idx="0"/>
-          <a:fontRef idx="minor"/>
-        </p:style>
-        <p:txBody>
-          <a:bodyPr lIns="0" rIns="0" tIns="7200" bIns="0"/>
-          <a:p>
-            <a:pPr>
-              <a:lnSpc>
-                <a:spcPct val="98000"/>
-              </a:lnSpc>
-            </a:pPr>
-            <a:r>
-              <a:rPr b="0" lang="en-US" sz="2800" spc="-1" strike="noStrike">
-                <a:solidFill>
-                  <a:srgbClr val="000000"/>
-                </a:solidFill>
-                <a:uFill>
-                  <a:solidFill>
-                    <a:srgbClr val="ffffff"/>
-                  </a:solidFill>
-                </a:uFill>
-                <a:latin typeface="Georgia"/>
-                <a:ea typeface="Georgia"/>
-              </a:rPr>
-              <a:t> </a:t>
-            </a:r>
-            <a:endParaRPr b="0" lang="en-US" sz="1800" spc="-1" strike="noStrike">
-              <a:solidFill>
-                <a:srgbClr val="000000"/>
-              </a:solidFill>
-              <a:uFill>
-                <a:solidFill>
-                  <a:srgbClr val="ffffff"/>
-                </a:solidFill>
-              </a:uFill>
-              <a:latin typeface="Arial"/>
-            </a:endParaRPr>
-          </a:p>
-          <a:p>
-            <a:pPr>
-              <a:lnSpc>
-                <a:spcPct val="98000"/>
-              </a:lnSpc>
-            </a:pPr>
-            <a:r>
-              <a:rPr b="0" lang="en-US" sz="2800" spc="-1" strike="noStrike">
-                <a:solidFill>
-                  <a:srgbClr val="000000"/>
-                </a:solidFill>
-                <a:uFill>
-                  <a:solidFill>
-                    <a:srgbClr val="ffffff"/>
-                  </a:solidFill>
-                </a:uFill>
-                <a:latin typeface="Georgia"/>
-                <a:ea typeface="Georgia"/>
-              </a:rPr>
-              <a:t> </a:t>
-            </a:r>
-            <a:endParaRPr b="0" lang="en-US" sz="1800" spc="-1" strike="noStrike">
-              <a:solidFill>
-                <a:srgbClr val="000000"/>
-              </a:solidFill>
-              <a:uFill>
-                <a:solidFill>
-                  <a:srgbClr val="ffffff"/>
-                </a:solidFill>
-              </a:uFill>
-              <a:latin typeface="Arial"/>
-            </a:endParaRPr>
-          </a:p>
-          <a:p>
-            <a:pPr marL="215640" indent="-207720">
-              <a:lnSpc>
-                <a:spcPct val="98000"/>
-              </a:lnSpc>
-            </a:pPr>
-            <a:r>
-              <a:rPr b="0" lang="en-US" sz="2800" spc="-1" strike="noStrike">
-                <a:solidFill>
-                  <a:srgbClr val="000000"/>
-                </a:solidFill>
-                <a:uFill>
-                  <a:solidFill>
-                    <a:srgbClr val="ffffff"/>
-                  </a:solidFill>
-                </a:uFill>
-                <a:latin typeface="Georgia"/>
-                <a:ea typeface="Georgia"/>
-              </a:rPr>
-              <a:t> </a:t>
-            </a:r>
-            <a:endParaRPr b="0" lang="en-US" sz="1800" spc="-1" strike="noStrike">
-              <a:solidFill>
-                <a:srgbClr val="000000"/>
-              </a:solidFill>
-              <a:uFill>
-                <a:solidFill>
-                  <a:srgbClr val="ffffff"/>
-                </a:solidFill>
-              </a:uFill>
-              <a:latin typeface="Arial"/>
-            </a:endParaRPr>
-          </a:p>
-          <a:p>
-            <a:pPr marL="215640" indent="-207720">
-              <a:lnSpc>
-                <a:spcPct val="98000"/>
-              </a:lnSpc>
-            </a:pPr>
-            <a:r>
-              <a:rPr b="0" lang="en-US" sz="2800" spc="-1" strike="noStrike">
-                <a:solidFill>
-                  <a:srgbClr val="000000"/>
-                </a:solidFill>
-                <a:uFill>
-                  <a:solidFill>
-                    <a:srgbClr val="ffffff"/>
-                  </a:solidFill>
-                </a:uFill>
-                <a:latin typeface="Georgia"/>
-                <a:ea typeface="Georgia"/>
-              </a:rPr>
-              <a:t> </a:t>
-            </a:r>
-            <a:endParaRPr b="0" lang="en-US" sz="1800" spc="-1" strike="noStrike">
-              <a:solidFill>
-                <a:srgbClr val="000000"/>
-              </a:solidFill>
-              <a:uFill>
-                <a:solidFill>
-                  <a:srgbClr val="ffffff"/>
-                </a:solidFill>
-              </a:uFill>
-              <a:latin typeface="Arial"/>
-            </a:endParaRPr>
-          </a:p>
-          <a:p>
-            <a:pPr marL="215640" indent="-207720">
+            <a:pPr marL="215640" indent="-207000">
               <a:lnSpc>
                 <a:spcPct val="98000"/>
               </a:lnSpc>
@@ -6917,14 +6060,14 @@
       </p:sp>
       <p:sp>
         <p:nvSpPr>
-          <p:cNvPr id="74" name="CustomShape 2"/>
+          <p:cNvPr id="71" name="CustomShape 2"/>
           <p:cNvSpPr/>
           <p:nvPr/>
         </p:nvSpPr>
         <p:spPr>
           <a:xfrm>
             <a:off x="437760" y="194400"/>
-            <a:ext cx="9068400" cy="6754320"/>
+            <a:ext cx="9067680" cy="6753600"/>
           </a:xfrm>
           <a:custGeom>
             <a:avLst/>
@@ -7431,10 +6574,10 @@
   <p:timing>
     <p:tnLst>
       <p:par>
-        <p:cTn id="29" dur="indefinite" restart="never" nodeType="tmRoot">
+        <p:cTn id="27" dur="indefinite" restart="never" nodeType="tmRoot">
           <p:childTnLst>
             <p:seq>
-              <p:cTn id="30" nodeType="mainSeq"/>
+              <p:cTn id="28" nodeType="mainSeq"/>
               <p:prevCondLst>
                 <p:cond delay="0" evt="onPrev">
                   <p:tgtEl>
@@ -7491,7 +6634,7 @@
         <p:spPr>
           <a:xfrm>
             <a:off x="456480" y="1188720"/>
-            <a:ext cx="9068400" cy="6216840"/>
+            <a:ext cx="9067680" cy="6216120"/>
           </a:xfrm>
           <a:prstGeom prst="rect">
             <a:avLst/>
@@ -7576,7 +6719,7 @@
             </a:endParaRPr>
           </a:p>
           <a:p>
-            <a:pPr marL="215640" indent="-207720">
+            <a:pPr marL="215640" indent="-207000">
               <a:lnSpc>
                 <a:spcPct val="98000"/>
               </a:lnSpc>
@@ -7609,7 +6752,7 @@
             </a:endParaRPr>
           </a:p>
           <a:p>
-            <a:pPr marL="215640" indent="-207720">
+            <a:pPr marL="215640" indent="-207000">
               <a:lnSpc>
                 <a:spcPct val="98000"/>
               </a:lnSpc>
@@ -7642,7 +6785,7 @@
             </a:endParaRPr>
           </a:p>
           <a:p>
-            <a:pPr marL="215640" indent="-207720">
+            <a:pPr marL="215640" indent="-207000">
               <a:lnSpc>
                 <a:spcPct val="98000"/>
               </a:lnSpc>
@@ -7685,7 +6828,7 @@
         <p:spPr>
           <a:xfrm>
             <a:off x="437760" y="731880"/>
-            <a:ext cx="9068400" cy="6216840"/>
+            <a:ext cx="9067680" cy="6216120"/>
           </a:xfrm>
           <a:custGeom>
             <a:avLst/>
@@ -7724,523 +6867,30 @@
           <a:effectRef idx="0"/>
           <a:fontRef idx="minor"/>
         </p:style>
-        <p:txBody>
-          <a:bodyPr lIns="0" rIns="0" tIns="7200" bIns="0"/>
-          <a:p>
-            <a:pPr algn="ctr">
-              <a:lnSpc>
-                <a:spcPct val="93000"/>
-              </a:lnSpc>
-            </a:pPr>
-            <a:r>
-              <a:rPr b="0" lang="en-US" sz="2400" spc="-1" strike="noStrike">
-                <a:solidFill>
-                  <a:srgbClr val="000000"/>
-                </a:solidFill>
-                <a:uFill>
-                  <a:solidFill>
-                    <a:srgbClr val="ffffff"/>
-                  </a:solidFill>
-                </a:uFill>
-                <a:latin typeface="Georgia"/>
-                <a:ea typeface="Georgia"/>
-              </a:rPr>
-              <a:t>Sentence Subject Complement</a:t>
-            </a:r>
-            <a:endParaRPr b="0" lang="en-US" sz="1800" spc="-1" strike="noStrike">
-              <a:solidFill>
-                <a:srgbClr val="000000"/>
-              </a:solidFill>
-              <a:uFill>
-                <a:solidFill>
-                  <a:srgbClr val="ffffff"/>
-                </a:solidFill>
-              </a:uFill>
-              <a:latin typeface="Arial"/>
-            </a:endParaRPr>
-          </a:p>
-          <a:p>
-            <a:pPr>
-              <a:lnSpc>
-                <a:spcPct val="93000"/>
-              </a:lnSpc>
-            </a:pPr>
-            <a:endParaRPr b="0" lang="en-US" sz="1800" spc="-1" strike="noStrike">
-              <a:solidFill>
-                <a:srgbClr val="000000"/>
-              </a:solidFill>
-              <a:uFill>
-                <a:solidFill>
-                  <a:srgbClr val="ffffff"/>
-                </a:solidFill>
-              </a:uFill>
-              <a:latin typeface="Arial"/>
-            </a:endParaRPr>
-          </a:p>
-          <a:p>
-            <a:pPr>
-              <a:lnSpc>
-                <a:spcPct val="93000"/>
-              </a:lnSpc>
-            </a:pPr>
-            <a:r>
-              <a:rPr b="0" lang="en-US" sz="2400" spc="-1" strike="noStrike">
-                <a:solidFill>
-                  <a:srgbClr val="000000"/>
-                </a:solidFill>
-                <a:uFill>
-                  <a:solidFill>
-                    <a:srgbClr val="ffffff"/>
-                  </a:solidFill>
-                </a:uFill>
-                <a:latin typeface="Georgia"/>
-                <a:ea typeface="Georgia"/>
-              </a:rPr>
-              <a:t>Minimum requirement to make a sentence</a:t>
-            </a:r>
-            <a:endParaRPr b="0" lang="en-US" sz="1800" spc="-1" strike="noStrike">
-              <a:solidFill>
-                <a:srgbClr val="000000"/>
-              </a:solidFill>
-              <a:uFill>
-                <a:solidFill>
-                  <a:srgbClr val="ffffff"/>
-                </a:solidFill>
-              </a:uFill>
-              <a:latin typeface="Arial"/>
-            </a:endParaRPr>
-          </a:p>
-          <a:p>
-            <a:pPr>
-              <a:lnSpc>
-                <a:spcPct val="93000"/>
-              </a:lnSpc>
-            </a:pPr>
-            <a:r>
-              <a:rPr b="0" lang="en-US" sz="2400" spc="-1" strike="noStrike">
-                <a:solidFill>
-                  <a:srgbClr val="000000"/>
-                </a:solidFill>
-                <a:uFill>
-                  <a:solidFill>
-                    <a:srgbClr val="ffffff"/>
-                  </a:solidFill>
-                </a:uFill>
-                <a:latin typeface="Georgia"/>
-                <a:ea typeface="Georgia"/>
-              </a:rPr>
-              <a:t>Subject + Verb.</a:t>
-            </a:r>
-            <a:endParaRPr b="0" lang="en-US" sz="1800" spc="-1" strike="noStrike">
-              <a:solidFill>
-                <a:srgbClr val="000000"/>
-              </a:solidFill>
-              <a:uFill>
-                <a:solidFill>
-                  <a:srgbClr val="ffffff"/>
-                </a:solidFill>
-              </a:uFill>
-              <a:latin typeface="Arial"/>
-            </a:endParaRPr>
-          </a:p>
-          <a:p>
-            <a:pPr>
-              <a:lnSpc>
-                <a:spcPct val="93000"/>
-              </a:lnSpc>
-            </a:pPr>
-            <a:r>
-              <a:rPr b="0" lang="en-US" sz="2400" spc="-1" strike="noStrike">
-                <a:solidFill>
-                  <a:srgbClr val="000000"/>
-                </a:solidFill>
-                <a:uFill>
-                  <a:solidFill>
-                    <a:srgbClr val="ffffff"/>
-                  </a:solidFill>
-                </a:uFill>
-                <a:latin typeface="Georgia"/>
-                <a:ea typeface="Georgia"/>
-              </a:rPr>
-              <a:t>I write. </a:t>
-            </a:r>
-            <a:endParaRPr b="0" lang="en-US" sz="1800" spc="-1" strike="noStrike">
-              <a:solidFill>
-                <a:srgbClr val="000000"/>
-              </a:solidFill>
-              <a:uFill>
-                <a:solidFill>
-                  <a:srgbClr val="ffffff"/>
-                </a:solidFill>
-              </a:uFill>
-              <a:latin typeface="Arial"/>
-            </a:endParaRPr>
-          </a:p>
-          <a:p>
-            <a:pPr>
-              <a:lnSpc>
-                <a:spcPct val="93000"/>
-              </a:lnSpc>
-            </a:pPr>
-            <a:r>
-              <a:rPr b="0" lang="en-US" sz="2400" spc="-1" strike="noStrike">
-                <a:solidFill>
-                  <a:srgbClr val="000000"/>
-                </a:solidFill>
-                <a:uFill>
-                  <a:solidFill>
-                    <a:srgbClr val="ffffff"/>
-                  </a:solidFill>
-                </a:uFill>
-                <a:latin typeface="Georgia"/>
-                <a:ea typeface="Georgia"/>
-              </a:rPr>
-              <a:t>We write.</a:t>
-            </a:r>
-            <a:endParaRPr b="0" lang="en-US" sz="1800" spc="-1" strike="noStrike">
-              <a:solidFill>
-                <a:srgbClr val="000000"/>
-              </a:solidFill>
-              <a:uFill>
-                <a:solidFill>
-                  <a:srgbClr val="ffffff"/>
-                </a:solidFill>
-              </a:uFill>
-              <a:latin typeface="Arial"/>
-            </a:endParaRPr>
-          </a:p>
-          <a:p>
-            <a:pPr>
-              <a:lnSpc>
-                <a:spcPct val="93000"/>
-              </a:lnSpc>
-            </a:pPr>
-            <a:r>
-              <a:rPr b="0" lang="en-US" sz="2400" spc="-1" strike="noStrike">
-                <a:solidFill>
-                  <a:srgbClr val="000000"/>
-                </a:solidFill>
-                <a:uFill>
-                  <a:solidFill>
-                    <a:srgbClr val="ffffff"/>
-                  </a:solidFill>
-                </a:uFill>
-                <a:latin typeface="Georgia"/>
-                <a:ea typeface="Georgia"/>
-              </a:rPr>
-              <a:t>You write.</a:t>
-            </a:r>
-            <a:endParaRPr b="0" lang="en-US" sz="1800" spc="-1" strike="noStrike">
-              <a:solidFill>
-                <a:srgbClr val="000000"/>
-              </a:solidFill>
-              <a:uFill>
-                <a:solidFill>
-                  <a:srgbClr val="ffffff"/>
-                </a:solidFill>
-              </a:uFill>
-              <a:latin typeface="Arial"/>
-            </a:endParaRPr>
-          </a:p>
-          <a:p>
-            <a:pPr>
-              <a:lnSpc>
-                <a:spcPct val="93000"/>
-              </a:lnSpc>
-            </a:pPr>
-            <a:r>
-              <a:rPr b="0" lang="en-US" sz="2400" spc="-1" strike="noStrike">
-                <a:solidFill>
-                  <a:srgbClr val="000000"/>
-                </a:solidFill>
-                <a:uFill>
-                  <a:solidFill>
-                    <a:srgbClr val="ffffff"/>
-                  </a:solidFill>
-                </a:uFill>
-                <a:latin typeface="Georgia"/>
-                <a:ea typeface="Georgia"/>
-              </a:rPr>
-              <a:t>They write.</a:t>
-            </a:r>
-            <a:endParaRPr b="0" lang="en-US" sz="1800" spc="-1" strike="noStrike">
-              <a:solidFill>
-                <a:srgbClr val="000000"/>
-              </a:solidFill>
-              <a:uFill>
-                <a:solidFill>
-                  <a:srgbClr val="ffffff"/>
-                </a:solidFill>
-              </a:uFill>
-              <a:latin typeface="Arial"/>
-            </a:endParaRPr>
-          </a:p>
-          <a:p>
-            <a:pPr>
-              <a:lnSpc>
-                <a:spcPct val="93000"/>
-              </a:lnSpc>
-            </a:pPr>
-            <a:r>
-              <a:rPr b="0" lang="en-US" sz="2400" spc="-1" strike="noStrike">
-                <a:solidFill>
-                  <a:srgbClr val="000000"/>
-                </a:solidFill>
-                <a:uFill>
-                  <a:solidFill>
-                    <a:srgbClr val="ffffff"/>
-                  </a:solidFill>
-                </a:uFill>
-                <a:latin typeface="Georgia"/>
-                <a:ea typeface="Georgia"/>
-              </a:rPr>
-              <a:t>He/She writes</a:t>
-            </a:r>
-            <a:endParaRPr b="0" lang="en-US" sz="1800" spc="-1" strike="noStrike">
-              <a:solidFill>
-                <a:srgbClr val="000000"/>
-              </a:solidFill>
-              <a:uFill>
-                <a:solidFill>
-                  <a:srgbClr val="ffffff"/>
-                </a:solidFill>
-              </a:uFill>
-              <a:latin typeface="Arial"/>
-            </a:endParaRPr>
-          </a:p>
-          <a:p>
-            <a:pPr>
-              <a:lnSpc>
-                <a:spcPct val="93000"/>
-              </a:lnSpc>
-            </a:pPr>
-            <a:r>
-              <a:rPr b="0" lang="en-US" sz="2400" spc="-1" strike="noStrike">
-                <a:solidFill>
-                  <a:srgbClr val="000000"/>
-                </a:solidFill>
-                <a:uFill>
-                  <a:solidFill>
-                    <a:srgbClr val="ffffff"/>
-                  </a:solidFill>
-                </a:uFill>
-                <a:latin typeface="Georgia"/>
-                <a:ea typeface="Georgia"/>
-              </a:rPr>
-              <a:t>Kevin writes.</a:t>
-            </a:r>
-            <a:endParaRPr b="0" lang="en-US" sz="1800" spc="-1" strike="noStrike">
-              <a:solidFill>
-                <a:srgbClr val="000000"/>
-              </a:solidFill>
-              <a:uFill>
-                <a:solidFill>
-                  <a:srgbClr val="ffffff"/>
-                </a:solidFill>
-              </a:uFill>
-              <a:latin typeface="Arial"/>
-            </a:endParaRPr>
-          </a:p>
-          <a:p>
-            <a:pPr>
-              <a:lnSpc>
-                <a:spcPct val="93000"/>
-              </a:lnSpc>
-            </a:pPr>
-            <a:r>
-              <a:rPr b="0" lang="en-US" sz="2400" spc="-1" strike="noStrike">
-                <a:solidFill>
-                  <a:srgbClr val="000000"/>
-                </a:solidFill>
-                <a:uFill>
-                  <a:solidFill>
-                    <a:srgbClr val="ffffff"/>
-                  </a:solidFill>
-                </a:uFill>
-                <a:latin typeface="Georgia"/>
-                <a:ea typeface="Georgia"/>
-              </a:rPr>
-              <a:t>It writes.</a:t>
-            </a:r>
-            <a:endParaRPr b="0" lang="en-US" sz="1800" spc="-1" strike="noStrike">
-              <a:solidFill>
-                <a:srgbClr val="000000"/>
-              </a:solidFill>
-              <a:uFill>
-                <a:solidFill>
-                  <a:srgbClr val="ffffff"/>
-                </a:solidFill>
-              </a:uFill>
-              <a:latin typeface="Arial"/>
-            </a:endParaRPr>
-          </a:p>
-          <a:p>
-            <a:pPr>
-              <a:lnSpc>
-                <a:spcPct val="93000"/>
-              </a:lnSpc>
-            </a:pPr>
-            <a:r>
-              <a:rPr b="0" lang="en-US" sz="2400" spc="-1" strike="noStrike">
-                <a:solidFill>
-                  <a:srgbClr val="000000"/>
-                </a:solidFill>
-                <a:uFill>
-                  <a:solidFill>
-                    <a:srgbClr val="ffffff"/>
-                  </a:solidFill>
-                </a:uFill>
-                <a:latin typeface="Georgia"/>
-                <a:ea typeface="Georgia"/>
-              </a:rPr>
-              <a:t>The writer wriets.</a:t>
-            </a:r>
-            <a:endParaRPr b="0" lang="en-US" sz="1800" spc="-1" strike="noStrike">
-              <a:solidFill>
-                <a:srgbClr val="000000"/>
-              </a:solidFill>
-              <a:uFill>
-                <a:solidFill>
-                  <a:srgbClr val="ffffff"/>
-                </a:solidFill>
-              </a:uFill>
-              <a:latin typeface="Arial"/>
-            </a:endParaRPr>
-          </a:p>
-          <a:p>
-            <a:pPr>
-              <a:lnSpc>
-                <a:spcPct val="93000"/>
-              </a:lnSpc>
-            </a:pPr>
-            <a:r>
-              <a:rPr b="0" lang="en-US" sz="2400" spc="-1" strike="noStrike">
-                <a:solidFill>
-                  <a:srgbClr val="000000"/>
-                </a:solidFill>
-                <a:uFill>
-                  <a:solidFill>
-                    <a:srgbClr val="ffffff"/>
-                  </a:solidFill>
-                </a:uFill>
-                <a:latin typeface="Georgia"/>
-                <a:ea typeface="Georgia"/>
-              </a:rPr>
-              <a:t>Peter, Kevin, He, She, It are Third person singular number.</a:t>
-            </a:r>
-            <a:endParaRPr b="0" lang="en-US" sz="1800" spc="-1" strike="noStrike">
-              <a:solidFill>
-                <a:srgbClr val="000000"/>
-              </a:solidFill>
-              <a:uFill>
-                <a:solidFill>
-                  <a:srgbClr val="ffffff"/>
-                </a:solidFill>
-              </a:uFill>
-              <a:latin typeface="Arial"/>
-            </a:endParaRPr>
-          </a:p>
-          <a:p>
-            <a:pPr>
-              <a:lnSpc>
-                <a:spcPct val="93000"/>
-              </a:lnSpc>
-            </a:pPr>
-            <a:r>
-              <a:rPr b="0" lang="en-US" sz="2400" spc="-1" strike="noStrike">
-                <a:solidFill>
-                  <a:srgbClr val="000000"/>
-                </a:solidFill>
-                <a:uFill>
-                  <a:solidFill>
-                    <a:srgbClr val="ffffff"/>
-                  </a:solidFill>
-                </a:uFill>
-                <a:latin typeface="Georgia"/>
-                <a:ea typeface="Georgia"/>
-              </a:rPr>
-              <a:t>I write a book.</a:t>
-            </a:r>
-            <a:endParaRPr b="0" lang="en-US" sz="1800" spc="-1" strike="noStrike">
-              <a:solidFill>
-                <a:srgbClr val="000000"/>
-              </a:solidFill>
-              <a:uFill>
-                <a:solidFill>
-                  <a:srgbClr val="ffffff"/>
-                </a:solidFill>
-              </a:uFill>
-              <a:latin typeface="Arial"/>
-            </a:endParaRPr>
-          </a:p>
-          <a:p>
-            <a:pPr>
-              <a:lnSpc>
-                <a:spcPct val="93000"/>
-              </a:lnSpc>
-            </a:pPr>
-            <a:r>
-              <a:rPr b="0" lang="en-US" sz="2400" spc="-1" strike="noStrike">
-                <a:solidFill>
-                  <a:srgbClr val="000000"/>
-                </a:solidFill>
-                <a:uFill>
-                  <a:solidFill>
-                    <a:srgbClr val="ffffff"/>
-                  </a:solidFill>
-                </a:uFill>
-                <a:latin typeface="Georgia"/>
-                <a:ea typeface="Georgia"/>
-              </a:rPr>
-              <a:t>I , I is Subject which is personal pronoun.</a:t>
-            </a:r>
-            <a:endParaRPr b="0" lang="en-US" sz="1800" spc="-1" strike="noStrike">
-              <a:solidFill>
-                <a:srgbClr val="000000"/>
-              </a:solidFill>
-              <a:uFill>
-                <a:solidFill>
-                  <a:srgbClr val="ffffff"/>
-                </a:solidFill>
-              </a:uFill>
-              <a:latin typeface="Arial"/>
-            </a:endParaRPr>
-          </a:p>
-          <a:p>
-            <a:pPr>
-              <a:lnSpc>
-                <a:spcPct val="93000"/>
-              </a:lnSpc>
-            </a:pPr>
-            <a:r>
-              <a:rPr b="0" lang="en-US" sz="2400" spc="-1" strike="noStrike">
-                <a:solidFill>
-                  <a:srgbClr val="000000"/>
-                </a:solidFill>
-                <a:uFill>
-                  <a:solidFill>
-                    <a:srgbClr val="ffffff"/>
-                  </a:solidFill>
-                </a:uFill>
-                <a:latin typeface="Georgia"/>
-                <a:ea typeface="Georgia"/>
-              </a:rPr>
-              <a:t>write a book  = Predicate.</a:t>
-            </a:r>
-            <a:endParaRPr b="0" lang="en-US" sz="1800" spc="-1" strike="noStrike">
-              <a:solidFill>
-                <a:srgbClr val="000000"/>
-              </a:solidFill>
-              <a:uFill>
-                <a:solidFill>
-                  <a:srgbClr val="ffffff"/>
-                </a:solidFill>
-              </a:uFill>
-              <a:latin typeface="Arial"/>
-            </a:endParaRPr>
-          </a:p>
-        </p:txBody>
       </p:sp>
+      <p:pic>
+        <p:nvPicPr>
+          <p:cNvPr id="45" name="Google Shape;75;p16" descr=""/>
+          <p:cNvPicPr/>
+          <p:nvPr/>
+        </p:nvPicPr>
+        <p:blipFill>
+          <a:blip r:embed="rId1"/>
+          <a:stretch/>
+        </p:blipFill>
+        <p:spPr>
+          <a:xfrm>
+            <a:off x="471600" y="468720"/>
+            <a:ext cx="9136080" cy="5138640"/>
+          </a:xfrm>
+          <a:prstGeom prst="rect">
+            <a:avLst/>
+          </a:prstGeom>
+          <a:ln>
+            <a:noFill/>
+          </a:ln>
+        </p:spPr>
+      </p:pic>
     </p:spTree>
   </p:cSld>
   <p:timing>
@@ -8299,14 +6949,14 @@
       </p:grpSpPr>
       <p:sp>
         <p:nvSpPr>
-          <p:cNvPr id="45" name="CustomShape 1"/>
+          <p:cNvPr id="46" name="CustomShape 1"/>
           <p:cNvSpPr/>
           <p:nvPr/>
         </p:nvSpPr>
         <p:spPr>
           <a:xfrm>
             <a:off x="456480" y="1188720"/>
-            <a:ext cx="9068400" cy="6216840"/>
+            <a:ext cx="9067680" cy="6216120"/>
           </a:xfrm>
           <a:prstGeom prst="rect">
             <a:avLst/>
@@ -8391,7 +7041,7 @@
             </a:endParaRPr>
           </a:p>
           <a:p>
-            <a:pPr marL="215640" indent="-207720">
+            <a:pPr marL="215640" indent="-207000">
               <a:lnSpc>
                 <a:spcPct val="98000"/>
               </a:lnSpc>
@@ -8424,7 +7074,7 @@
             </a:endParaRPr>
           </a:p>
           <a:p>
-            <a:pPr marL="215640" indent="-207720">
+            <a:pPr marL="215640" indent="-207000">
               <a:lnSpc>
                 <a:spcPct val="98000"/>
               </a:lnSpc>
@@ -8457,7 +7107,7 @@
             </a:endParaRPr>
           </a:p>
           <a:p>
-            <a:pPr marL="215640" indent="-207720">
+            <a:pPr marL="215640" indent="-207000">
               <a:lnSpc>
                 <a:spcPct val="98000"/>
               </a:lnSpc>
@@ -8493,14 +7143,14 @@
       </p:sp>
       <p:sp>
         <p:nvSpPr>
-          <p:cNvPr id="46" name="CustomShape 2"/>
+          <p:cNvPr id="47" name="CustomShape 2"/>
           <p:cNvSpPr/>
           <p:nvPr/>
         </p:nvSpPr>
         <p:spPr>
           <a:xfrm>
             <a:off x="437760" y="731880"/>
-            <a:ext cx="9068400" cy="6216840"/>
+            <a:ext cx="9067680" cy="6216120"/>
           </a:xfrm>
           <a:custGeom>
             <a:avLst/>
@@ -8539,10 +7189,400 @@
           <a:effectRef idx="0"/>
           <a:fontRef idx="minor"/>
         </p:style>
+        <p:txBody>
+          <a:bodyPr lIns="0" rIns="0" tIns="7200" bIns="0"/>
+          <a:p>
+            <a:pPr>
+              <a:lnSpc>
+                <a:spcPct val="93000"/>
+              </a:lnSpc>
+            </a:pPr>
+            <a:r>
+              <a:rPr b="0" lang="en-US" sz="2200" spc="-1" strike="sngStrike">
+                <a:solidFill>
+                  <a:srgbClr val="000000"/>
+                </a:solidFill>
+                <a:uFill>
+                  <a:solidFill>
+                    <a:srgbClr val="ffffff"/>
+                  </a:solidFill>
+                </a:uFill>
+                <a:latin typeface="Georgia"/>
+                <a:ea typeface="Georgia"/>
+              </a:rPr>
+              <a:t>He is taller than me.</a:t>
+            </a:r>
+            <a:endParaRPr b="0" lang="en-US" sz="1800" spc="-1" strike="noStrike">
+              <a:solidFill>
+                <a:srgbClr val="000000"/>
+              </a:solidFill>
+              <a:uFill>
+                <a:solidFill>
+                  <a:srgbClr val="ffffff"/>
+                </a:solidFill>
+              </a:uFill>
+              <a:latin typeface="Arial"/>
+            </a:endParaRPr>
+          </a:p>
+          <a:p>
+            <a:pPr>
+              <a:lnSpc>
+                <a:spcPct val="93000"/>
+              </a:lnSpc>
+            </a:pPr>
+            <a:r>
+              <a:rPr b="0" lang="en-US" sz="2200" spc="-1" strike="noStrike">
+                <a:solidFill>
+                  <a:srgbClr val="000000"/>
+                </a:solidFill>
+                <a:uFill>
+                  <a:solidFill>
+                    <a:srgbClr val="ffffff"/>
+                  </a:solidFill>
+                </a:uFill>
+                <a:latin typeface="Georgia"/>
+                <a:ea typeface="Georgia"/>
+              </a:rPr>
+              <a:t>He is taller than I. </a:t>
+            </a:r>
+            <a:endParaRPr b="0" lang="en-US" sz="1800" spc="-1" strike="noStrike">
+              <a:solidFill>
+                <a:srgbClr val="000000"/>
+              </a:solidFill>
+              <a:uFill>
+                <a:solidFill>
+                  <a:srgbClr val="ffffff"/>
+                </a:solidFill>
+              </a:uFill>
+              <a:latin typeface="Arial"/>
+            </a:endParaRPr>
+          </a:p>
+          <a:p>
+            <a:pPr>
+              <a:lnSpc>
+                <a:spcPct val="93000"/>
+              </a:lnSpc>
+            </a:pPr>
+            <a:endParaRPr b="0" lang="en-US" sz="1800" spc="-1" strike="noStrike">
+              <a:solidFill>
+                <a:srgbClr val="000000"/>
+              </a:solidFill>
+              <a:uFill>
+                <a:solidFill>
+                  <a:srgbClr val="ffffff"/>
+                </a:solidFill>
+              </a:uFill>
+              <a:latin typeface="Arial"/>
+            </a:endParaRPr>
+          </a:p>
+          <a:p>
+            <a:pPr>
+              <a:lnSpc>
+                <a:spcPct val="93000"/>
+              </a:lnSpc>
+            </a:pPr>
+            <a:endParaRPr b="0" lang="en-US" sz="1800" spc="-1" strike="noStrike">
+              <a:solidFill>
+                <a:srgbClr val="000000"/>
+              </a:solidFill>
+              <a:uFill>
+                <a:solidFill>
+                  <a:srgbClr val="ffffff"/>
+                </a:solidFill>
+              </a:uFill>
+              <a:latin typeface="Arial"/>
+            </a:endParaRPr>
+          </a:p>
+          <a:p>
+            <a:pPr>
+              <a:lnSpc>
+                <a:spcPct val="93000"/>
+              </a:lnSpc>
+            </a:pPr>
+            <a:endParaRPr b="0" lang="en-US" sz="1800" spc="-1" strike="noStrike">
+              <a:solidFill>
+                <a:srgbClr val="000000"/>
+              </a:solidFill>
+              <a:uFill>
+                <a:solidFill>
+                  <a:srgbClr val="ffffff"/>
+                </a:solidFill>
+              </a:uFill>
+              <a:latin typeface="Arial"/>
+            </a:endParaRPr>
+          </a:p>
+          <a:p>
+            <a:pPr>
+              <a:lnSpc>
+                <a:spcPct val="93000"/>
+              </a:lnSpc>
+            </a:pPr>
+            <a:endParaRPr b="0" lang="en-US" sz="1800" spc="-1" strike="noStrike">
+              <a:solidFill>
+                <a:srgbClr val="000000"/>
+              </a:solidFill>
+              <a:uFill>
+                <a:solidFill>
+                  <a:srgbClr val="ffffff"/>
+                </a:solidFill>
+              </a:uFill>
+              <a:latin typeface="Arial"/>
+            </a:endParaRPr>
+          </a:p>
+          <a:p>
+            <a:pPr>
+              <a:lnSpc>
+                <a:spcPct val="93000"/>
+              </a:lnSpc>
+            </a:pPr>
+            <a:endParaRPr b="0" lang="en-US" sz="1800" spc="-1" strike="noStrike">
+              <a:solidFill>
+                <a:srgbClr val="000000"/>
+              </a:solidFill>
+              <a:uFill>
+                <a:solidFill>
+                  <a:srgbClr val="ffffff"/>
+                </a:solidFill>
+              </a:uFill>
+              <a:latin typeface="Arial"/>
+            </a:endParaRPr>
+          </a:p>
+          <a:p>
+            <a:pPr>
+              <a:lnSpc>
+                <a:spcPct val="93000"/>
+              </a:lnSpc>
+            </a:pPr>
+            <a:endParaRPr b="0" lang="en-US" sz="1800" spc="-1" strike="noStrike">
+              <a:solidFill>
+                <a:srgbClr val="000000"/>
+              </a:solidFill>
+              <a:uFill>
+                <a:solidFill>
+                  <a:srgbClr val="ffffff"/>
+                </a:solidFill>
+              </a:uFill>
+              <a:latin typeface="Arial"/>
+            </a:endParaRPr>
+          </a:p>
+          <a:p>
+            <a:pPr>
+              <a:lnSpc>
+                <a:spcPct val="93000"/>
+              </a:lnSpc>
+            </a:pPr>
+            <a:endParaRPr b="0" lang="en-US" sz="1800" spc="-1" strike="noStrike">
+              <a:solidFill>
+                <a:srgbClr val="000000"/>
+              </a:solidFill>
+              <a:uFill>
+                <a:solidFill>
+                  <a:srgbClr val="ffffff"/>
+                </a:solidFill>
+              </a:uFill>
+              <a:latin typeface="Arial"/>
+            </a:endParaRPr>
+          </a:p>
+          <a:p>
+            <a:pPr>
+              <a:lnSpc>
+                <a:spcPct val="93000"/>
+              </a:lnSpc>
+            </a:pPr>
+            <a:endParaRPr b="0" lang="en-US" sz="1800" spc="-1" strike="noStrike">
+              <a:solidFill>
+                <a:srgbClr val="000000"/>
+              </a:solidFill>
+              <a:uFill>
+                <a:solidFill>
+                  <a:srgbClr val="ffffff"/>
+                </a:solidFill>
+              </a:uFill>
+              <a:latin typeface="Arial"/>
+            </a:endParaRPr>
+          </a:p>
+          <a:p>
+            <a:pPr>
+              <a:lnSpc>
+                <a:spcPct val="93000"/>
+              </a:lnSpc>
+            </a:pPr>
+            <a:endParaRPr b="0" lang="en-US" sz="1800" spc="-1" strike="noStrike">
+              <a:solidFill>
+                <a:srgbClr val="000000"/>
+              </a:solidFill>
+              <a:uFill>
+                <a:solidFill>
+                  <a:srgbClr val="ffffff"/>
+                </a:solidFill>
+              </a:uFill>
+              <a:latin typeface="Arial"/>
+            </a:endParaRPr>
+          </a:p>
+          <a:p>
+            <a:pPr>
+              <a:lnSpc>
+                <a:spcPct val="93000"/>
+              </a:lnSpc>
+            </a:pPr>
+            <a:endParaRPr b="0" lang="en-US" sz="1800" spc="-1" strike="noStrike">
+              <a:solidFill>
+                <a:srgbClr val="000000"/>
+              </a:solidFill>
+              <a:uFill>
+                <a:solidFill>
+                  <a:srgbClr val="ffffff"/>
+                </a:solidFill>
+              </a:uFill>
+              <a:latin typeface="Arial"/>
+            </a:endParaRPr>
+          </a:p>
+          <a:p>
+            <a:pPr>
+              <a:lnSpc>
+                <a:spcPct val="93000"/>
+              </a:lnSpc>
+            </a:pPr>
+            <a:endParaRPr b="0" lang="en-US" sz="1800" spc="-1" strike="noStrike">
+              <a:solidFill>
+                <a:srgbClr val="000000"/>
+              </a:solidFill>
+              <a:uFill>
+                <a:solidFill>
+                  <a:srgbClr val="ffffff"/>
+                </a:solidFill>
+              </a:uFill>
+              <a:latin typeface="Arial"/>
+            </a:endParaRPr>
+          </a:p>
+          <a:p>
+            <a:pPr>
+              <a:lnSpc>
+                <a:spcPct val="93000"/>
+              </a:lnSpc>
+            </a:pPr>
+            <a:r>
+              <a:rPr b="0" lang="en-US" sz="1800" spc="-1" strike="noStrike" u="sng">
+                <a:solidFill>
+                  <a:srgbClr val="000000"/>
+                </a:solidFill>
+                <a:uFill>
+                  <a:solidFill>
+                    <a:srgbClr val="ffffff"/>
+                  </a:solidFill>
+                </a:uFill>
+                <a:latin typeface="Arial"/>
+                <a:ea typeface="Arial"/>
+              </a:rPr>
+              <a:t>Complement</a:t>
+            </a:r>
+            <a:endParaRPr b="0" lang="en-US" sz="1800" spc="-1" strike="noStrike">
+              <a:solidFill>
+                <a:srgbClr val="000000"/>
+              </a:solidFill>
+              <a:uFill>
+                <a:solidFill>
+                  <a:srgbClr val="ffffff"/>
+                </a:solidFill>
+              </a:uFill>
+              <a:latin typeface="Arial"/>
+            </a:endParaRPr>
+          </a:p>
+          <a:p>
+            <a:pPr>
+              <a:lnSpc>
+                <a:spcPct val="93000"/>
+              </a:lnSpc>
+            </a:pPr>
+            <a:endParaRPr b="0" lang="en-US" sz="1800" spc="-1" strike="noStrike">
+              <a:solidFill>
+                <a:srgbClr val="000000"/>
+              </a:solidFill>
+              <a:uFill>
+                <a:solidFill>
+                  <a:srgbClr val="ffffff"/>
+                </a:solidFill>
+              </a:uFill>
+              <a:latin typeface="Arial"/>
+            </a:endParaRPr>
+          </a:p>
+          <a:p>
+            <a:pPr>
+              <a:lnSpc>
+                <a:spcPct val="93000"/>
+              </a:lnSpc>
+            </a:pPr>
+            <a:endParaRPr b="0" lang="en-US" sz="1800" spc="-1" strike="noStrike">
+              <a:solidFill>
+                <a:srgbClr val="000000"/>
+              </a:solidFill>
+              <a:uFill>
+                <a:solidFill>
+                  <a:srgbClr val="ffffff"/>
+                </a:solidFill>
+              </a:uFill>
+              <a:latin typeface="Arial"/>
+            </a:endParaRPr>
+          </a:p>
+          <a:p>
+            <a:pPr>
+              <a:lnSpc>
+                <a:spcPct val="93000"/>
+              </a:lnSpc>
+            </a:pPr>
+            <a:endParaRPr b="0" lang="en-US" sz="1800" spc="-1" strike="noStrike">
+              <a:solidFill>
+                <a:srgbClr val="000000"/>
+              </a:solidFill>
+              <a:uFill>
+                <a:solidFill>
+                  <a:srgbClr val="ffffff"/>
+                </a:solidFill>
+              </a:uFill>
+              <a:latin typeface="Arial"/>
+            </a:endParaRPr>
+          </a:p>
+          <a:p>
+            <a:pPr>
+              <a:lnSpc>
+                <a:spcPct val="93000"/>
+              </a:lnSpc>
+            </a:pPr>
+            <a:endParaRPr b="0" lang="en-US" sz="1800" spc="-1" strike="noStrike">
+              <a:solidFill>
+                <a:srgbClr val="000000"/>
+              </a:solidFill>
+              <a:uFill>
+                <a:solidFill>
+                  <a:srgbClr val="ffffff"/>
+                </a:solidFill>
+              </a:uFill>
+              <a:latin typeface="Arial"/>
+            </a:endParaRPr>
+          </a:p>
+          <a:p>
+            <a:pPr>
+              <a:lnSpc>
+                <a:spcPct val="93000"/>
+              </a:lnSpc>
+            </a:pPr>
+            <a:endParaRPr b="0" lang="en-US" sz="1800" spc="-1" strike="noStrike">
+              <a:solidFill>
+                <a:srgbClr val="000000"/>
+              </a:solidFill>
+              <a:uFill>
+                <a:solidFill>
+                  <a:srgbClr val="ffffff"/>
+                </a:solidFill>
+              </a:uFill>
+              <a:latin typeface="Arial"/>
+            </a:endParaRPr>
+          </a:p>
+        </p:txBody>
       </p:sp>
       <p:pic>
         <p:nvPicPr>
-          <p:cNvPr id="47" name="Google Shape;75;p16" descr=""/>
+          <p:cNvPr id="48" name="Google Shape;83;p17" descr=""/>
           <p:cNvPicPr/>
           <p:nvPr/>
         </p:nvPicPr>
@@ -8552,8 +7592,8 @@
         </p:blipFill>
         <p:spPr>
           <a:xfrm>
-            <a:off x="471600" y="468720"/>
-            <a:ext cx="9136800" cy="5139360"/>
+            <a:off x="456480" y="1684800"/>
+            <a:ext cx="8839440" cy="3761640"/>
           </a:xfrm>
           <a:prstGeom prst="rect">
             <a:avLst/>
@@ -8621,14 +7661,14 @@
       </p:grpSpPr>
       <p:sp>
         <p:nvSpPr>
-          <p:cNvPr id="48" name="CustomShape 1"/>
+          <p:cNvPr id="49" name="CustomShape 1"/>
           <p:cNvSpPr/>
           <p:nvPr/>
         </p:nvSpPr>
         <p:spPr>
           <a:xfrm>
             <a:off x="456480" y="1188720"/>
-            <a:ext cx="9068400" cy="6216840"/>
+            <a:ext cx="9067680" cy="6216120"/>
           </a:xfrm>
           <a:prstGeom prst="rect">
             <a:avLst/>
@@ -8713,7 +7753,7 @@
             </a:endParaRPr>
           </a:p>
           <a:p>
-            <a:pPr marL="215640" indent="-207720">
+            <a:pPr marL="215640" indent="-207000">
               <a:lnSpc>
                 <a:spcPct val="98000"/>
               </a:lnSpc>
@@ -8746,7 +7786,7 @@
             </a:endParaRPr>
           </a:p>
           <a:p>
-            <a:pPr marL="215640" indent="-207720">
+            <a:pPr marL="215640" indent="-207000">
               <a:lnSpc>
                 <a:spcPct val="98000"/>
               </a:lnSpc>
@@ -8779,7 +7819,7 @@
             </a:endParaRPr>
           </a:p>
           <a:p>
-            <a:pPr marL="215640" indent="-207720">
+            <a:pPr marL="215640" indent="-207000">
               <a:lnSpc>
                 <a:spcPct val="98000"/>
               </a:lnSpc>
@@ -8815,14 +7855,14 @@
       </p:sp>
       <p:sp>
         <p:nvSpPr>
-          <p:cNvPr id="49" name="CustomShape 2"/>
+          <p:cNvPr id="50" name="CustomShape 2"/>
           <p:cNvSpPr/>
           <p:nvPr/>
         </p:nvSpPr>
         <p:spPr>
           <a:xfrm>
             <a:off x="437760" y="731880"/>
-            <a:ext cx="9068400" cy="6216840"/>
+            <a:ext cx="9067680" cy="6216120"/>
           </a:xfrm>
           <a:custGeom>
             <a:avLst/>
@@ -8861,400 +7901,10 @@
           <a:effectRef idx="0"/>
           <a:fontRef idx="minor"/>
         </p:style>
-        <p:txBody>
-          <a:bodyPr lIns="0" rIns="0" tIns="7200" bIns="0"/>
-          <a:p>
-            <a:pPr>
-              <a:lnSpc>
-                <a:spcPct val="93000"/>
-              </a:lnSpc>
-            </a:pPr>
-            <a:r>
-              <a:rPr b="0" lang="en-US" sz="2200" spc="-1" strike="sngStrike">
-                <a:solidFill>
-                  <a:srgbClr val="000000"/>
-                </a:solidFill>
-                <a:uFill>
-                  <a:solidFill>
-                    <a:srgbClr val="ffffff"/>
-                  </a:solidFill>
-                </a:uFill>
-                <a:latin typeface="Georgia"/>
-                <a:ea typeface="Georgia"/>
-              </a:rPr>
-              <a:t>He is taller than me.</a:t>
-            </a:r>
-            <a:endParaRPr b="0" lang="en-US" sz="1800" spc="-1" strike="noStrike">
-              <a:solidFill>
-                <a:srgbClr val="000000"/>
-              </a:solidFill>
-              <a:uFill>
-                <a:solidFill>
-                  <a:srgbClr val="ffffff"/>
-                </a:solidFill>
-              </a:uFill>
-              <a:latin typeface="Arial"/>
-            </a:endParaRPr>
-          </a:p>
-          <a:p>
-            <a:pPr>
-              <a:lnSpc>
-                <a:spcPct val="93000"/>
-              </a:lnSpc>
-            </a:pPr>
-            <a:r>
-              <a:rPr b="0" lang="en-US" sz="2200" spc="-1" strike="noStrike">
-                <a:solidFill>
-                  <a:srgbClr val="000000"/>
-                </a:solidFill>
-                <a:uFill>
-                  <a:solidFill>
-                    <a:srgbClr val="ffffff"/>
-                  </a:solidFill>
-                </a:uFill>
-                <a:latin typeface="Georgia"/>
-                <a:ea typeface="Georgia"/>
-              </a:rPr>
-              <a:t>He is taller than I. </a:t>
-            </a:r>
-            <a:endParaRPr b="0" lang="en-US" sz="1800" spc="-1" strike="noStrike">
-              <a:solidFill>
-                <a:srgbClr val="000000"/>
-              </a:solidFill>
-              <a:uFill>
-                <a:solidFill>
-                  <a:srgbClr val="ffffff"/>
-                </a:solidFill>
-              </a:uFill>
-              <a:latin typeface="Arial"/>
-            </a:endParaRPr>
-          </a:p>
-          <a:p>
-            <a:pPr>
-              <a:lnSpc>
-                <a:spcPct val="93000"/>
-              </a:lnSpc>
-            </a:pPr>
-            <a:endParaRPr b="0" lang="en-US" sz="1800" spc="-1" strike="noStrike">
-              <a:solidFill>
-                <a:srgbClr val="000000"/>
-              </a:solidFill>
-              <a:uFill>
-                <a:solidFill>
-                  <a:srgbClr val="ffffff"/>
-                </a:solidFill>
-              </a:uFill>
-              <a:latin typeface="Arial"/>
-            </a:endParaRPr>
-          </a:p>
-          <a:p>
-            <a:pPr>
-              <a:lnSpc>
-                <a:spcPct val="93000"/>
-              </a:lnSpc>
-            </a:pPr>
-            <a:endParaRPr b="0" lang="en-US" sz="1800" spc="-1" strike="noStrike">
-              <a:solidFill>
-                <a:srgbClr val="000000"/>
-              </a:solidFill>
-              <a:uFill>
-                <a:solidFill>
-                  <a:srgbClr val="ffffff"/>
-                </a:solidFill>
-              </a:uFill>
-              <a:latin typeface="Arial"/>
-            </a:endParaRPr>
-          </a:p>
-          <a:p>
-            <a:pPr>
-              <a:lnSpc>
-                <a:spcPct val="93000"/>
-              </a:lnSpc>
-            </a:pPr>
-            <a:endParaRPr b="0" lang="en-US" sz="1800" spc="-1" strike="noStrike">
-              <a:solidFill>
-                <a:srgbClr val="000000"/>
-              </a:solidFill>
-              <a:uFill>
-                <a:solidFill>
-                  <a:srgbClr val="ffffff"/>
-                </a:solidFill>
-              </a:uFill>
-              <a:latin typeface="Arial"/>
-            </a:endParaRPr>
-          </a:p>
-          <a:p>
-            <a:pPr>
-              <a:lnSpc>
-                <a:spcPct val="93000"/>
-              </a:lnSpc>
-            </a:pPr>
-            <a:endParaRPr b="0" lang="en-US" sz="1800" spc="-1" strike="noStrike">
-              <a:solidFill>
-                <a:srgbClr val="000000"/>
-              </a:solidFill>
-              <a:uFill>
-                <a:solidFill>
-                  <a:srgbClr val="ffffff"/>
-                </a:solidFill>
-              </a:uFill>
-              <a:latin typeface="Arial"/>
-            </a:endParaRPr>
-          </a:p>
-          <a:p>
-            <a:pPr>
-              <a:lnSpc>
-                <a:spcPct val="93000"/>
-              </a:lnSpc>
-            </a:pPr>
-            <a:endParaRPr b="0" lang="en-US" sz="1800" spc="-1" strike="noStrike">
-              <a:solidFill>
-                <a:srgbClr val="000000"/>
-              </a:solidFill>
-              <a:uFill>
-                <a:solidFill>
-                  <a:srgbClr val="ffffff"/>
-                </a:solidFill>
-              </a:uFill>
-              <a:latin typeface="Arial"/>
-            </a:endParaRPr>
-          </a:p>
-          <a:p>
-            <a:pPr>
-              <a:lnSpc>
-                <a:spcPct val="93000"/>
-              </a:lnSpc>
-            </a:pPr>
-            <a:endParaRPr b="0" lang="en-US" sz="1800" spc="-1" strike="noStrike">
-              <a:solidFill>
-                <a:srgbClr val="000000"/>
-              </a:solidFill>
-              <a:uFill>
-                <a:solidFill>
-                  <a:srgbClr val="ffffff"/>
-                </a:solidFill>
-              </a:uFill>
-              <a:latin typeface="Arial"/>
-            </a:endParaRPr>
-          </a:p>
-          <a:p>
-            <a:pPr>
-              <a:lnSpc>
-                <a:spcPct val="93000"/>
-              </a:lnSpc>
-            </a:pPr>
-            <a:endParaRPr b="0" lang="en-US" sz="1800" spc="-1" strike="noStrike">
-              <a:solidFill>
-                <a:srgbClr val="000000"/>
-              </a:solidFill>
-              <a:uFill>
-                <a:solidFill>
-                  <a:srgbClr val="ffffff"/>
-                </a:solidFill>
-              </a:uFill>
-              <a:latin typeface="Arial"/>
-            </a:endParaRPr>
-          </a:p>
-          <a:p>
-            <a:pPr>
-              <a:lnSpc>
-                <a:spcPct val="93000"/>
-              </a:lnSpc>
-            </a:pPr>
-            <a:endParaRPr b="0" lang="en-US" sz="1800" spc="-1" strike="noStrike">
-              <a:solidFill>
-                <a:srgbClr val="000000"/>
-              </a:solidFill>
-              <a:uFill>
-                <a:solidFill>
-                  <a:srgbClr val="ffffff"/>
-                </a:solidFill>
-              </a:uFill>
-              <a:latin typeface="Arial"/>
-            </a:endParaRPr>
-          </a:p>
-          <a:p>
-            <a:pPr>
-              <a:lnSpc>
-                <a:spcPct val="93000"/>
-              </a:lnSpc>
-            </a:pPr>
-            <a:endParaRPr b="0" lang="en-US" sz="1800" spc="-1" strike="noStrike">
-              <a:solidFill>
-                <a:srgbClr val="000000"/>
-              </a:solidFill>
-              <a:uFill>
-                <a:solidFill>
-                  <a:srgbClr val="ffffff"/>
-                </a:solidFill>
-              </a:uFill>
-              <a:latin typeface="Arial"/>
-            </a:endParaRPr>
-          </a:p>
-          <a:p>
-            <a:pPr>
-              <a:lnSpc>
-                <a:spcPct val="93000"/>
-              </a:lnSpc>
-            </a:pPr>
-            <a:endParaRPr b="0" lang="en-US" sz="1800" spc="-1" strike="noStrike">
-              <a:solidFill>
-                <a:srgbClr val="000000"/>
-              </a:solidFill>
-              <a:uFill>
-                <a:solidFill>
-                  <a:srgbClr val="ffffff"/>
-                </a:solidFill>
-              </a:uFill>
-              <a:latin typeface="Arial"/>
-            </a:endParaRPr>
-          </a:p>
-          <a:p>
-            <a:pPr>
-              <a:lnSpc>
-                <a:spcPct val="93000"/>
-              </a:lnSpc>
-            </a:pPr>
-            <a:endParaRPr b="0" lang="en-US" sz="1800" spc="-1" strike="noStrike">
-              <a:solidFill>
-                <a:srgbClr val="000000"/>
-              </a:solidFill>
-              <a:uFill>
-                <a:solidFill>
-                  <a:srgbClr val="ffffff"/>
-                </a:solidFill>
-              </a:uFill>
-              <a:latin typeface="Arial"/>
-            </a:endParaRPr>
-          </a:p>
-          <a:p>
-            <a:pPr>
-              <a:lnSpc>
-                <a:spcPct val="93000"/>
-              </a:lnSpc>
-            </a:pPr>
-            <a:r>
-              <a:rPr b="0" lang="en-US" sz="1800" spc="-1" strike="noStrike" u="sng">
-                <a:solidFill>
-                  <a:srgbClr val="000000"/>
-                </a:solidFill>
-                <a:uFill>
-                  <a:solidFill>
-                    <a:srgbClr val="ffffff"/>
-                  </a:solidFill>
-                </a:uFill>
-                <a:latin typeface="Arial"/>
-                <a:ea typeface="Arial"/>
-              </a:rPr>
-              <a:t>Complement</a:t>
-            </a:r>
-            <a:endParaRPr b="0" lang="en-US" sz="1800" spc="-1" strike="noStrike">
-              <a:solidFill>
-                <a:srgbClr val="000000"/>
-              </a:solidFill>
-              <a:uFill>
-                <a:solidFill>
-                  <a:srgbClr val="ffffff"/>
-                </a:solidFill>
-              </a:uFill>
-              <a:latin typeface="Arial"/>
-            </a:endParaRPr>
-          </a:p>
-          <a:p>
-            <a:pPr>
-              <a:lnSpc>
-                <a:spcPct val="93000"/>
-              </a:lnSpc>
-            </a:pPr>
-            <a:endParaRPr b="0" lang="en-US" sz="1800" spc="-1" strike="noStrike">
-              <a:solidFill>
-                <a:srgbClr val="000000"/>
-              </a:solidFill>
-              <a:uFill>
-                <a:solidFill>
-                  <a:srgbClr val="ffffff"/>
-                </a:solidFill>
-              </a:uFill>
-              <a:latin typeface="Arial"/>
-            </a:endParaRPr>
-          </a:p>
-          <a:p>
-            <a:pPr>
-              <a:lnSpc>
-                <a:spcPct val="93000"/>
-              </a:lnSpc>
-            </a:pPr>
-            <a:endParaRPr b="0" lang="en-US" sz="1800" spc="-1" strike="noStrike">
-              <a:solidFill>
-                <a:srgbClr val="000000"/>
-              </a:solidFill>
-              <a:uFill>
-                <a:solidFill>
-                  <a:srgbClr val="ffffff"/>
-                </a:solidFill>
-              </a:uFill>
-              <a:latin typeface="Arial"/>
-            </a:endParaRPr>
-          </a:p>
-          <a:p>
-            <a:pPr>
-              <a:lnSpc>
-                <a:spcPct val="93000"/>
-              </a:lnSpc>
-            </a:pPr>
-            <a:endParaRPr b="0" lang="en-US" sz="1800" spc="-1" strike="noStrike">
-              <a:solidFill>
-                <a:srgbClr val="000000"/>
-              </a:solidFill>
-              <a:uFill>
-                <a:solidFill>
-                  <a:srgbClr val="ffffff"/>
-                </a:solidFill>
-              </a:uFill>
-              <a:latin typeface="Arial"/>
-            </a:endParaRPr>
-          </a:p>
-          <a:p>
-            <a:pPr>
-              <a:lnSpc>
-                <a:spcPct val="93000"/>
-              </a:lnSpc>
-            </a:pPr>
-            <a:endParaRPr b="0" lang="en-US" sz="1800" spc="-1" strike="noStrike">
-              <a:solidFill>
-                <a:srgbClr val="000000"/>
-              </a:solidFill>
-              <a:uFill>
-                <a:solidFill>
-                  <a:srgbClr val="ffffff"/>
-                </a:solidFill>
-              </a:uFill>
-              <a:latin typeface="Arial"/>
-            </a:endParaRPr>
-          </a:p>
-          <a:p>
-            <a:pPr>
-              <a:lnSpc>
-                <a:spcPct val="93000"/>
-              </a:lnSpc>
-            </a:pPr>
-            <a:endParaRPr b="0" lang="en-US" sz="1800" spc="-1" strike="noStrike">
-              <a:solidFill>
-                <a:srgbClr val="000000"/>
-              </a:solidFill>
-              <a:uFill>
-                <a:solidFill>
-                  <a:srgbClr val="ffffff"/>
-                </a:solidFill>
-              </a:uFill>
-              <a:latin typeface="Arial"/>
-            </a:endParaRPr>
-          </a:p>
-        </p:txBody>
       </p:sp>
       <p:pic>
         <p:nvPicPr>
-          <p:cNvPr id="50" name="Google Shape;83;p17" descr=""/>
+          <p:cNvPr id="51" name="Google Shape;91;p18" descr=""/>
           <p:cNvPicPr/>
           <p:nvPr/>
         </p:nvPicPr>
@@ -9264,8 +7914,8 @@
         </p:blipFill>
         <p:spPr>
           <a:xfrm>
-            <a:off x="456480" y="1684800"/>
-            <a:ext cx="8840160" cy="3762360"/>
+            <a:off x="1611360" y="351000"/>
+            <a:ext cx="6216120" cy="6216120"/>
           </a:xfrm>
           <a:prstGeom prst="rect">
             <a:avLst/>
@@ -9333,14 +7983,14 @@
       </p:grpSpPr>
       <p:sp>
         <p:nvSpPr>
-          <p:cNvPr id="51" name="CustomShape 1"/>
+          <p:cNvPr id="52" name="CustomShape 1"/>
           <p:cNvSpPr/>
           <p:nvPr/>
         </p:nvSpPr>
         <p:spPr>
           <a:xfrm>
             <a:off x="456480" y="1188720"/>
-            <a:ext cx="9068400" cy="6216840"/>
+            <a:ext cx="9067680" cy="6216120"/>
           </a:xfrm>
           <a:prstGeom prst="rect">
             <a:avLst/>
@@ -9425,7 +8075,7 @@
             </a:endParaRPr>
           </a:p>
           <a:p>
-            <a:pPr marL="215640" indent="-207720">
+            <a:pPr marL="215640" indent="-207000">
               <a:lnSpc>
                 <a:spcPct val="98000"/>
               </a:lnSpc>
@@ -9458,7 +8108,7 @@
             </a:endParaRPr>
           </a:p>
           <a:p>
-            <a:pPr marL="215640" indent="-207720">
+            <a:pPr marL="215640" indent="-207000">
               <a:lnSpc>
                 <a:spcPct val="98000"/>
               </a:lnSpc>
@@ -9491,7 +8141,7 @@
             </a:endParaRPr>
           </a:p>
           <a:p>
-            <a:pPr marL="215640" indent="-207720">
+            <a:pPr marL="215640" indent="-207000">
               <a:lnSpc>
                 <a:spcPct val="98000"/>
               </a:lnSpc>
@@ -9527,14 +8177,14 @@
       </p:sp>
       <p:sp>
         <p:nvSpPr>
-          <p:cNvPr id="52" name="CustomShape 2"/>
+          <p:cNvPr id="53" name="CustomShape 2"/>
           <p:cNvSpPr/>
           <p:nvPr/>
         </p:nvSpPr>
         <p:spPr>
           <a:xfrm>
-            <a:off x="437760" y="731880"/>
-            <a:ext cx="9068400" cy="6216840"/>
+            <a:off x="437760" y="194400"/>
+            <a:ext cx="9067680" cy="6753600"/>
           </a:xfrm>
           <a:custGeom>
             <a:avLst/>
@@ -9573,30 +8223,538 @@
           <a:effectRef idx="0"/>
           <a:fontRef idx="minor"/>
         </p:style>
+        <p:txBody>
+          <a:bodyPr lIns="0" rIns="0" tIns="7200" bIns="0"/>
+          <a:p>
+            <a:pPr>
+              <a:lnSpc>
+                <a:spcPct val="93000"/>
+              </a:lnSpc>
+            </a:pPr>
+            <a:r>
+              <a:rPr b="0" lang="en-US" sz="2200" spc="-1" strike="noStrike">
+                <a:solidFill>
+                  <a:srgbClr val="000000"/>
+                </a:solidFill>
+                <a:uFill>
+                  <a:solidFill>
+                    <a:srgbClr val="ffffff"/>
+                  </a:solidFill>
+                </a:uFill>
+                <a:latin typeface="Georgia"/>
+                <a:ea typeface="Georgia"/>
+              </a:rPr>
+              <a:t>Nobody </a:t>
+            </a:r>
+            <a:r>
+              <a:rPr b="1" lang="en-US" sz="2200" spc="-1" strike="noStrike">
+                <a:solidFill>
+                  <a:srgbClr val="000000"/>
+                </a:solidFill>
+                <a:uFill>
+                  <a:solidFill>
+                    <a:srgbClr val="ffffff"/>
+                  </a:solidFill>
+                </a:uFill>
+                <a:latin typeface="Georgia"/>
+                <a:ea typeface="Georgia"/>
+              </a:rPr>
+              <a:t>lives </a:t>
+            </a:r>
+            <a:r>
+              <a:rPr b="0" lang="en-US" sz="2200" spc="-1" strike="noStrike">
+                <a:solidFill>
+                  <a:srgbClr val="000000"/>
+                </a:solidFill>
+                <a:uFill>
+                  <a:solidFill>
+                    <a:srgbClr val="ffffff"/>
+                  </a:solidFill>
+                </a:uFill>
+                <a:latin typeface="Georgia"/>
+                <a:ea typeface="Georgia"/>
+              </a:rPr>
+              <a:t>there.</a:t>
+            </a:r>
+            <a:endParaRPr b="0" lang="en-US" sz="1800" spc="-1" strike="noStrike">
+              <a:solidFill>
+                <a:srgbClr val="000000"/>
+              </a:solidFill>
+              <a:uFill>
+                <a:solidFill>
+                  <a:srgbClr val="ffffff"/>
+                </a:solidFill>
+              </a:uFill>
+              <a:latin typeface="Arial"/>
+            </a:endParaRPr>
+          </a:p>
+          <a:p>
+            <a:pPr>
+              <a:lnSpc>
+                <a:spcPct val="93000"/>
+              </a:lnSpc>
+            </a:pPr>
+            <a:r>
+              <a:rPr b="0" lang="en-US" sz="2200" spc="-1" strike="sngStrike">
+                <a:solidFill>
+                  <a:srgbClr val="000000"/>
+                </a:solidFill>
+                <a:uFill>
+                  <a:solidFill>
+                    <a:srgbClr val="ffffff"/>
+                  </a:solidFill>
+                </a:uFill>
+                <a:latin typeface="Georgia"/>
+                <a:ea typeface="Georgia"/>
+              </a:rPr>
+              <a:t>Nobody live there.</a:t>
+            </a:r>
+            <a:endParaRPr b="0" lang="en-US" sz="1800" spc="-1" strike="noStrike">
+              <a:solidFill>
+                <a:srgbClr val="000000"/>
+              </a:solidFill>
+              <a:uFill>
+                <a:solidFill>
+                  <a:srgbClr val="ffffff"/>
+                </a:solidFill>
+              </a:uFill>
+              <a:latin typeface="Arial"/>
+            </a:endParaRPr>
+          </a:p>
+          <a:p>
+            <a:pPr>
+              <a:lnSpc>
+                <a:spcPct val="93000"/>
+              </a:lnSpc>
+            </a:pPr>
+            <a:endParaRPr b="0" lang="en-US" sz="1800" spc="-1" strike="noStrike">
+              <a:solidFill>
+                <a:srgbClr val="000000"/>
+              </a:solidFill>
+              <a:uFill>
+                <a:solidFill>
+                  <a:srgbClr val="ffffff"/>
+                </a:solidFill>
+              </a:uFill>
+              <a:latin typeface="Arial"/>
+            </a:endParaRPr>
+          </a:p>
+          <a:p>
+            <a:pPr>
+              <a:lnSpc>
+                <a:spcPct val="93000"/>
+              </a:lnSpc>
+            </a:pPr>
+            <a:r>
+              <a:rPr b="0" lang="en-US" sz="2200" spc="-1" strike="noStrike">
+                <a:solidFill>
+                  <a:srgbClr val="000000"/>
+                </a:solidFill>
+                <a:uFill>
+                  <a:solidFill>
+                    <a:srgbClr val="ffffff"/>
+                  </a:solidFill>
+                </a:uFill>
+                <a:latin typeface="Georgia"/>
+                <a:ea typeface="Georgia"/>
+              </a:rPr>
+              <a:t>Every country </a:t>
+            </a:r>
+            <a:r>
+              <a:rPr b="1" lang="en-US" sz="2200" spc="-1" strike="noStrike">
+                <a:solidFill>
+                  <a:srgbClr val="000000"/>
+                </a:solidFill>
+                <a:uFill>
+                  <a:solidFill>
+                    <a:srgbClr val="ffffff"/>
+                  </a:solidFill>
+                </a:uFill>
+                <a:latin typeface="Georgia"/>
+                <a:ea typeface="Georgia"/>
+              </a:rPr>
+              <a:t>has</a:t>
+            </a:r>
+            <a:r>
+              <a:rPr b="0" lang="en-US" sz="2200" spc="-1" strike="noStrike">
+                <a:solidFill>
+                  <a:srgbClr val="000000"/>
+                </a:solidFill>
+                <a:uFill>
+                  <a:solidFill>
+                    <a:srgbClr val="ffffff"/>
+                  </a:solidFill>
+                </a:uFill>
+                <a:latin typeface="Georgia"/>
+                <a:ea typeface="Georgia"/>
+              </a:rPr>
+              <a:t> a national flag.</a:t>
+            </a:r>
+            <a:endParaRPr b="0" lang="en-US" sz="1800" spc="-1" strike="noStrike">
+              <a:solidFill>
+                <a:srgbClr val="000000"/>
+              </a:solidFill>
+              <a:uFill>
+                <a:solidFill>
+                  <a:srgbClr val="ffffff"/>
+                </a:solidFill>
+              </a:uFill>
+              <a:latin typeface="Arial"/>
+            </a:endParaRPr>
+          </a:p>
+          <a:p>
+            <a:pPr>
+              <a:lnSpc>
+                <a:spcPct val="93000"/>
+              </a:lnSpc>
+            </a:pPr>
+            <a:r>
+              <a:rPr b="0" lang="en-US" sz="2200" spc="-1" strike="noStrike">
+                <a:solidFill>
+                  <a:srgbClr val="000000"/>
+                </a:solidFill>
+                <a:uFill>
+                  <a:solidFill>
+                    <a:srgbClr val="ffffff"/>
+                  </a:solidFill>
+                </a:uFill>
+                <a:latin typeface="Georgia"/>
+                <a:ea typeface="Georgia"/>
+              </a:rPr>
+              <a:t>All countries </a:t>
+            </a:r>
+            <a:r>
+              <a:rPr b="1" lang="en-US" sz="2200" spc="-1" strike="noStrike">
+                <a:solidFill>
+                  <a:srgbClr val="000000"/>
+                </a:solidFill>
+                <a:uFill>
+                  <a:solidFill>
+                    <a:srgbClr val="ffffff"/>
+                  </a:solidFill>
+                </a:uFill>
+                <a:latin typeface="Georgia"/>
+                <a:ea typeface="Georgia"/>
+              </a:rPr>
+              <a:t>have</a:t>
+            </a:r>
+            <a:r>
+              <a:rPr b="0" lang="en-US" sz="2200" spc="-1" strike="noStrike">
+                <a:solidFill>
+                  <a:srgbClr val="000000"/>
+                </a:solidFill>
+                <a:uFill>
+                  <a:solidFill>
+                    <a:srgbClr val="ffffff"/>
+                  </a:solidFill>
+                </a:uFill>
+                <a:latin typeface="Georgia"/>
+                <a:ea typeface="Georgia"/>
+              </a:rPr>
+              <a:t> a national flag. </a:t>
+            </a:r>
+            <a:endParaRPr b="0" lang="en-US" sz="1800" spc="-1" strike="noStrike">
+              <a:solidFill>
+                <a:srgbClr val="000000"/>
+              </a:solidFill>
+              <a:uFill>
+                <a:solidFill>
+                  <a:srgbClr val="ffffff"/>
+                </a:solidFill>
+              </a:uFill>
+              <a:latin typeface="Arial"/>
+            </a:endParaRPr>
+          </a:p>
+          <a:p>
+            <a:pPr>
+              <a:lnSpc>
+                <a:spcPct val="93000"/>
+              </a:lnSpc>
+            </a:pPr>
+            <a:r>
+              <a:rPr b="0" lang="en-US" sz="2200" spc="-1" strike="noStrike">
+                <a:solidFill>
+                  <a:srgbClr val="000000"/>
+                </a:solidFill>
+                <a:uFill>
+                  <a:solidFill>
+                    <a:srgbClr val="ffffff"/>
+                  </a:solidFill>
+                </a:uFill>
+                <a:latin typeface="Georgia"/>
+                <a:ea typeface="Georgia"/>
+              </a:rPr>
+              <a:t>Everybody </a:t>
+            </a:r>
+            <a:r>
+              <a:rPr b="1" lang="en-US" sz="2200" spc="-1" strike="noStrike">
+                <a:solidFill>
+                  <a:srgbClr val="000000"/>
+                </a:solidFill>
+                <a:uFill>
+                  <a:solidFill>
+                    <a:srgbClr val="ffffff"/>
+                  </a:solidFill>
+                </a:uFill>
+                <a:latin typeface="Georgia"/>
+                <a:ea typeface="Georgia"/>
+              </a:rPr>
+              <a:t>needs</a:t>
+            </a:r>
+            <a:r>
+              <a:rPr b="0" lang="en-US" sz="2200" spc="-1" strike="noStrike">
+                <a:solidFill>
+                  <a:srgbClr val="000000"/>
+                </a:solidFill>
+                <a:uFill>
+                  <a:solidFill>
+                    <a:srgbClr val="ffffff"/>
+                  </a:solidFill>
+                </a:uFill>
+                <a:latin typeface="Georgia"/>
+                <a:ea typeface="Georgia"/>
+              </a:rPr>
+              <a:t> to live in a society</a:t>
+            </a:r>
+            <a:endParaRPr b="0" lang="en-US" sz="1800" spc="-1" strike="noStrike">
+              <a:solidFill>
+                <a:srgbClr val="000000"/>
+              </a:solidFill>
+              <a:uFill>
+                <a:solidFill>
+                  <a:srgbClr val="ffffff"/>
+                </a:solidFill>
+              </a:uFill>
+              <a:latin typeface="Arial"/>
+            </a:endParaRPr>
+          </a:p>
+          <a:p>
+            <a:pPr>
+              <a:lnSpc>
+                <a:spcPct val="93000"/>
+              </a:lnSpc>
+            </a:pPr>
+            <a:r>
+              <a:rPr b="0" lang="en-US" sz="2200" spc="-1" strike="noStrike">
+                <a:solidFill>
+                  <a:srgbClr val="000000"/>
+                </a:solidFill>
+                <a:uFill>
+                  <a:solidFill>
+                    <a:srgbClr val="ffffff"/>
+                  </a:solidFill>
+                </a:uFill>
+                <a:latin typeface="Georgia"/>
+                <a:ea typeface="Georgia"/>
+              </a:rPr>
+              <a:t>Every soldier and every sailor </a:t>
+            </a:r>
+            <a:r>
+              <a:rPr b="1" lang="en-US" sz="2200" spc="-1" strike="noStrike">
+                <a:solidFill>
+                  <a:srgbClr val="000000"/>
+                </a:solidFill>
+                <a:uFill>
+                  <a:solidFill>
+                    <a:srgbClr val="ffffff"/>
+                  </a:solidFill>
+                </a:uFill>
+                <a:latin typeface="Georgia"/>
+                <a:ea typeface="Georgia"/>
+              </a:rPr>
+              <a:t>has </a:t>
+            </a:r>
+            <a:r>
+              <a:rPr b="0" lang="en-US" sz="2200" spc="-1" strike="noStrike">
+                <a:solidFill>
+                  <a:srgbClr val="000000"/>
+                </a:solidFill>
+                <a:uFill>
+                  <a:solidFill>
+                    <a:srgbClr val="ffffff"/>
+                  </a:solidFill>
+                </a:uFill>
+                <a:latin typeface="Georgia"/>
+                <a:ea typeface="Georgia"/>
+              </a:rPr>
+              <a:t>a rifle.  </a:t>
+            </a:r>
+            <a:endParaRPr b="0" lang="en-US" sz="1800" spc="-1" strike="noStrike">
+              <a:solidFill>
+                <a:srgbClr val="000000"/>
+              </a:solidFill>
+              <a:uFill>
+                <a:solidFill>
+                  <a:srgbClr val="ffffff"/>
+                </a:solidFill>
+              </a:uFill>
+              <a:latin typeface="Arial"/>
+            </a:endParaRPr>
+          </a:p>
+          <a:p>
+            <a:pPr>
+              <a:lnSpc>
+                <a:spcPct val="93000"/>
+              </a:lnSpc>
+            </a:pPr>
+            <a:endParaRPr b="0" lang="en-US" sz="1800" spc="-1" strike="noStrike">
+              <a:solidFill>
+                <a:srgbClr val="000000"/>
+              </a:solidFill>
+              <a:uFill>
+                <a:solidFill>
+                  <a:srgbClr val="ffffff"/>
+                </a:solidFill>
+              </a:uFill>
+              <a:latin typeface="Arial"/>
+            </a:endParaRPr>
+          </a:p>
+          <a:p>
+            <a:pPr>
+              <a:lnSpc>
+                <a:spcPct val="93000"/>
+              </a:lnSpc>
+            </a:pPr>
+            <a:r>
+              <a:rPr b="0" lang="en-US" sz="2200" spc="-1" strike="noStrike">
+                <a:solidFill>
+                  <a:srgbClr val="000000"/>
+                </a:solidFill>
+                <a:uFill>
+                  <a:solidFill>
+                    <a:srgbClr val="ffffff"/>
+                  </a:solidFill>
+                </a:uFill>
+                <a:latin typeface="Georgia"/>
+                <a:ea typeface="Georgia"/>
+              </a:rPr>
+              <a:t>Each child </a:t>
+            </a:r>
+            <a:r>
+              <a:rPr b="1" lang="en-US" sz="2200" spc="-1" strike="noStrike">
+                <a:solidFill>
+                  <a:srgbClr val="000000"/>
+                </a:solidFill>
+                <a:uFill>
+                  <a:solidFill>
+                    <a:srgbClr val="ffffff"/>
+                  </a:solidFill>
+                </a:uFill>
+                <a:latin typeface="Georgia"/>
+                <a:ea typeface="Georgia"/>
+              </a:rPr>
+              <a:t>has</a:t>
+            </a:r>
+            <a:r>
+              <a:rPr b="0" lang="en-US" sz="2200" spc="-1" strike="noStrike">
+                <a:solidFill>
+                  <a:srgbClr val="000000"/>
+                </a:solidFill>
+                <a:uFill>
+                  <a:solidFill>
+                    <a:srgbClr val="ffffff"/>
+                  </a:solidFill>
+                </a:uFill>
+                <a:latin typeface="Georgia"/>
+                <a:ea typeface="Georgia"/>
+              </a:rPr>
+              <a:t> received a present.</a:t>
+            </a:r>
+            <a:endParaRPr b="0" lang="en-US" sz="1800" spc="-1" strike="noStrike">
+              <a:solidFill>
+                <a:srgbClr val="000000"/>
+              </a:solidFill>
+              <a:uFill>
+                <a:solidFill>
+                  <a:srgbClr val="ffffff"/>
+                </a:solidFill>
+              </a:uFill>
+              <a:latin typeface="Arial"/>
+            </a:endParaRPr>
+          </a:p>
+          <a:p>
+            <a:pPr>
+              <a:lnSpc>
+                <a:spcPct val="93000"/>
+              </a:lnSpc>
+            </a:pPr>
+            <a:endParaRPr b="0" lang="en-US" sz="1800" spc="-1" strike="noStrike">
+              <a:solidFill>
+                <a:srgbClr val="000000"/>
+              </a:solidFill>
+              <a:uFill>
+                <a:solidFill>
+                  <a:srgbClr val="ffffff"/>
+                </a:solidFill>
+              </a:uFill>
+              <a:latin typeface="Arial"/>
+            </a:endParaRPr>
+          </a:p>
+          <a:p>
+            <a:pPr>
+              <a:lnSpc>
+                <a:spcPct val="93000"/>
+              </a:lnSpc>
+            </a:pPr>
+            <a:r>
+              <a:rPr b="0" lang="en-US" sz="2200" spc="-1" strike="noStrike">
+                <a:solidFill>
+                  <a:srgbClr val="000000"/>
+                </a:solidFill>
+                <a:uFill>
+                  <a:solidFill>
+                    <a:srgbClr val="ffffff"/>
+                  </a:solidFill>
+                </a:uFill>
+                <a:latin typeface="Georgia"/>
+                <a:ea typeface="Georgia"/>
+              </a:rPr>
+              <a:t>Every person </a:t>
+            </a:r>
+            <a:r>
+              <a:rPr b="1" lang="en-US" sz="2200" spc="-1" strike="noStrike">
+                <a:solidFill>
+                  <a:srgbClr val="000000"/>
+                </a:solidFill>
+                <a:uFill>
+                  <a:solidFill>
+                    <a:srgbClr val="ffffff"/>
+                  </a:solidFill>
+                </a:uFill>
+                <a:latin typeface="Georgia"/>
+                <a:ea typeface="Georgia"/>
+              </a:rPr>
+              <a:t>needs</a:t>
+            </a:r>
+            <a:r>
+              <a:rPr b="0" lang="en-US" sz="2200" spc="-1" strike="noStrike">
+                <a:solidFill>
+                  <a:srgbClr val="000000"/>
+                </a:solidFill>
+                <a:uFill>
+                  <a:solidFill>
+                    <a:srgbClr val="ffffff"/>
+                  </a:solidFill>
+                </a:uFill>
+                <a:latin typeface="Georgia"/>
+                <a:ea typeface="Georgia"/>
+              </a:rPr>
+              <a:t> to work to lead a life</a:t>
+            </a:r>
+            <a:endParaRPr b="0" lang="en-US" sz="1800" spc="-1" strike="noStrike">
+              <a:solidFill>
+                <a:srgbClr val="000000"/>
+              </a:solidFill>
+              <a:uFill>
+                <a:solidFill>
+                  <a:srgbClr val="ffffff"/>
+                </a:solidFill>
+              </a:uFill>
+              <a:latin typeface="Arial"/>
+            </a:endParaRPr>
+          </a:p>
+        </p:txBody>
       </p:sp>
-      <p:pic>
-        <p:nvPicPr>
-          <p:cNvPr id="53" name="Google Shape;91;p18" descr=""/>
-          <p:cNvPicPr/>
-          <p:nvPr/>
-        </p:nvPicPr>
-        <p:blipFill>
-          <a:blip r:embed="rId1"/>
-          <a:stretch/>
-        </p:blipFill>
-        <p:spPr>
-          <a:xfrm>
-            <a:off x="1611360" y="351000"/>
-            <a:ext cx="6216840" cy="6216840"/>
-          </a:xfrm>
-          <a:prstGeom prst="rect">
-            <a:avLst/>
-          </a:prstGeom>
-          <a:ln>
-            <a:noFill/>
-          </a:ln>
-        </p:spPr>
-      </p:pic>
     </p:spTree>
   </p:cSld>
   <p:timing>
@@ -9662,7 +8820,7 @@
         <p:spPr>
           <a:xfrm>
             <a:off x="456480" y="1188720"/>
-            <a:ext cx="9068400" cy="6216840"/>
+            <a:ext cx="9067680" cy="6216120"/>
           </a:xfrm>
           <a:prstGeom prst="rect">
             <a:avLst/>
@@ -9747,7 +8905,7 @@
             </a:endParaRPr>
           </a:p>
           <a:p>
-            <a:pPr marL="215640" indent="-207720">
+            <a:pPr marL="215640" indent="-207000">
               <a:lnSpc>
                 <a:spcPct val="98000"/>
               </a:lnSpc>
@@ -9780,7 +8938,7 @@
             </a:endParaRPr>
           </a:p>
           <a:p>
-            <a:pPr marL="215640" indent="-207720">
+            <a:pPr marL="215640" indent="-207000">
               <a:lnSpc>
                 <a:spcPct val="98000"/>
               </a:lnSpc>
@@ -9813,7 +8971,7 @@
             </a:endParaRPr>
           </a:p>
           <a:p>
-            <a:pPr marL="215640" indent="-207720">
+            <a:pPr marL="215640" indent="-207000">
               <a:lnSpc>
                 <a:spcPct val="98000"/>
               </a:lnSpc>
@@ -9856,7 +9014,7 @@
         <p:spPr>
           <a:xfrm>
             <a:off x="437760" y="194400"/>
-            <a:ext cx="9068400" cy="6754320"/>
+            <a:ext cx="9067680" cy="6753600"/>
           </a:xfrm>
           <a:custGeom>
             <a:avLst/>
@@ -9916,7 +9074,91 @@
                 <a:latin typeface="Georgia"/>
                 <a:ea typeface="Georgia"/>
               </a:rPr>
-              <a:t>Nobody </a:t>
+              <a:t>The mouse eats cheese.</a:t>
+            </a:r>
+            <a:endParaRPr b="0" lang="en-US" sz="1800" spc="-1" strike="noStrike">
+              <a:solidFill>
+                <a:srgbClr val="000000"/>
+              </a:solidFill>
+              <a:uFill>
+                <a:solidFill>
+                  <a:srgbClr val="ffffff"/>
+                </a:solidFill>
+              </a:uFill>
+              <a:latin typeface="Arial"/>
+            </a:endParaRPr>
+          </a:p>
+          <a:p>
+            <a:pPr>
+              <a:lnSpc>
+                <a:spcPct val="93000"/>
+              </a:lnSpc>
+            </a:pPr>
+            <a:r>
+              <a:rPr b="0" lang="en-US" sz="2200" spc="-1" strike="noStrike">
+                <a:solidFill>
+                  <a:srgbClr val="000000"/>
+                </a:solidFill>
+                <a:uFill>
+                  <a:solidFill>
+                    <a:srgbClr val="ffffff"/>
+                  </a:solidFill>
+                </a:uFill>
+                <a:latin typeface="Georgia"/>
+                <a:ea typeface="Georgia"/>
+              </a:rPr>
+              <a:t>My sister likes to listen music.</a:t>
+            </a:r>
+            <a:endParaRPr b="0" lang="en-US" sz="1800" spc="-1" strike="noStrike">
+              <a:solidFill>
+                <a:srgbClr val="000000"/>
+              </a:solidFill>
+              <a:uFill>
+                <a:solidFill>
+                  <a:srgbClr val="ffffff"/>
+                </a:solidFill>
+              </a:uFill>
+              <a:latin typeface="Arial"/>
+            </a:endParaRPr>
+          </a:p>
+          <a:p>
+            <a:pPr>
+              <a:lnSpc>
+                <a:spcPct val="93000"/>
+              </a:lnSpc>
+            </a:pPr>
+            <a:endParaRPr b="0" lang="en-US" sz="1800" spc="-1" strike="noStrike">
+              <a:solidFill>
+                <a:srgbClr val="000000"/>
+              </a:solidFill>
+              <a:uFill>
+                <a:solidFill>
+                  <a:srgbClr val="ffffff"/>
+                </a:solidFill>
+              </a:uFill>
+              <a:latin typeface="Arial"/>
+            </a:endParaRPr>
+          </a:p>
+          <a:p>
+            <a:pPr>
+              <a:lnSpc>
+                <a:spcPct val="93000"/>
+              </a:lnSpc>
+            </a:pPr>
+            <a:r>
+              <a:rPr b="0" lang="en-US" sz="2200" spc="-1" strike="noStrike">
+                <a:solidFill>
+                  <a:srgbClr val="000000"/>
+                </a:solidFill>
+                <a:uFill>
+                  <a:solidFill>
+                    <a:srgbClr val="ffffff"/>
+                  </a:solidFill>
+                </a:uFill>
+                <a:latin typeface="Georgia"/>
+                <a:ea typeface="Georgia"/>
+              </a:rPr>
+              <a:t>The family </a:t>
             </a:r>
             <a:r>
               <a:rPr b="1" lang="en-US" sz="2200" spc="-1" strike="noStrike">
@@ -9931,7 +9173,7 @@
                 <a:latin typeface="Georgia"/>
                 <a:ea typeface="Georgia"/>
               </a:rPr>
-              <a:t>lives </a:t>
+              <a:t>is</a:t>
             </a:r>
             <a:r>
               <a:rPr b="0" lang="en-US" sz="2200" spc="-1" strike="noStrike">
@@ -9946,7 +9188,151 @@
                 <a:latin typeface="Georgia"/>
                 <a:ea typeface="Georgia"/>
               </a:rPr>
-              <a:t>there.</a:t>
+              <a:t> going to Sydney tomorrow. (British)</a:t>
+            </a:r>
+            <a:endParaRPr b="0" lang="en-US" sz="1800" spc="-1" strike="noStrike">
+              <a:solidFill>
+                <a:srgbClr val="000000"/>
+              </a:solidFill>
+              <a:uFill>
+                <a:solidFill>
+                  <a:srgbClr val="ffffff"/>
+                </a:solidFill>
+              </a:uFill>
+              <a:latin typeface="Arial"/>
+            </a:endParaRPr>
+          </a:p>
+          <a:p>
+            <a:pPr>
+              <a:lnSpc>
+                <a:spcPct val="93000"/>
+              </a:lnSpc>
+            </a:pPr>
+            <a:r>
+              <a:rPr b="0" lang="en-US" sz="2200" spc="-1" strike="noStrike">
+                <a:solidFill>
+                  <a:srgbClr val="000000"/>
+                </a:solidFill>
+                <a:uFill>
+                  <a:solidFill>
+                    <a:srgbClr val="ffffff"/>
+                  </a:solidFill>
+                </a:uFill>
+                <a:latin typeface="Georgia"/>
+                <a:ea typeface="Georgia"/>
+              </a:rPr>
+              <a:t>The family </a:t>
+            </a:r>
+            <a:r>
+              <a:rPr b="1" lang="en-US" sz="2200" spc="-1" strike="noStrike">
+                <a:solidFill>
+                  <a:srgbClr val="000000"/>
+                </a:solidFill>
+                <a:uFill>
+                  <a:solidFill>
+                    <a:srgbClr val="ffffff"/>
+                  </a:solidFill>
+                </a:uFill>
+                <a:latin typeface="Georgia"/>
+                <a:ea typeface="Georgia"/>
+              </a:rPr>
+              <a:t>are</a:t>
+            </a:r>
+            <a:r>
+              <a:rPr b="0" lang="en-US" sz="2200" spc="-1" strike="noStrike">
+                <a:solidFill>
+                  <a:srgbClr val="000000"/>
+                </a:solidFill>
+                <a:uFill>
+                  <a:solidFill>
+                    <a:srgbClr val="ffffff"/>
+                  </a:solidFill>
+                </a:uFill>
+                <a:latin typeface="Georgia"/>
+                <a:ea typeface="Georgia"/>
+              </a:rPr>
+              <a:t> going to Sydney tomorrow. (American)</a:t>
+            </a:r>
+            <a:endParaRPr b="0" lang="en-US" sz="1800" spc="-1" strike="noStrike">
+              <a:solidFill>
+                <a:srgbClr val="000000"/>
+              </a:solidFill>
+              <a:uFill>
+                <a:solidFill>
+                  <a:srgbClr val="ffffff"/>
+                </a:solidFill>
+              </a:uFill>
+              <a:latin typeface="Arial"/>
+            </a:endParaRPr>
+          </a:p>
+          <a:p>
+            <a:pPr>
+              <a:lnSpc>
+                <a:spcPct val="93000"/>
+              </a:lnSpc>
+            </a:pPr>
+            <a:endParaRPr b="0" lang="en-US" sz="1800" spc="-1" strike="noStrike">
+              <a:solidFill>
+                <a:srgbClr val="000000"/>
+              </a:solidFill>
+              <a:uFill>
+                <a:solidFill>
+                  <a:srgbClr val="ffffff"/>
+                </a:solidFill>
+              </a:uFill>
+              <a:latin typeface="Arial"/>
+            </a:endParaRPr>
+          </a:p>
+          <a:p>
+            <a:pPr>
+              <a:lnSpc>
+                <a:spcPct val="93000"/>
+              </a:lnSpc>
+            </a:pPr>
+            <a:r>
+              <a:rPr b="0" lang="en-US" sz="2200" spc="-1" strike="noStrike">
+                <a:solidFill>
+                  <a:srgbClr val="000000"/>
+                </a:solidFill>
+                <a:uFill>
+                  <a:solidFill>
+                    <a:srgbClr val="ffffff"/>
+                  </a:solidFill>
+                </a:uFill>
+                <a:latin typeface="Georgia"/>
+                <a:ea typeface="Georgia"/>
+              </a:rPr>
+              <a:t>A box of chocolates </a:t>
+            </a:r>
+            <a:r>
+              <a:rPr b="1" lang="en-US" sz="2200" spc="-1" strike="noStrike">
+                <a:solidFill>
+                  <a:srgbClr val="000000"/>
+                </a:solidFill>
+                <a:uFill>
+                  <a:solidFill>
+                    <a:srgbClr val="ffffff"/>
+                  </a:solidFill>
+                </a:uFill>
+                <a:latin typeface="Georgia"/>
+                <a:ea typeface="Georgia"/>
+              </a:rPr>
+              <a:t>is</a:t>
+            </a:r>
+            <a:r>
+              <a:rPr b="0" lang="en-US" sz="2200" spc="-1" strike="noStrike">
+                <a:solidFill>
+                  <a:srgbClr val="000000"/>
+                </a:solidFill>
+                <a:uFill>
+                  <a:solidFill>
+                    <a:srgbClr val="ffffff"/>
+                  </a:solidFill>
+                </a:uFill>
+                <a:latin typeface="Georgia"/>
+                <a:ea typeface="Georgia"/>
+              </a:rPr>
+              <a:t> on the table.</a:t>
             </a:r>
             <a:endParaRPr b="0" lang="en-US" sz="1800" spc="-1" strike="noStrike">
               <a:solidFill>
@@ -9979,7 +9365,7 @@
                 <a:latin typeface="Georgia"/>
                 <a:ea typeface="Georgia"/>
               </a:rPr>
-              <a:t>Nobody live there.</a:t>
+              <a:t>A box of chocolates are on the table.</a:t>
             </a:r>
             <a:endParaRPr b="0" lang="en-US" sz="1800" spc="-1" strike="noStrike">
               <a:solidFill>
@@ -10030,7 +9416,7 @@
                 <a:latin typeface="Georgia"/>
                 <a:ea typeface="Georgia"/>
               </a:rPr>
-              <a:t>Every country </a:t>
+              <a:t>My partner and I </a:t>
             </a:r>
             <a:r>
               <a:rPr b="1" lang="en-US" sz="2200" spc="-1" strike="noStrike">
@@ -10045,7 +9431,7 @@
                 <a:latin typeface="Georgia"/>
                 <a:ea typeface="Georgia"/>
               </a:rPr>
-              <a:t>has</a:t>
+              <a:t>are</a:t>
             </a:r>
             <a:r>
               <a:rPr b="0" lang="en-US" sz="2200" spc="-1" strike="noStrike">
@@ -10060,8 +9446,107 @@
                 <a:latin typeface="Georgia"/>
                 <a:ea typeface="Georgia"/>
               </a:rPr>
-              <a:t> a national flag.</a:t>
-            </a:r>
+              <a:t> very interested in renting your garage.</a:t>
+            </a:r>
+            <a:endParaRPr b="0" lang="en-US" sz="1800" spc="-1" strike="noStrike">
+              <a:solidFill>
+                <a:srgbClr val="000000"/>
+              </a:solidFill>
+              <a:uFill>
+                <a:solidFill>
+                  <a:srgbClr val="ffffff"/>
+                </a:solidFill>
+              </a:uFill>
+              <a:latin typeface="Arial"/>
+            </a:endParaRPr>
+          </a:p>
+          <a:p>
+            <a:pPr>
+              <a:lnSpc>
+                <a:spcPct val="93000"/>
+              </a:lnSpc>
+            </a:pPr>
+            <a:r>
+              <a:rPr b="0" lang="en-US" sz="2200" spc="-1" strike="sngStrike">
+                <a:solidFill>
+                  <a:srgbClr val="000000"/>
+                </a:solidFill>
+                <a:uFill>
+                  <a:solidFill>
+                    <a:srgbClr val="ffffff"/>
+                  </a:solidFill>
+                </a:uFill>
+                <a:latin typeface="Georgia"/>
+                <a:ea typeface="Georgia"/>
+              </a:rPr>
+              <a:t>My partner and I </a:t>
+            </a:r>
+            <a:r>
+              <a:rPr b="1" lang="en-US" sz="2200" spc="-1" strike="sngStrike">
+                <a:solidFill>
+                  <a:srgbClr val="000000"/>
+                </a:solidFill>
+                <a:uFill>
+                  <a:solidFill>
+                    <a:srgbClr val="ffffff"/>
+                  </a:solidFill>
+                </a:uFill>
+                <a:latin typeface="Georgia"/>
+                <a:ea typeface="Georgia"/>
+              </a:rPr>
+              <a:t>am</a:t>
+            </a:r>
+            <a:r>
+              <a:rPr b="0" lang="en-US" sz="2200" spc="-1" strike="sngStrike">
+                <a:solidFill>
+                  <a:srgbClr val="000000"/>
+                </a:solidFill>
+                <a:uFill>
+                  <a:solidFill>
+                    <a:srgbClr val="ffffff"/>
+                  </a:solidFill>
+                </a:uFill>
+                <a:latin typeface="Georgia"/>
+                <a:ea typeface="Georgia"/>
+              </a:rPr>
+              <a:t> very interested in renting your garage.</a:t>
+            </a:r>
+            <a:endParaRPr b="0" lang="en-US" sz="1800" spc="-1" strike="noStrike">
+              <a:solidFill>
+                <a:srgbClr val="000000"/>
+              </a:solidFill>
+              <a:uFill>
+                <a:solidFill>
+                  <a:srgbClr val="ffffff"/>
+                </a:solidFill>
+              </a:uFill>
+              <a:latin typeface="Arial"/>
+            </a:endParaRPr>
+          </a:p>
+          <a:p>
+            <a:pPr>
+              <a:lnSpc>
+                <a:spcPct val="93000"/>
+              </a:lnSpc>
+            </a:pPr>
+            <a:endParaRPr b="0" lang="en-US" sz="1800" spc="-1" strike="noStrike">
+              <a:solidFill>
+                <a:srgbClr val="000000"/>
+              </a:solidFill>
+              <a:uFill>
+                <a:solidFill>
+                  <a:srgbClr val="ffffff"/>
+                </a:solidFill>
+              </a:uFill>
+              <a:latin typeface="Arial"/>
+            </a:endParaRPr>
+          </a:p>
+          <a:p>
+            <a:pPr>
+              <a:lnSpc>
+                <a:spcPct val="93000"/>
+              </a:lnSpc>
+            </a:pPr>
             <a:endParaRPr b="0" lang="en-US" sz="1800" spc="-1" strike="noStrike">
               <a:solidFill>
                 <a:srgbClr val="000000"/>
@@ -10093,23 +9578,77 @@
                 <a:latin typeface="Georgia"/>
                 <a:ea typeface="Georgia"/>
               </a:rPr>
-              <a:t>All countries </a:t>
-            </a:r>
-            <a:r>
-              <a:rPr b="1" lang="en-US" sz="2200" spc="-1" strike="noStrike">
-                <a:solidFill>
-                  <a:srgbClr val="000000"/>
-                </a:solidFill>
-                <a:uFill>
-                  <a:solidFill>
-                    <a:srgbClr val="ffffff"/>
-                  </a:solidFill>
-                </a:uFill>
-                <a:latin typeface="Georgia"/>
-                <a:ea typeface="Georgia"/>
-              </a:rPr>
-              <a:t>have</a:t>
-            </a:r>
+              <a:t>A lot of people speak English. </a:t>
+            </a:r>
+            <a:endParaRPr b="0" lang="en-US" sz="1800" spc="-1" strike="noStrike">
+              <a:solidFill>
+                <a:srgbClr val="000000"/>
+              </a:solidFill>
+              <a:uFill>
+                <a:solidFill>
+                  <a:srgbClr val="ffffff"/>
+                </a:solidFill>
+              </a:uFill>
+              <a:latin typeface="Arial"/>
+            </a:endParaRPr>
+          </a:p>
+          <a:p>
+            <a:pPr>
+              <a:lnSpc>
+                <a:spcPct val="93000"/>
+              </a:lnSpc>
+            </a:pPr>
+            <a:r>
+              <a:rPr b="0" lang="en-US" sz="2200" spc="-1" strike="sngStrike">
+                <a:solidFill>
+                  <a:srgbClr val="000000"/>
+                </a:solidFill>
+                <a:uFill>
+                  <a:solidFill>
+                    <a:srgbClr val="ffffff"/>
+                  </a:solidFill>
+                </a:uFill>
+                <a:latin typeface="Georgia"/>
+                <a:ea typeface="Georgia"/>
+              </a:rPr>
+              <a:t>A lot of people speaks English.</a:t>
+            </a:r>
+            <a:endParaRPr b="0" lang="en-US" sz="1800" spc="-1" strike="noStrike">
+              <a:solidFill>
+                <a:srgbClr val="000000"/>
+              </a:solidFill>
+              <a:uFill>
+                <a:solidFill>
+                  <a:srgbClr val="ffffff"/>
+                </a:solidFill>
+              </a:uFill>
+              <a:latin typeface="Arial"/>
+            </a:endParaRPr>
+          </a:p>
+          <a:p>
+            <a:pPr>
+              <a:lnSpc>
+                <a:spcPct val="93000"/>
+              </a:lnSpc>
+            </a:pPr>
+            <a:endParaRPr b="0" lang="en-US" sz="1800" spc="-1" strike="noStrike">
+              <a:solidFill>
+                <a:srgbClr val="000000"/>
+              </a:solidFill>
+              <a:uFill>
+                <a:solidFill>
+                  <a:srgbClr val="ffffff"/>
+                </a:solidFill>
+              </a:uFill>
+              <a:latin typeface="Arial"/>
+            </a:endParaRPr>
+          </a:p>
+          <a:p>
+            <a:pPr>
+              <a:lnSpc>
+                <a:spcPct val="93000"/>
+              </a:lnSpc>
+            </a:pPr>
             <a:r>
               <a:rPr b="0" lang="en-US" sz="2200" spc="-1" strike="noStrike">
                 <a:solidFill>
@@ -10123,8 +9662,26 @@
                 <a:latin typeface="Georgia"/>
                 <a:ea typeface="Georgia"/>
               </a:rPr>
-              <a:t> a national flag. </a:t>
-            </a:r>
+              <a:t>People, Police are plural.</a:t>
+            </a:r>
+            <a:endParaRPr b="0" lang="en-US" sz="1800" spc="-1" strike="noStrike">
+              <a:solidFill>
+                <a:srgbClr val="000000"/>
+              </a:solidFill>
+              <a:uFill>
+                <a:solidFill>
+                  <a:srgbClr val="ffffff"/>
+                </a:solidFill>
+              </a:uFill>
+              <a:latin typeface="Arial"/>
+            </a:endParaRPr>
+          </a:p>
+          <a:p>
+            <a:pPr>
+              <a:lnSpc>
+                <a:spcPct val="93000"/>
+              </a:lnSpc>
+            </a:pPr>
             <a:endParaRPr b="0" lang="en-US" sz="1800" spc="-1" strike="noStrike">
               <a:solidFill>
                 <a:srgbClr val="000000"/>
@@ -10156,23 +9713,26 @@
                 <a:latin typeface="Georgia"/>
                 <a:ea typeface="Georgia"/>
               </a:rPr>
-              <a:t>Everybody </a:t>
-            </a:r>
-            <a:r>
-              <a:rPr b="1" lang="en-US" sz="2200" spc="-1" strike="noStrike">
-                <a:solidFill>
-                  <a:srgbClr val="000000"/>
-                </a:solidFill>
-                <a:uFill>
-                  <a:solidFill>
-                    <a:srgbClr val="ffffff"/>
-                  </a:solidFill>
-                </a:uFill>
-                <a:latin typeface="Georgia"/>
-                <a:ea typeface="Georgia"/>
-              </a:rPr>
-              <a:t>needs</a:t>
-            </a:r>
+              <a:t>The police want to talk to anybody who saw the accident.</a:t>
+            </a:r>
+            <a:endParaRPr b="0" lang="en-US" sz="1800" spc="-1" strike="noStrike">
+              <a:solidFill>
+                <a:srgbClr val="000000"/>
+              </a:solidFill>
+              <a:uFill>
+                <a:solidFill>
+                  <a:srgbClr val="ffffff"/>
+                </a:solidFill>
+              </a:uFill>
+              <a:latin typeface="Arial"/>
+            </a:endParaRPr>
+          </a:p>
+          <a:p>
+            <a:pPr>
+              <a:lnSpc>
+                <a:spcPct val="93000"/>
+              </a:lnSpc>
+            </a:pPr>
             <a:r>
               <a:rPr b="0" lang="en-US" sz="2200" spc="-1" strike="noStrike">
                 <a:solidFill>
@@ -10186,233 +9746,26 @@
                 <a:latin typeface="Georgia"/>
                 <a:ea typeface="Georgia"/>
               </a:rPr>
-              <a:t> to live in a society</a:t>
-            </a:r>
-            <a:endParaRPr b="0" lang="en-US" sz="1800" spc="-1" strike="noStrike">
-              <a:solidFill>
-                <a:srgbClr val="000000"/>
-              </a:solidFill>
-              <a:uFill>
-                <a:solidFill>
-                  <a:srgbClr val="ffffff"/>
-                </a:solidFill>
-              </a:uFill>
-              <a:latin typeface="Arial"/>
-            </a:endParaRPr>
-          </a:p>
-          <a:p>
-            <a:pPr>
-              <a:lnSpc>
-                <a:spcPct val="93000"/>
-              </a:lnSpc>
-            </a:pPr>
-            <a:r>
-              <a:rPr b="0" lang="en-US" sz="2200" spc="-1" strike="noStrike">
-                <a:solidFill>
-                  <a:srgbClr val="000000"/>
-                </a:solidFill>
-                <a:uFill>
-                  <a:solidFill>
-                    <a:srgbClr val="ffffff"/>
-                  </a:solidFill>
-                </a:uFill>
-                <a:latin typeface="Georgia"/>
-                <a:ea typeface="Georgia"/>
-              </a:rPr>
-              <a:t>Every soldier and every sailor </a:t>
-            </a:r>
-            <a:r>
-              <a:rPr b="1" lang="en-US" sz="2200" spc="-1" strike="noStrike">
-                <a:solidFill>
-                  <a:srgbClr val="000000"/>
-                </a:solidFill>
-                <a:uFill>
-                  <a:solidFill>
-                    <a:srgbClr val="ffffff"/>
-                  </a:solidFill>
-                </a:uFill>
-                <a:latin typeface="Georgia"/>
-                <a:ea typeface="Georgia"/>
-              </a:rPr>
-              <a:t>has </a:t>
-            </a:r>
-            <a:r>
-              <a:rPr b="0" lang="en-US" sz="2200" spc="-1" strike="noStrike">
-                <a:solidFill>
-                  <a:srgbClr val="000000"/>
-                </a:solidFill>
-                <a:uFill>
-                  <a:solidFill>
-                    <a:srgbClr val="ffffff"/>
-                  </a:solidFill>
-                </a:uFill>
-                <a:latin typeface="Georgia"/>
-                <a:ea typeface="Georgia"/>
-              </a:rPr>
-              <a:t>a rifle.  </a:t>
-            </a:r>
-            <a:endParaRPr b="0" lang="en-US" sz="1800" spc="-1" strike="noStrike">
-              <a:solidFill>
-                <a:srgbClr val="000000"/>
-              </a:solidFill>
-              <a:uFill>
-                <a:solidFill>
-                  <a:srgbClr val="ffffff"/>
-                </a:solidFill>
-              </a:uFill>
-              <a:latin typeface="Arial"/>
-            </a:endParaRPr>
-          </a:p>
-          <a:p>
-            <a:pPr>
-              <a:lnSpc>
-                <a:spcPct val="93000"/>
-              </a:lnSpc>
-            </a:pPr>
-            <a:endParaRPr b="0" lang="en-US" sz="1800" spc="-1" strike="noStrike">
-              <a:solidFill>
-                <a:srgbClr val="000000"/>
-              </a:solidFill>
-              <a:uFill>
-                <a:solidFill>
-                  <a:srgbClr val="ffffff"/>
-                </a:solidFill>
-              </a:uFill>
-              <a:latin typeface="Arial"/>
-            </a:endParaRPr>
-          </a:p>
-          <a:p>
-            <a:pPr>
-              <a:lnSpc>
-                <a:spcPct val="93000"/>
-              </a:lnSpc>
-            </a:pPr>
-            <a:r>
-              <a:rPr b="0" lang="en-US" sz="2200" spc="-1" strike="noStrike">
-                <a:solidFill>
-                  <a:srgbClr val="000000"/>
-                </a:solidFill>
-                <a:uFill>
-                  <a:solidFill>
-                    <a:srgbClr val="ffffff"/>
-                  </a:solidFill>
-                </a:uFill>
-                <a:latin typeface="Georgia"/>
-                <a:ea typeface="Georgia"/>
-              </a:rPr>
-              <a:t>Each child </a:t>
-            </a:r>
-            <a:r>
-              <a:rPr b="1" lang="en-US" sz="2200" spc="-1" strike="noStrike">
-                <a:solidFill>
-                  <a:srgbClr val="000000"/>
-                </a:solidFill>
-                <a:uFill>
-                  <a:solidFill>
-                    <a:srgbClr val="ffffff"/>
-                  </a:solidFill>
-                </a:uFill>
-                <a:latin typeface="Georgia"/>
-                <a:ea typeface="Georgia"/>
-              </a:rPr>
-              <a:t>has</a:t>
-            </a:r>
-            <a:r>
-              <a:rPr b="0" lang="en-US" sz="2200" spc="-1" strike="noStrike">
-                <a:solidFill>
-                  <a:srgbClr val="000000"/>
-                </a:solidFill>
-                <a:uFill>
-                  <a:solidFill>
-                    <a:srgbClr val="ffffff"/>
-                  </a:solidFill>
-                </a:uFill>
-                <a:latin typeface="Georgia"/>
-                <a:ea typeface="Georgia"/>
-              </a:rPr>
-              <a:t> received a present.</a:t>
-            </a:r>
-            <a:endParaRPr b="0" lang="en-US" sz="1800" spc="-1" strike="noStrike">
-              <a:solidFill>
-                <a:srgbClr val="000000"/>
-              </a:solidFill>
-              <a:uFill>
-                <a:solidFill>
-                  <a:srgbClr val="ffffff"/>
-                </a:solidFill>
-              </a:uFill>
-              <a:latin typeface="Arial"/>
-            </a:endParaRPr>
-          </a:p>
-          <a:p>
-            <a:pPr>
-              <a:lnSpc>
-                <a:spcPct val="93000"/>
-              </a:lnSpc>
-            </a:pPr>
-            <a:endParaRPr b="0" lang="en-US" sz="1800" spc="-1" strike="noStrike">
-              <a:solidFill>
-                <a:srgbClr val="000000"/>
-              </a:solidFill>
-              <a:uFill>
-                <a:solidFill>
-                  <a:srgbClr val="ffffff"/>
-                </a:solidFill>
-              </a:uFill>
-              <a:latin typeface="Arial"/>
-            </a:endParaRPr>
-          </a:p>
-          <a:p>
-            <a:pPr>
-              <a:lnSpc>
-                <a:spcPct val="93000"/>
-              </a:lnSpc>
-            </a:pPr>
-            <a:r>
-              <a:rPr b="0" lang="en-US" sz="2200" spc="-1" strike="noStrike">
-                <a:solidFill>
-                  <a:srgbClr val="000000"/>
-                </a:solidFill>
-                <a:uFill>
-                  <a:solidFill>
-                    <a:srgbClr val="ffffff"/>
-                  </a:solidFill>
-                </a:uFill>
-                <a:latin typeface="Georgia"/>
-                <a:ea typeface="Georgia"/>
-              </a:rPr>
-              <a:t>Every person </a:t>
-            </a:r>
-            <a:r>
-              <a:rPr b="1" lang="en-US" sz="2200" spc="-1" strike="noStrike">
-                <a:solidFill>
-                  <a:srgbClr val="000000"/>
-                </a:solidFill>
-                <a:uFill>
-                  <a:solidFill>
-                    <a:srgbClr val="ffffff"/>
-                  </a:solidFill>
-                </a:uFill>
-                <a:latin typeface="Georgia"/>
-                <a:ea typeface="Georgia"/>
-              </a:rPr>
-              <a:t>needs</a:t>
-            </a:r>
-            <a:r>
-              <a:rPr b="0" lang="en-US" sz="2200" spc="-1" strike="noStrike">
-                <a:solidFill>
-                  <a:srgbClr val="000000"/>
-                </a:solidFill>
-                <a:uFill>
-                  <a:solidFill>
-                    <a:srgbClr val="ffffff"/>
-                  </a:solidFill>
-                </a:uFill>
-                <a:latin typeface="Georgia"/>
-                <a:ea typeface="Georgia"/>
-              </a:rPr>
-              <a:t> to work to lead a life</a:t>
-            </a:r>
+              <a:t>The team wants to arrange a meeting.</a:t>
+            </a:r>
+            <a:endParaRPr b="0" lang="en-US" sz="1800" spc="-1" strike="noStrike">
+              <a:solidFill>
+                <a:srgbClr val="000000"/>
+              </a:solidFill>
+              <a:uFill>
+                <a:solidFill>
+                  <a:srgbClr val="ffffff"/>
+                </a:solidFill>
+              </a:uFill>
+              <a:latin typeface="Arial"/>
+            </a:endParaRPr>
+          </a:p>
+          <a:p>
+            <a:pPr>
+              <a:lnSpc>
+                <a:spcPct val="93000"/>
+              </a:lnSpc>
+            </a:pPr>
             <a:endParaRPr b="0" lang="en-US" sz="1800" spc="-1" strike="noStrike">
               <a:solidFill>
                 <a:srgbClr val="000000"/>
@@ -10492,7 +9845,7 @@
         <p:spPr>
           <a:xfrm>
             <a:off x="456480" y="1188720"/>
-            <a:ext cx="9068400" cy="6216840"/>
+            <a:ext cx="9067680" cy="6216120"/>
           </a:xfrm>
           <a:prstGeom prst="rect">
             <a:avLst/>
@@ -10577,7 +9930,7 @@
             </a:endParaRPr>
           </a:p>
           <a:p>
-            <a:pPr marL="215640" indent="-207720">
+            <a:pPr marL="215640" indent="-207000">
               <a:lnSpc>
                 <a:spcPct val="98000"/>
               </a:lnSpc>
@@ -10610,7 +9963,7 @@
             </a:endParaRPr>
           </a:p>
           <a:p>
-            <a:pPr marL="215640" indent="-207720">
+            <a:pPr marL="215640" indent="-207000">
               <a:lnSpc>
                 <a:spcPct val="98000"/>
               </a:lnSpc>
@@ -10643,7 +9996,7 @@
             </a:endParaRPr>
           </a:p>
           <a:p>
-            <a:pPr marL="215640" indent="-207720">
+            <a:pPr marL="215640" indent="-207000">
               <a:lnSpc>
                 <a:spcPct val="98000"/>
               </a:lnSpc>
@@ -10685,8 +10038,8 @@
         </p:nvSpPr>
         <p:spPr>
           <a:xfrm>
-            <a:off x="437760" y="194400"/>
-            <a:ext cx="9068400" cy="6754320"/>
+            <a:off x="437760" y="731880"/>
+            <a:ext cx="9067680" cy="6216120"/>
           </a:xfrm>
           <a:custGeom>
             <a:avLst/>
@@ -10734,6 +10087,39 @@
               </a:lnSpc>
             </a:pPr>
             <a:r>
+              <a:rPr b="0" lang="en-US" sz="2200" spc="-1" strike="sngStrike">
+                <a:solidFill>
+                  <a:srgbClr val="000000"/>
+                </a:solidFill>
+                <a:uFill>
+                  <a:solidFill>
+                    <a:srgbClr val="ffffff"/>
+                  </a:solidFill>
+                </a:uFill>
+                <a:latin typeface="Georgia"/>
+                <a:ea typeface="Merriweather"/>
+              </a:rPr>
+              <a:t>He is taller than me.</a:t>
+            </a:r>
+            <a:endParaRPr b="0" lang="en-US" sz="1800" spc="-1" strike="noStrike">
+              <a:solidFill>
+                <a:srgbClr val="000000"/>
+              </a:solidFill>
+              <a:uFill>
+                <a:solidFill>
+                  <a:srgbClr val="ffffff"/>
+                </a:solidFill>
+              </a:uFill>
+              <a:latin typeface="Arial"/>
+            </a:endParaRPr>
+          </a:p>
+          <a:p>
+            <a:pPr>
+              <a:lnSpc>
+                <a:spcPct val="93000"/>
+              </a:lnSpc>
+            </a:pPr>
+            <a:r>
               <a:rPr b="0" lang="en-US" sz="2200" spc="-1" strike="noStrike">
                 <a:solidFill>
                   <a:srgbClr val="000000"/>
@@ -10744,680 +10130,334 @@
                   </a:solidFill>
                 </a:uFill>
                 <a:latin typeface="Georgia"/>
-                <a:ea typeface="Georgia"/>
-              </a:rPr>
-              <a:t>The mouse eats cheese.</a:t>
-            </a:r>
-            <a:endParaRPr b="0" lang="en-US" sz="1800" spc="-1" strike="noStrike">
-              <a:solidFill>
-                <a:srgbClr val="000000"/>
-              </a:solidFill>
-              <a:uFill>
-                <a:solidFill>
-                  <a:srgbClr val="ffffff"/>
-                </a:solidFill>
-              </a:uFill>
-              <a:latin typeface="Arial"/>
-            </a:endParaRPr>
-          </a:p>
-          <a:p>
-            <a:pPr>
-              <a:lnSpc>
-                <a:spcPct val="93000"/>
-              </a:lnSpc>
-            </a:pPr>
-            <a:r>
-              <a:rPr b="0" lang="en-US" sz="2200" spc="-1" strike="noStrike">
-                <a:solidFill>
-                  <a:srgbClr val="000000"/>
-                </a:solidFill>
-                <a:uFill>
-                  <a:solidFill>
-                    <a:srgbClr val="ffffff"/>
-                  </a:solidFill>
-                </a:uFill>
-                <a:latin typeface="Georgia"/>
-                <a:ea typeface="Georgia"/>
-              </a:rPr>
-              <a:t>My sister likes to listen music.</a:t>
-            </a:r>
-            <a:endParaRPr b="0" lang="en-US" sz="1800" spc="-1" strike="noStrike">
-              <a:solidFill>
-                <a:srgbClr val="000000"/>
-              </a:solidFill>
-              <a:uFill>
-                <a:solidFill>
-                  <a:srgbClr val="ffffff"/>
-                </a:solidFill>
-              </a:uFill>
-              <a:latin typeface="Arial"/>
-            </a:endParaRPr>
-          </a:p>
-          <a:p>
-            <a:pPr>
-              <a:lnSpc>
-                <a:spcPct val="93000"/>
-              </a:lnSpc>
-            </a:pPr>
-            <a:r>
-              <a:rPr b="0" lang="en-US" sz="2200" spc="-1" strike="noStrike">
-                <a:solidFill>
-                  <a:srgbClr val="000000"/>
-                </a:solidFill>
-                <a:uFill>
-                  <a:solidFill>
-                    <a:srgbClr val="ffffff"/>
-                  </a:solidFill>
-                </a:uFill>
-                <a:latin typeface="Georgia"/>
-                <a:ea typeface="Georgia"/>
-              </a:rPr>
-              <a:t>
-</a:t>
-            </a:r>
-            <a:r>
-              <a:rPr b="0" lang="en-US" sz="2200" spc="-1" strike="noStrike">
-                <a:solidFill>
-                  <a:srgbClr val="000000"/>
-                </a:solidFill>
-                <a:uFill>
-                  <a:solidFill>
-                    <a:srgbClr val="ffffff"/>
-                  </a:solidFill>
-                </a:uFill>
-                <a:latin typeface="Georgia"/>
-                <a:ea typeface="Georgia"/>
-              </a:rPr>
-              <a:t>The family </a:t>
-            </a:r>
-            <a:r>
-              <a:rPr b="1" lang="en-US" sz="2200" spc="-1" strike="noStrike">
-                <a:solidFill>
-                  <a:srgbClr val="000000"/>
-                </a:solidFill>
-                <a:uFill>
-                  <a:solidFill>
-                    <a:srgbClr val="ffffff"/>
-                  </a:solidFill>
-                </a:uFill>
-                <a:latin typeface="Georgia"/>
-                <a:ea typeface="Georgia"/>
-              </a:rPr>
-              <a:t>is</a:t>
-            </a:r>
-            <a:r>
-              <a:rPr b="0" lang="en-US" sz="2200" spc="-1" strike="noStrike">
-                <a:solidFill>
-                  <a:srgbClr val="000000"/>
-                </a:solidFill>
-                <a:uFill>
-                  <a:solidFill>
-                    <a:srgbClr val="ffffff"/>
-                  </a:solidFill>
-                </a:uFill>
-                <a:latin typeface="Georgia"/>
-                <a:ea typeface="Georgia"/>
-              </a:rPr>
-              <a:t> going to Sydney tomorrow. (British)</a:t>
-            </a:r>
-            <a:endParaRPr b="0" lang="en-US" sz="1800" spc="-1" strike="noStrike">
-              <a:solidFill>
-                <a:srgbClr val="000000"/>
-              </a:solidFill>
-              <a:uFill>
-                <a:solidFill>
-                  <a:srgbClr val="ffffff"/>
-                </a:solidFill>
-              </a:uFill>
-              <a:latin typeface="Arial"/>
-            </a:endParaRPr>
-          </a:p>
-          <a:p>
-            <a:pPr>
-              <a:lnSpc>
-                <a:spcPct val="93000"/>
-              </a:lnSpc>
-            </a:pPr>
-            <a:r>
-              <a:rPr b="0" lang="en-US" sz="2200" spc="-1" strike="noStrike">
-                <a:solidFill>
-                  <a:srgbClr val="000000"/>
-                </a:solidFill>
-                <a:uFill>
-                  <a:solidFill>
-                    <a:srgbClr val="ffffff"/>
-                  </a:solidFill>
-                </a:uFill>
-                <a:latin typeface="Georgia"/>
-                <a:ea typeface="Georgia"/>
-              </a:rPr>
-              <a:t>The family </a:t>
-            </a:r>
-            <a:r>
-              <a:rPr b="1" lang="en-US" sz="2200" spc="-1" strike="noStrike">
-                <a:solidFill>
-                  <a:srgbClr val="000000"/>
-                </a:solidFill>
-                <a:uFill>
-                  <a:solidFill>
-                    <a:srgbClr val="ffffff"/>
-                  </a:solidFill>
-                </a:uFill>
-                <a:latin typeface="Georgia"/>
-                <a:ea typeface="Georgia"/>
-              </a:rPr>
-              <a:t>are</a:t>
-            </a:r>
-            <a:r>
-              <a:rPr b="0" lang="en-US" sz="2200" spc="-1" strike="noStrike">
-                <a:solidFill>
-                  <a:srgbClr val="000000"/>
-                </a:solidFill>
-                <a:uFill>
-                  <a:solidFill>
-                    <a:srgbClr val="ffffff"/>
-                  </a:solidFill>
-                </a:uFill>
-                <a:latin typeface="Georgia"/>
-                <a:ea typeface="Georgia"/>
-              </a:rPr>
-              <a:t> going to Sydney tomorrow. (American)</a:t>
-            </a:r>
-            <a:endParaRPr b="0" lang="en-US" sz="1800" spc="-1" strike="noStrike">
-              <a:solidFill>
-                <a:srgbClr val="000000"/>
-              </a:solidFill>
-              <a:uFill>
-                <a:solidFill>
-                  <a:srgbClr val="ffffff"/>
-                </a:solidFill>
-              </a:uFill>
-              <a:latin typeface="Arial"/>
-            </a:endParaRPr>
-          </a:p>
-          <a:p>
-            <a:pPr>
-              <a:lnSpc>
-                <a:spcPct val="93000"/>
-              </a:lnSpc>
-            </a:pPr>
-            <a:endParaRPr b="0" lang="en-US" sz="1800" spc="-1" strike="noStrike">
-              <a:solidFill>
-                <a:srgbClr val="000000"/>
-              </a:solidFill>
-              <a:uFill>
-                <a:solidFill>
-                  <a:srgbClr val="ffffff"/>
-                </a:solidFill>
-              </a:uFill>
-              <a:latin typeface="Arial"/>
-            </a:endParaRPr>
-          </a:p>
-          <a:p>
-            <a:pPr>
-              <a:lnSpc>
-                <a:spcPct val="93000"/>
-              </a:lnSpc>
-            </a:pPr>
-            <a:r>
-              <a:rPr b="0" lang="en-US" sz="2200" spc="-1" strike="noStrike">
-                <a:solidFill>
-                  <a:srgbClr val="000000"/>
-                </a:solidFill>
-                <a:uFill>
-                  <a:solidFill>
-                    <a:srgbClr val="ffffff"/>
-                  </a:solidFill>
-                </a:uFill>
-                <a:latin typeface="Georgia"/>
-                <a:ea typeface="Georgia"/>
-              </a:rPr>
-              <a:t>A box of chocolates </a:t>
-            </a:r>
-            <a:r>
-              <a:rPr b="1" lang="en-US" sz="2200" spc="-1" strike="noStrike">
-                <a:solidFill>
-                  <a:srgbClr val="000000"/>
-                </a:solidFill>
-                <a:uFill>
-                  <a:solidFill>
-                    <a:srgbClr val="ffffff"/>
-                  </a:solidFill>
-                </a:uFill>
-                <a:latin typeface="Georgia"/>
-                <a:ea typeface="Georgia"/>
-              </a:rPr>
-              <a:t>is</a:t>
-            </a:r>
-            <a:r>
-              <a:rPr b="0" lang="en-US" sz="2200" spc="-1" strike="noStrike">
-                <a:solidFill>
-                  <a:srgbClr val="000000"/>
-                </a:solidFill>
-                <a:uFill>
-                  <a:solidFill>
-                    <a:srgbClr val="ffffff"/>
-                  </a:solidFill>
-                </a:uFill>
-                <a:latin typeface="Georgia"/>
-                <a:ea typeface="Georgia"/>
-              </a:rPr>
-              <a:t> on the table.</a:t>
-            </a:r>
-            <a:endParaRPr b="0" lang="en-US" sz="1800" spc="-1" strike="noStrike">
-              <a:solidFill>
-                <a:srgbClr val="000000"/>
-              </a:solidFill>
-              <a:uFill>
-                <a:solidFill>
-                  <a:srgbClr val="ffffff"/>
-                </a:solidFill>
-              </a:uFill>
-              <a:latin typeface="Arial"/>
-            </a:endParaRPr>
-          </a:p>
-          <a:p>
-            <a:pPr>
-              <a:lnSpc>
-                <a:spcPct val="93000"/>
-              </a:lnSpc>
-            </a:pPr>
-            <a:r>
-              <a:rPr b="0" lang="en-US" sz="2200" spc="-1" strike="sngStrike">
-                <a:solidFill>
-                  <a:srgbClr val="000000"/>
-                </a:solidFill>
-                <a:uFill>
-                  <a:solidFill>
-                    <a:srgbClr val="ffffff"/>
-                  </a:solidFill>
-                </a:uFill>
-                <a:latin typeface="Georgia"/>
-                <a:ea typeface="Georgia"/>
-              </a:rPr>
-              <a:t>A box of chocolates are on the table.</a:t>
-            </a:r>
-            <a:endParaRPr b="0" lang="en-US" sz="1800" spc="-1" strike="noStrike">
-              <a:solidFill>
-                <a:srgbClr val="000000"/>
-              </a:solidFill>
-              <a:uFill>
-                <a:solidFill>
-                  <a:srgbClr val="ffffff"/>
-                </a:solidFill>
-              </a:uFill>
-              <a:latin typeface="Arial"/>
-            </a:endParaRPr>
-          </a:p>
-          <a:p>
-            <a:pPr>
-              <a:lnSpc>
-                <a:spcPct val="93000"/>
-              </a:lnSpc>
-            </a:pPr>
-            <a:endParaRPr b="0" lang="en-US" sz="1800" spc="-1" strike="noStrike">
-              <a:solidFill>
-                <a:srgbClr val="000000"/>
-              </a:solidFill>
-              <a:uFill>
-                <a:solidFill>
-                  <a:srgbClr val="ffffff"/>
-                </a:solidFill>
-              </a:uFill>
-              <a:latin typeface="Arial"/>
-            </a:endParaRPr>
-          </a:p>
-          <a:p>
-            <a:pPr>
-              <a:lnSpc>
-                <a:spcPct val="93000"/>
-              </a:lnSpc>
-            </a:pPr>
-            <a:r>
-              <a:rPr b="0" lang="en-US" sz="2200" spc="-1" strike="noStrike">
-                <a:solidFill>
-                  <a:srgbClr val="000000"/>
-                </a:solidFill>
-                <a:uFill>
-                  <a:solidFill>
-                    <a:srgbClr val="ffffff"/>
-                  </a:solidFill>
-                </a:uFill>
-                <a:latin typeface="Georgia"/>
-                <a:ea typeface="Georgia"/>
-              </a:rPr>
-              <a:t>My partner and I </a:t>
-            </a:r>
-            <a:r>
-              <a:rPr b="1" lang="en-US" sz="2200" spc="-1" strike="noStrike">
-                <a:solidFill>
-                  <a:srgbClr val="000000"/>
-                </a:solidFill>
-                <a:uFill>
-                  <a:solidFill>
-                    <a:srgbClr val="ffffff"/>
-                  </a:solidFill>
-                </a:uFill>
-                <a:latin typeface="Georgia"/>
-                <a:ea typeface="Georgia"/>
-              </a:rPr>
-              <a:t>are</a:t>
-            </a:r>
-            <a:r>
-              <a:rPr b="0" lang="en-US" sz="2200" spc="-1" strike="noStrike">
-                <a:solidFill>
-                  <a:srgbClr val="000000"/>
-                </a:solidFill>
-                <a:uFill>
-                  <a:solidFill>
-                    <a:srgbClr val="ffffff"/>
-                  </a:solidFill>
-                </a:uFill>
-                <a:latin typeface="Georgia"/>
-                <a:ea typeface="Georgia"/>
-              </a:rPr>
-              <a:t> very interested in renting your garage.</a:t>
-            </a:r>
-            <a:endParaRPr b="0" lang="en-US" sz="1800" spc="-1" strike="noStrike">
-              <a:solidFill>
-                <a:srgbClr val="000000"/>
-              </a:solidFill>
-              <a:uFill>
-                <a:solidFill>
-                  <a:srgbClr val="ffffff"/>
-                </a:solidFill>
-              </a:uFill>
-              <a:latin typeface="Arial"/>
-            </a:endParaRPr>
-          </a:p>
-          <a:p>
-            <a:pPr>
-              <a:lnSpc>
-                <a:spcPct val="93000"/>
-              </a:lnSpc>
-            </a:pPr>
-            <a:r>
-              <a:rPr b="0" lang="en-US" sz="2200" spc="-1" strike="sngStrike">
-                <a:solidFill>
-                  <a:srgbClr val="000000"/>
-                </a:solidFill>
-                <a:uFill>
-                  <a:solidFill>
-                    <a:srgbClr val="ffffff"/>
-                  </a:solidFill>
-                </a:uFill>
-                <a:latin typeface="Georgia"/>
-                <a:ea typeface="Georgia"/>
-              </a:rPr>
-              <a:t>My partner and I </a:t>
-            </a:r>
-            <a:r>
-              <a:rPr b="1" lang="en-US" sz="2200" spc="-1" strike="sngStrike">
-                <a:solidFill>
-                  <a:srgbClr val="000000"/>
-                </a:solidFill>
-                <a:uFill>
-                  <a:solidFill>
-                    <a:srgbClr val="ffffff"/>
-                  </a:solidFill>
-                </a:uFill>
-                <a:latin typeface="Georgia"/>
-                <a:ea typeface="Georgia"/>
-              </a:rPr>
-              <a:t>am</a:t>
-            </a:r>
-            <a:r>
-              <a:rPr b="0" lang="en-US" sz="2200" spc="-1" strike="sngStrike">
-                <a:solidFill>
-                  <a:srgbClr val="000000"/>
-                </a:solidFill>
-                <a:uFill>
-                  <a:solidFill>
-                    <a:srgbClr val="ffffff"/>
-                  </a:solidFill>
-                </a:uFill>
-                <a:latin typeface="Georgia"/>
-                <a:ea typeface="Georgia"/>
-              </a:rPr>
-              <a:t> very interested in renting your garage.</a:t>
-            </a:r>
-            <a:endParaRPr b="0" lang="en-US" sz="1800" spc="-1" strike="noStrike">
-              <a:solidFill>
-                <a:srgbClr val="000000"/>
-              </a:solidFill>
-              <a:uFill>
-                <a:solidFill>
-                  <a:srgbClr val="ffffff"/>
-                </a:solidFill>
-              </a:uFill>
-              <a:latin typeface="Arial"/>
-            </a:endParaRPr>
-          </a:p>
-          <a:p>
-            <a:pPr>
-              <a:lnSpc>
-                <a:spcPct val="93000"/>
-              </a:lnSpc>
-            </a:pPr>
-            <a:endParaRPr b="0" lang="en-US" sz="1800" spc="-1" strike="noStrike">
-              <a:solidFill>
-                <a:srgbClr val="000000"/>
-              </a:solidFill>
-              <a:uFill>
-                <a:solidFill>
-                  <a:srgbClr val="ffffff"/>
-                </a:solidFill>
-              </a:uFill>
-              <a:latin typeface="Arial"/>
-            </a:endParaRPr>
-          </a:p>
-          <a:p>
-            <a:pPr>
-              <a:lnSpc>
-                <a:spcPct val="93000"/>
-              </a:lnSpc>
-            </a:pPr>
-            <a:endParaRPr b="0" lang="en-US" sz="1800" spc="-1" strike="noStrike">
-              <a:solidFill>
-                <a:srgbClr val="000000"/>
-              </a:solidFill>
-              <a:uFill>
-                <a:solidFill>
-                  <a:srgbClr val="ffffff"/>
-                </a:solidFill>
-              </a:uFill>
-              <a:latin typeface="Arial"/>
-            </a:endParaRPr>
-          </a:p>
-          <a:p>
-            <a:pPr>
-              <a:lnSpc>
-                <a:spcPct val="93000"/>
-              </a:lnSpc>
-            </a:pPr>
-            <a:r>
-              <a:rPr b="0" lang="en-US" sz="2200" spc="-1" strike="noStrike">
-                <a:solidFill>
-                  <a:srgbClr val="000000"/>
-                </a:solidFill>
-                <a:uFill>
-                  <a:solidFill>
-                    <a:srgbClr val="ffffff"/>
-                  </a:solidFill>
-                </a:uFill>
-                <a:latin typeface="Georgia"/>
-                <a:ea typeface="Georgia"/>
-              </a:rPr>
-              <a:t>A lot of people speak English. </a:t>
-            </a:r>
-            <a:endParaRPr b="0" lang="en-US" sz="1800" spc="-1" strike="noStrike">
-              <a:solidFill>
-                <a:srgbClr val="000000"/>
-              </a:solidFill>
-              <a:uFill>
-                <a:solidFill>
-                  <a:srgbClr val="ffffff"/>
-                </a:solidFill>
-              </a:uFill>
-              <a:latin typeface="Arial"/>
-            </a:endParaRPr>
-          </a:p>
-          <a:p>
-            <a:pPr>
-              <a:lnSpc>
-                <a:spcPct val="93000"/>
-              </a:lnSpc>
-            </a:pPr>
-            <a:r>
-              <a:rPr b="0" lang="en-US" sz="2200" spc="-1" strike="sngStrike">
-                <a:solidFill>
-                  <a:srgbClr val="000000"/>
-                </a:solidFill>
-                <a:uFill>
-                  <a:solidFill>
-                    <a:srgbClr val="ffffff"/>
-                  </a:solidFill>
-                </a:uFill>
-                <a:latin typeface="Georgia"/>
-                <a:ea typeface="Georgia"/>
-              </a:rPr>
-              <a:t>A lot of people speaks English.</a:t>
-            </a:r>
-            <a:endParaRPr b="0" lang="en-US" sz="1800" spc="-1" strike="noStrike">
-              <a:solidFill>
-                <a:srgbClr val="000000"/>
-              </a:solidFill>
-              <a:uFill>
-                <a:solidFill>
-                  <a:srgbClr val="ffffff"/>
-                </a:solidFill>
-              </a:uFill>
-              <a:latin typeface="Arial"/>
-            </a:endParaRPr>
-          </a:p>
-          <a:p>
-            <a:pPr>
-              <a:lnSpc>
-                <a:spcPct val="93000"/>
-              </a:lnSpc>
-            </a:pPr>
-            <a:endParaRPr b="0" lang="en-US" sz="1800" spc="-1" strike="noStrike">
-              <a:solidFill>
-                <a:srgbClr val="000000"/>
-              </a:solidFill>
-              <a:uFill>
-                <a:solidFill>
-                  <a:srgbClr val="ffffff"/>
-                </a:solidFill>
-              </a:uFill>
-              <a:latin typeface="Arial"/>
-            </a:endParaRPr>
-          </a:p>
-          <a:p>
-            <a:pPr>
-              <a:lnSpc>
-                <a:spcPct val="93000"/>
-              </a:lnSpc>
-            </a:pPr>
-            <a:r>
-              <a:rPr b="0" lang="en-US" sz="2200" spc="-1" strike="noStrike">
-                <a:solidFill>
-                  <a:srgbClr val="000000"/>
-                </a:solidFill>
-                <a:uFill>
-                  <a:solidFill>
-                    <a:srgbClr val="ffffff"/>
-                  </a:solidFill>
-                </a:uFill>
-                <a:latin typeface="Georgia"/>
-                <a:ea typeface="Georgia"/>
-              </a:rPr>
-              <a:t>People, Police are plural.</a:t>
-            </a:r>
-            <a:endParaRPr b="0" lang="en-US" sz="1800" spc="-1" strike="noStrike">
-              <a:solidFill>
-                <a:srgbClr val="000000"/>
-              </a:solidFill>
-              <a:uFill>
-                <a:solidFill>
-                  <a:srgbClr val="ffffff"/>
-                </a:solidFill>
-              </a:uFill>
-              <a:latin typeface="Arial"/>
-            </a:endParaRPr>
-          </a:p>
-          <a:p>
-            <a:pPr>
-              <a:lnSpc>
-                <a:spcPct val="93000"/>
-              </a:lnSpc>
-            </a:pPr>
-            <a:endParaRPr b="0" lang="en-US" sz="1800" spc="-1" strike="noStrike">
-              <a:solidFill>
-                <a:srgbClr val="000000"/>
-              </a:solidFill>
-              <a:uFill>
-                <a:solidFill>
-                  <a:srgbClr val="ffffff"/>
-                </a:solidFill>
-              </a:uFill>
-              <a:latin typeface="Arial"/>
-            </a:endParaRPr>
-          </a:p>
-          <a:p>
-            <a:pPr>
-              <a:lnSpc>
-                <a:spcPct val="93000"/>
-              </a:lnSpc>
-            </a:pPr>
-            <a:r>
-              <a:rPr b="0" lang="en-US" sz="2200" spc="-1" strike="noStrike">
-                <a:solidFill>
-                  <a:srgbClr val="000000"/>
-                </a:solidFill>
-                <a:uFill>
-                  <a:solidFill>
-                    <a:srgbClr val="ffffff"/>
-                  </a:solidFill>
-                </a:uFill>
-                <a:latin typeface="Georgia"/>
-                <a:ea typeface="Georgia"/>
-              </a:rPr>
-              <a:t>The police want to talk to anybody who saw the accident.</a:t>
-            </a:r>
-            <a:endParaRPr b="0" lang="en-US" sz="1800" spc="-1" strike="noStrike">
-              <a:solidFill>
-                <a:srgbClr val="000000"/>
-              </a:solidFill>
-              <a:uFill>
-                <a:solidFill>
-                  <a:srgbClr val="ffffff"/>
-                </a:solidFill>
-              </a:uFill>
-              <a:latin typeface="Arial"/>
-            </a:endParaRPr>
-          </a:p>
-          <a:p>
-            <a:pPr>
-              <a:lnSpc>
-                <a:spcPct val="93000"/>
-              </a:lnSpc>
-            </a:pPr>
-            <a:r>
-              <a:rPr b="0" lang="en-US" sz="2200" spc="-1" strike="noStrike">
-                <a:solidFill>
-                  <a:srgbClr val="000000"/>
-                </a:solidFill>
-                <a:uFill>
-                  <a:solidFill>
-                    <a:srgbClr val="ffffff"/>
-                  </a:solidFill>
-                </a:uFill>
-                <a:latin typeface="Georgia"/>
-                <a:ea typeface="Georgia"/>
-              </a:rPr>
-              <a:t>The team wants to arrange a meeting.</a:t>
-            </a:r>
+                <a:ea typeface="Merriweather"/>
+              </a:rPr>
+              <a:t>He is taller than I. </a:t>
+            </a:r>
+            <a:endParaRPr b="0" lang="en-US" sz="1800" spc="-1" strike="noStrike">
+              <a:solidFill>
+                <a:srgbClr val="000000"/>
+              </a:solidFill>
+              <a:uFill>
+                <a:solidFill>
+                  <a:srgbClr val="ffffff"/>
+                </a:solidFill>
+              </a:uFill>
+              <a:latin typeface="Arial"/>
+            </a:endParaRPr>
+          </a:p>
+          <a:p>
+            <a:pPr>
+              <a:lnSpc>
+                <a:spcPct val="93000"/>
+              </a:lnSpc>
+            </a:pPr>
+            <a:endParaRPr b="0" lang="en-US" sz="1800" spc="-1" strike="noStrike">
+              <a:solidFill>
+                <a:srgbClr val="000000"/>
+              </a:solidFill>
+              <a:uFill>
+                <a:solidFill>
+                  <a:srgbClr val="ffffff"/>
+                </a:solidFill>
+              </a:uFill>
+              <a:latin typeface="Arial"/>
+            </a:endParaRPr>
+          </a:p>
+          <a:p>
+            <a:pPr>
+              <a:lnSpc>
+                <a:spcPct val="93000"/>
+              </a:lnSpc>
+            </a:pPr>
+            <a:endParaRPr b="0" lang="en-US" sz="1800" spc="-1" strike="noStrike">
+              <a:solidFill>
+                <a:srgbClr val="000000"/>
+              </a:solidFill>
+              <a:uFill>
+                <a:solidFill>
+                  <a:srgbClr val="ffffff"/>
+                </a:solidFill>
+              </a:uFill>
+              <a:latin typeface="Arial"/>
+            </a:endParaRPr>
+          </a:p>
+          <a:p>
+            <a:pPr>
+              <a:lnSpc>
+                <a:spcPct val="93000"/>
+              </a:lnSpc>
+            </a:pPr>
+            <a:endParaRPr b="0" lang="en-US" sz="1800" spc="-1" strike="noStrike">
+              <a:solidFill>
+                <a:srgbClr val="000000"/>
+              </a:solidFill>
+              <a:uFill>
+                <a:solidFill>
+                  <a:srgbClr val="ffffff"/>
+                </a:solidFill>
+              </a:uFill>
+              <a:latin typeface="Arial"/>
+            </a:endParaRPr>
+          </a:p>
+          <a:p>
+            <a:pPr>
+              <a:lnSpc>
+                <a:spcPct val="93000"/>
+              </a:lnSpc>
+            </a:pPr>
+            <a:endParaRPr b="0" lang="en-US" sz="1800" spc="-1" strike="noStrike">
+              <a:solidFill>
+                <a:srgbClr val="000000"/>
+              </a:solidFill>
+              <a:uFill>
+                <a:solidFill>
+                  <a:srgbClr val="ffffff"/>
+                </a:solidFill>
+              </a:uFill>
+              <a:latin typeface="Arial"/>
+            </a:endParaRPr>
+          </a:p>
+          <a:p>
+            <a:pPr>
+              <a:lnSpc>
+                <a:spcPct val="93000"/>
+              </a:lnSpc>
+            </a:pPr>
+            <a:r>
+              <a:rPr b="0" lang="en-US" sz="1800" spc="-1" strike="noStrike" u="sng">
+                <a:solidFill>
+                  <a:srgbClr val="000000"/>
+                </a:solidFill>
+                <a:uFill>
+                  <a:solidFill>
+                    <a:srgbClr val="ffffff"/>
+                  </a:solidFill>
+                </a:uFill>
+                <a:latin typeface="Georgia"/>
+                <a:ea typeface="Merriweather"/>
+              </a:rPr>
+              <a:t>Complement</a:t>
+            </a:r>
+            <a:endParaRPr b="0" lang="en-US" sz="1800" spc="-1" strike="noStrike">
+              <a:solidFill>
+                <a:srgbClr val="000000"/>
+              </a:solidFill>
+              <a:uFill>
+                <a:solidFill>
+                  <a:srgbClr val="ffffff"/>
+                </a:solidFill>
+              </a:uFill>
+              <a:latin typeface="Arial"/>
+            </a:endParaRPr>
+          </a:p>
+          <a:p>
+            <a:pPr>
+              <a:lnSpc>
+                <a:spcPct val="93000"/>
+              </a:lnSpc>
+            </a:pPr>
+            <a:endParaRPr b="0" lang="en-US" sz="1800" spc="-1" strike="noStrike">
+              <a:solidFill>
+                <a:srgbClr val="000000"/>
+              </a:solidFill>
+              <a:uFill>
+                <a:solidFill>
+                  <a:srgbClr val="ffffff"/>
+                </a:solidFill>
+              </a:uFill>
+              <a:latin typeface="Arial"/>
+            </a:endParaRPr>
+          </a:p>
+          <a:p>
+            <a:pPr>
+              <a:lnSpc>
+                <a:spcPct val="93000"/>
+              </a:lnSpc>
+            </a:pPr>
+            <a:r>
+              <a:rPr b="0" lang="en-US" sz="1800" spc="-1" strike="noStrike">
+                <a:solidFill>
+                  <a:srgbClr val="000000"/>
+                </a:solidFill>
+                <a:uFill>
+                  <a:solidFill>
+                    <a:srgbClr val="ffffff"/>
+                  </a:solidFill>
+                </a:uFill>
+                <a:latin typeface="Georgia"/>
+                <a:ea typeface="Merriweather"/>
+              </a:rPr>
+              <a:t>He is a student.</a:t>
+            </a:r>
+            <a:endParaRPr b="0" lang="en-US" sz="1800" spc="-1" strike="noStrike">
+              <a:solidFill>
+                <a:srgbClr val="000000"/>
+              </a:solidFill>
+              <a:uFill>
+                <a:solidFill>
+                  <a:srgbClr val="ffffff"/>
+                </a:solidFill>
+              </a:uFill>
+              <a:latin typeface="Arial"/>
+            </a:endParaRPr>
+          </a:p>
+          <a:p>
+            <a:pPr>
+              <a:lnSpc>
+                <a:spcPct val="93000"/>
+              </a:lnSpc>
+            </a:pPr>
+            <a:r>
+              <a:rPr b="0" lang="en-US" sz="1800" spc="-1" strike="noStrike">
+                <a:solidFill>
+                  <a:srgbClr val="000000"/>
+                </a:solidFill>
+                <a:uFill>
+                  <a:solidFill>
+                    <a:srgbClr val="ffffff"/>
+                  </a:solidFill>
+                </a:uFill>
+                <a:latin typeface="Georgia"/>
+                <a:ea typeface="Merriweather"/>
+              </a:rPr>
+              <a:t>Honey tastes sweets.</a:t>
+            </a:r>
+            <a:endParaRPr b="0" lang="en-US" sz="1800" spc="-1" strike="noStrike">
+              <a:solidFill>
+                <a:srgbClr val="000000"/>
+              </a:solidFill>
+              <a:uFill>
+                <a:solidFill>
+                  <a:srgbClr val="ffffff"/>
+                </a:solidFill>
+              </a:uFill>
+              <a:latin typeface="Arial"/>
+            </a:endParaRPr>
+          </a:p>
+          <a:p>
+            <a:pPr>
+              <a:lnSpc>
+                <a:spcPct val="93000"/>
+              </a:lnSpc>
+            </a:pPr>
+            <a:r>
+              <a:rPr b="0" lang="en-US" sz="1800" spc="-1" strike="noStrike">
+                <a:solidFill>
+                  <a:srgbClr val="000000"/>
+                </a:solidFill>
+                <a:uFill>
+                  <a:solidFill>
+                    <a:srgbClr val="ffffff"/>
+                  </a:solidFill>
+                </a:uFill>
+                <a:latin typeface="Georgia"/>
+                <a:ea typeface="Merriweather"/>
+              </a:rPr>
+              <a:t>He is handsome.</a:t>
+            </a:r>
+            <a:endParaRPr b="0" lang="en-US" sz="1800" spc="-1" strike="noStrike">
+              <a:solidFill>
+                <a:srgbClr val="000000"/>
+              </a:solidFill>
+              <a:uFill>
+                <a:solidFill>
+                  <a:srgbClr val="ffffff"/>
+                </a:solidFill>
+              </a:uFill>
+              <a:latin typeface="Arial"/>
+            </a:endParaRPr>
+          </a:p>
+          <a:p>
+            <a:pPr>
+              <a:lnSpc>
+                <a:spcPct val="93000"/>
+              </a:lnSpc>
+            </a:pPr>
+            <a:r>
+              <a:rPr b="0" lang="en-US" sz="1800" spc="-1" strike="noStrike">
+                <a:solidFill>
+                  <a:srgbClr val="000000"/>
+                </a:solidFill>
+                <a:uFill>
+                  <a:solidFill>
+                    <a:srgbClr val="ffffff"/>
+                  </a:solidFill>
+                </a:uFill>
+                <a:latin typeface="Georgia"/>
+                <a:ea typeface="Merriweather"/>
+              </a:rPr>
+              <a:t>He is poor.</a:t>
+            </a:r>
+            <a:endParaRPr b="0" lang="en-US" sz="1800" spc="-1" strike="noStrike">
+              <a:solidFill>
+                <a:srgbClr val="000000"/>
+              </a:solidFill>
+              <a:uFill>
+                <a:solidFill>
+                  <a:srgbClr val="ffffff"/>
+                </a:solidFill>
+              </a:uFill>
+              <a:latin typeface="Arial"/>
+            </a:endParaRPr>
+          </a:p>
+          <a:p>
+            <a:pPr>
+              <a:lnSpc>
+                <a:spcPct val="93000"/>
+              </a:lnSpc>
+            </a:pPr>
+            <a:endParaRPr b="0" lang="en-US" sz="1800" spc="-1" strike="noStrike">
+              <a:solidFill>
+                <a:srgbClr val="000000"/>
+              </a:solidFill>
+              <a:uFill>
+                <a:solidFill>
+                  <a:srgbClr val="ffffff"/>
+                </a:solidFill>
+              </a:uFill>
+              <a:latin typeface="Arial"/>
+            </a:endParaRPr>
+          </a:p>
+          <a:p>
+            <a:pPr>
+              <a:lnSpc>
+                <a:spcPct val="93000"/>
+              </a:lnSpc>
+            </a:pPr>
+            <a:r>
+              <a:rPr b="0" lang="en-US" sz="1800" spc="-1" strike="noStrike">
+                <a:solidFill>
+                  <a:srgbClr val="000000"/>
+                </a:solidFill>
+                <a:uFill>
+                  <a:solidFill>
+                    <a:srgbClr val="ffffff"/>
+                  </a:solidFill>
+                </a:uFill>
+                <a:latin typeface="Georgia"/>
+                <a:ea typeface="Merriweather"/>
+              </a:rPr>
+              <a:t>No object here, they are called complement as it describes subject.</a:t>
+            </a:r>
+            <a:endParaRPr b="0" lang="en-US" sz="1800" spc="-1" strike="noStrike">
+              <a:solidFill>
+                <a:srgbClr val="000000"/>
+              </a:solidFill>
+              <a:uFill>
+                <a:solidFill>
+                  <a:srgbClr val="ffffff"/>
+                </a:solidFill>
+              </a:uFill>
+              <a:latin typeface="Arial"/>
+            </a:endParaRPr>
+          </a:p>
+          <a:p>
+            <a:pPr>
+              <a:lnSpc>
+                <a:spcPct val="93000"/>
+              </a:lnSpc>
+            </a:pPr>
             <a:endParaRPr b="0" lang="en-US" sz="1800" spc="-1" strike="noStrike">
               <a:solidFill>
                 <a:srgbClr val="000000"/>
@@ -11515,7 +10555,7 @@
         <p:spPr>
           <a:xfrm>
             <a:off x="456480" y="1188720"/>
-            <a:ext cx="9068400" cy="6216840"/>
+            <a:ext cx="9067680" cy="6216120"/>
           </a:xfrm>
           <a:prstGeom prst="rect">
             <a:avLst/>
@@ -11600,7 +10640,7 @@
             </a:endParaRPr>
           </a:p>
           <a:p>
-            <a:pPr marL="215640" indent="-207720">
+            <a:pPr marL="215640" indent="-207000">
               <a:lnSpc>
                 <a:spcPct val="98000"/>
               </a:lnSpc>
@@ -11633,7 +10673,7 @@
             </a:endParaRPr>
           </a:p>
           <a:p>
-            <a:pPr marL="215640" indent="-207720">
+            <a:pPr marL="215640" indent="-207000">
               <a:lnSpc>
                 <a:spcPct val="98000"/>
               </a:lnSpc>
@@ -11666,7 +10706,7 @@
             </a:endParaRPr>
           </a:p>
           <a:p>
-            <a:pPr marL="215640" indent="-207720">
+            <a:pPr marL="215640" indent="-207000">
               <a:lnSpc>
                 <a:spcPct val="98000"/>
               </a:lnSpc>
@@ -11708,8 +10748,8 @@
         </p:nvSpPr>
         <p:spPr>
           <a:xfrm>
-            <a:off x="437760" y="731880"/>
-            <a:ext cx="9068400" cy="6216840"/>
+            <a:off x="437760" y="194400"/>
+            <a:ext cx="9067680" cy="6753600"/>
           </a:xfrm>
           <a:custGeom>
             <a:avLst/>
@@ -11751,43 +10791,81 @@
         <p:txBody>
           <a:bodyPr lIns="0" rIns="0" tIns="7200" bIns="0"/>
           <a:p>
-            <a:pPr>
-              <a:lnSpc>
-                <a:spcPct val="93000"/>
-              </a:lnSpc>
-            </a:pPr>
-            <a:r>
-              <a:rPr b="0" lang="en-US" sz="2200" spc="-1" strike="sngStrike">
-                <a:solidFill>
-                  <a:srgbClr val="000000"/>
-                </a:solidFill>
-                <a:uFill>
-                  <a:solidFill>
-                    <a:srgbClr val="ffffff"/>
-                  </a:solidFill>
-                </a:uFill>
-                <a:latin typeface="Merriweather"/>
-                <a:ea typeface="Merriweather"/>
-              </a:rPr>
-              <a:t>He is taller than me.</a:t>
-            </a:r>
-            <a:endParaRPr b="0" lang="en-US" sz="1800" spc="-1" strike="noStrike">
-              <a:solidFill>
-                <a:srgbClr val="000000"/>
-              </a:solidFill>
-              <a:uFill>
-                <a:solidFill>
-                  <a:srgbClr val="ffffff"/>
-                </a:solidFill>
-              </a:uFill>
-              <a:latin typeface="Arial"/>
-            </a:endParaRPr>
-          </a:p>
-          <a:p>
-            <a:pPr>
-              <a:lnSpc>
-                <a:spcPct val="93000"/>
-              </a:lnSpc>
+            <a:pPr algn="ctr">
+              <a:lnSpc>
+                <a:spcPct val="93000"/>
+              </a:lnSpc>
+            </a:pPr>
+            <a:r>
+              <a:rPr b="0" lang="en-US" sz="2200" spc="-1" strike="noStrike" u="sng">
+                <a:solidFill>
+                  <a:srgbClr val="000000"/>
+                </a:solidFill>
+                <a:uFill>
+                  <a:solidFill>
+                    <a:srgbClr val="ffffff"/>
+                  </a:solidFill>
+                </a:uFill>
+                <a:latin typeface="Georgia"/>
+                <a:ea typeface="Georgia"/>
+              </a:rPr>
+              <a:t>Linking words</a:t>
+            </a:r>
+            <a:endParaRPr b="0" lang="en-US" sz="1800" spc="-1" strike="noStrike">
+              <a:solidFill>
+                <a:srgbClr val="000000"/>
+              </a:solidFill>
+              <a:uFill>
+                <a:solidFill>
+                  <a:srgbClr val="ffffff"/>
+                </a:solidFill>
+              </a:uFill>
+              <a:latin typeface="Arial"/>
+            </a:endParaRPr>
+          </a:p>
+          <a:p>
+            <a:pPr>
+              <a:lnSpc>
+                <a:spcPct val="93000"/>
+              </a:lnSpc>
+            </a:pPr>
+            <a:r>
+              <a:rPr b="0" lang="en-US" sz="2200" spc="-1" strike="noStrike" u="sng">
+                <a:solidFill>
+                  <a:srgbClr val="000000"/>
+                </a:solidFill>
+                <a:uFill>
+                  <a:solidFill>
+                    <a:srgbClr val="ffffff"/>
+                  </a:solidFill>
+                </a:uFill>
+                <a:latin typeface="Georgia"/>
+                <a:ea typeface="Georgia"/>
+              </a:rPr>
+              <a:t>However</a:t>
+            </a:r>
+            <a:endParaRPr b="0" lang="en-US" sz="1800" spc="-1" strike="noStrike">
+              <a:solidFill>
+                <a:srgbClr val="000000"/>
+              </a:solidFill>
+              <a:uFill>
+                <a:solidFill>
+                  <a:srgbClr val="ffffff"/>
+                </a:solidFill>
+              </a:uFill>
+              <a:latin typeface="Arial"/>
+            </a:endParaRPr>
+          </a:p>
+          <a:p>
+            <a:pPr marL="457200" indent="-367200">
+              <a:lnSpc>
+                <a:spcPct val="93000"/>
+              </a:lnSpc>
+              <a:buClr>
+                <a:srgbClr val="000000"/>
+              </a:buClr>
+              <a:buFont typeface="Georgia"/>
+              <a:buChar char="❖"/>
             </a:pPr>
             <a:r>
               <a:rPr b="0" lang="en-US" sz="2200" spc="-1" strike="noStrike">
@@ -11799,407 +10877,420 @@
                     <a:srgbClr val="ffffff"/>
                   </a:solidFill>
                 </a:uFill>
-                <a:latin typeface="Merriweather"/>
-                <a:ea typeface="Merriweather"/>
-              </a:rPr>
-              <a:t>He is taller than I. </a:t>
-            </a:r>
-            <a:endParaRPr b="0" lang="en-US" sz="1800" spc="-1" strike="noStrike">
-              <a:solidFill>
-                <a:srgbClr val="000000"/>
-              </a:solidFill>
-              <a:uFill>
-                <a:solidFill>
-                  <a:srgbClr val="ffffff"/>
-                </a:solidFill>
-              </a:uFill>
-              <a:latin typeface="Arial"/>
-            </a:endParaRPr>
-          </a:p>
-          <a:p>
-            <a:pPr>
-              <a:lnSpc>
-                <a:spcPct val="93000"/>
-              </a:lnSpc>
-            </a:pPr>
-            <a:endParaRPr b="0" lang="en-US" sz="1800" spc="-1" strike="noStrike">
-              <a:solidFill>
-                <a:srgbClr val="000000"/>
-              </a:solidFill>
-              <a:uFill>
-                <a:solidFill>
-                  <a:srgbClr val="ffffff"/>
-                </a:solidFill>
-              </a:uFill>
-              <a:latin typeface="Arial"/>
-            </a:endParaRPr>
-          </a:p>
-          <a:p>
-            <a:pPr>
-              <a:lnSpc>
-                <a:spcPct val="93000"/>
-              </a:lnSpc>
-            </a:pPr>
-            <a:endParaRPr b="0" lang="en-US" sz="1800" spc="-1" strike="noStrike">
-              <a:solidFill>
-                <a:srgbClr val="000000"/>
-              </a:solidFill>
-              <a:uFill>
-                <a:solidFill>
-                  <a:srgbClr val="ffffff"/>
-                </a:solidFill>
-              </a:uFill>
-              <a:latin typeface="Arial"/>
-            </a:endParaRPr>
-          </a:p>
-          <a:p>
-            <a:pPr>
-              <a:lnSpc>
-                <a:spcPct val="93000"/>
-              </a:lnSpc>
-            </a:pPr>
-            <a:endParaRPr b="0" lang="en-US" sz="1800" spc="-1" strike="noStrike">
-              <a:solidFill>
-                <a:srgbClr val="000000"/>
-              </a:solidFill>
-              <a:uFill>
-                <a:solidFill>
-                  <a:srgbClr val="ffffff"/>
-                </a:solidFill>
-              </a:uFill>
-              <a:latin typeface="Arial"/>
-            </a:endParaRPr>
-          </a:p>
-          <a:p>
-            <a:pPr>
-              <a:lnSpc>
-                <a:spcPct val="93000"/>
-              </a:lnSpc>
-            </a:pPr>
-            <a:endParaRPr b="0" lang="en-US" sz="1800" spc="-1" strike="noStrike">
-              <a:solidFill>
-                <a:srgbClr val="000000"/>
-              </a:solidFill>
-              <a:uFill>
-                <a:solidFill>
-                  <a:srgbClr val="ffffff"/>
-                </a:solidFill>
-              </a:uFill>
-              <a:latin typeface="Arial"/>
-            </a:endParaRPr>
-          </a:p>
-          <a:p>
-            <a:pPr>
-              <a:lnSpc>
-                <a:spcPct val="93000"/>
-              </a:lnSpc>
-            </a:pPr>
-            <a:endParaRPr b="0" lang="en-US" sz="1800" spc="-1" strike="noStrike">
-              <a:solidFill>
-                <a:srgbClr val="000000"/>
-              </a:solidFill>
-              <a:uFill>
-                <a:solidFill>
-                  <a:srgbClr val="ffffff"/>
-                </a:solidFill>
-              </a:uFill>
-              <a:latin typeface="Arial"/>
-            </a:endParaRPr>
-          </a:p>
-          <a:p>
-            <a:pPr>
-              <a:lnSpc>
-                <a:spcPct val="93000"/>
-              </a:lnSpc>
-            </a:pPr>
-            <a:endParaRPr b="0" lang="en-US" sz="1800" spc="-1" strike="noStrike">
-              <a:solidFill>
-                <a:srgbClr val="000000"/>
-              </a:solidFill>
-              <a:uFill>
-                <a:solidFill>
-                  <a:srgbClr val="ffffff"/>
-                </a:solidFill>
-              </a:uFill>
-              <a:latin typeface="Arial"/>
-            </a:endParaRPr>
-          </a:p>
-          <a:p>
-            <a:pPr>
-              <a:lnSpc>
-                <a:spcPct val="93000"/>
-              </a:lnSpc>
-            </a:pPr>
-            <a:endParaRPr b="0" lang="en-US" sz="1800" spc="-1" strike="noStrike">
-              <a:solidFill>
-                <a:srgbClr val="000000"/>
-              </a:solidFill>
-              <a:uFill>
-                <a:solidFill>
-                  <a:srgbClr val="ffffff"/>
-                </a:solidFill>
-              </a:uFill>
-              <a:latin typeface="Arial"/>
-            </a:endParaRPr>
-          </a:p>
-          <a:p>
-            <a:pPr>
-              <a:lnSpc>
-                <a:spcPct val="93000"/>
-              </a:lnSpc>
-            </a:pPr>
-            <a:endParaRPr b="0" lang="en-US" sz="1800" spc="-1" strike="noStrike">
-              <a:solidFill>
-                <a:srgbClr val="000000"/>
-              </a:solidFill>
-              <a:uFill>
-                <a:solidFill>
-                  <a:srgbClr val="ffffff"/>
-                </a:solidFill>
-              </a:uFill>
-              <a:latin typeface="Arial"/>
-            </a:endParaRPr>
-          </a:p>
-          <a:p>
-            <a:pPr>
-              <a:lnSpc>
-                <a:spcPct val="93000"/>
-              </a:lnSpc>
-            </a:pPr>
-            <a:endParaRPr b="0" lang="en-US" sz="1800" spc="-1" strike="noStrike">
-              <a:solidFill>
-                <a:srgbClr val="000000"/>
-              </a:solidFill>
-              <a:uFill>
-                <a:solidFill>
-                  <a:srgbClr val="ffffff"/>
-                </a:solidFill>
-              </a:uFill>
-              <a:latin typeface="Arial"/>
-            </a:endParaRPr>
-          </a:p>
-          <a:p>
-            <a:pPr>
-              <a:lnSpc>
-                <a:spcPct val="93000"/>
-              </a:lnSpc>
-            </a:pPr>
-            <a:r>
-              <a:rPr b="0" lang="en-US" sz="1800" spc="-1" strike="noStrike" u="sng">
-                <a:solidFill>
-                  <a:srgbClr val="000000"/>
-                </a:solidFill>
-                <a:uFill>
-                  <a:solidFill>
-                    <a:srgbClr val="ffffff"/>
-                  </a:solidFill>
-                </a:uFill>
-                <a:latin typeface="Merriweather"/>
-                <a:ea typeface="Merriweather"/>
-              </a:rPr>
-              <a:t>Complement</a:t>
-            </a:r>
-            <a:endParaRPr b="0" lang="en-US" sz="1800" spc="-1" strike="noStrike">
-              <a:solidFill>
-                <a:srgbClr val="000000"/>
-              </a:solidFill>
-              <a:uFill>
-                <a:solidFill>
-                  <a:srgbClr val="ffffff"/>
-                </a:solidFill>
-              </a:uFill>
-              <a:latin typeface="Arial"/>
-            </a:endParaRPr>
-          </a:p>
-          <a:p>
-            <a:pPr>
-              <a:lnSpc>
-                <a:spcPct val="93000"/>
-              </a:lnSpc>
-            </a:pPr>
-            <a:endParaRPr b="0" lang="en-US" sz="1800" spc="-1" strike="noStrike">
-              <a:solidFill>
-                <a:srgbClr val="000000"/>
-              </a:solidFill>
-              <a:uFill>
-                <a:solidFill>
-                  <a:srgbClr val="ffffff"/>
-                </a:solidFill>
-              </a:uFill>
-              <a:latin typeface="Arial"/>
-            </a:endParaRPr>
-          </a:p>
-          <a:p>
-            <a:pPr>
-              <a:lnSpc>
-                <a:spcPct val="93000"/>
-              </a:lnSpc>
-            </a:pPr>
-            <a:r>
-              <a:rPr b="0" lang="en-US" sz="1800" spc="-1" strike="noStrike">
-                <a:solidFill>
-                  <a:srgbClr val="000000"/>
-                </a:solidFill>
-                <a:uFill>
-                  <a:solidFill>
-                    <a:srgbClr val="ffffff"/>
-                  </a:solidFill>
-                </a:uFill>
-                <a:latin typeface="Merriweather"/>
-                <a:ea typeface="Merriweather"/>
-              </a:rPr>
-              <a:t>He is a student.</a:t>
-            </a:r>
-            <a:endParaRPr b="0" lang="en-US" sz="1800" spc="-1" strike="noStrike">
-              <a:solidFill>
-                <a:srgbClr val="000000"/>
-              </a:solidFill>
-              <a:uFill>
-                <a:solidFill>
-                  <a:srgbClr val="ffffff"/>
-                </a:solidFill>
-              </a:uFill>
-              <a:latin typeface="Arial"/>
-            </a:endParaRPr>
-          </a:p>
-          <a:p>
-            <a:pPr>
-              <a:lnSpc>
-                <a:spcPct val="93000"/>
-              </a:lnSpc>
-            </a:pPr>
-            <a:r>
-              <a:rPr b="0" lang="en-US" sz="1800" spc="-1" strike="noStrike">
-                <a:solidFill>
-                  <a:srgbClr val="000000"/>
-                </a:solidFill>
-                <a:uFill>
-                  <a:solidFill>
-                    <a:srgbClr val="ffffff"/>
-                  </a:solidFill>
-                </a:uFill>
-                <a:latin typeface="Merriweather"/>
-                <a:ea typeface="Merriweather"/>
-              </a:rPr>
-              <a:t>Honey tastes sweets.</a:t>
-            </a:r>
-            <a:endParaRPr b="0" lang="en-US" sz="1800" spc="-1" strike="noStrike">
-              <a:solidFill>
-                <a:srgbClr val="000000"/>
-              </a:solidFill>
-              <a:uFill>
-                <a:solidFill>
-                  <a:srgbClr val="ffffff"/>
-                </a:solidFill>
-              </a:uFill>
-              <a:latin typeface="Arial"/>
-            </a:endParaRPr>
-          </a:p>
-          <a:p>
-            <a:pPr>
-              <a:lnSpc>
-                <a:spcPct val="93000"/>
-              </a:lnSpc>
-            </a:pPr>
-            <a:r>
-              <a:rPr b="0" lang="en-US" sz="1800" spc="-1" strike="noStrike">
-                <a:solidFill>
-                  <a:srgbClr val="000000"/>
-                </a:solidFill>
-                <a:uFill>
-                  <a:solidFill>
-                    <a:srgbClr val="ffffff"/>
-                  </a:solidFill>
-                </a:uFill>
-                <a:latin typeface="Merriweather"/>
-                <a:ea typeface="Merriweather"/>
-              </a:rPr>
-              <a:t>He is handsome.</a:t>
-            </a:r>
-            <a:endParaRPr b="0" lang="en-US" sz="1800" spc="-1" strike="noStrike">
-              <a:solidFill>
-                <a:srgbClr val="000000"/>
-              </a:solidFill>
-              <a:uFill>
-                <a:solidFill>
-                  <a:srgbClr val="ffffff"/>
-                </a:solidFill>
-              </a:uFill>
-              <a:latin typeface="Arial"/>
-            </a:endParaRPr>
-          </a:p>
-          <a:p>
-            <a:pPr>
-              <a:lnSpc>
-                <a:spcPct val="93000"/>
-              </a:lnSpc>
-            </a:pPr>
-            <a:r>
-              <a:rPr b="0" lang="en-US" sz="1800" spc="-1" strike="noStrike">
-                <a:solidFill>
-                  <a:srgbClr val="000000"/>
-                </a:solidFill>
-                <a:uFill>
-                  <a:solidFill>
-                    <a:srgbClr val="ffffff"/>
-                  </a:solidFill>
-                </a:uFill>
-                <a:latin typeface="Merriweather"/>
-                <a:ea typeface="Merriweather"/>
-              </a:rPr>
-              <a:t>He is poor.</a:t>
-            </a:r>
-            <a:endParaRPr b="0" lang="en-US" sz="1800" spc="-1" strike="noStrike">
-              <a:solidFill>
-                <a:srgbClr val="000000"/>
-              </a:solidFill>
-              <a:uFill>
-                <a:solidFill>
-                  <a:srgbClr val="ffffff"/>
-                </a:solidFill>
-              </a:uFill>
-              <a:latin typeface="Arial"/>
-            </a:endParaRPr>
-          </a:p>
-          <a:p>
-            <a:pPr>
-              <a:lnSpc>
-                <a:spcPct val="93000"/>
-              </a:lnSpc>
-            </a:pPr>
-            <a:endParaRPr b="0" lang="en-US" sz="1800" spc="-1" strike="noStrike">
-              <a:solidFill>
-                <a:srgbClr val="000000"/>
-              </a:solidFill>
-              <a:uFill>
-                <a:solidFill>
-                  <a:srgbClr val="ffffff"/>
-                </a:solidFill>
-              </a:uFill>
-              <a:latin typeface="Arial"/>
-            </a:endParaRPr>
-          </a:p>
-          <a:p>
-            <a:pPr>
-              <a:lnSpc>
-                <a:spcPct val="93000"/>
-              </a:lnSpc>
-            </a:pPr>
-            <a:r>
-              <a:rPr b="0" lang="en-US" sz="1800" spc="-1" strike="noStrike">
-                <a:solidFill>
-                  <a:srgbClr val="000000"/>
-                </a:solidFill>
-                <a:uFill>
-                  <a:solidFill>
-                    <a:srgbClr val="ffffff"/>
-                  </a:solidFill>
-                </a:uFill>
-                <a:latin typeface="Merriweather"/>
-                <a:ea typeface="Merriweather"/>
-              </a:rPr>
-              <a:t>No object here, they are called complement as it describes subject.</a:t>
-            </a:r>
+                <a:latin typeface="Georgia"/>
+                <a:ea typeface="Georgia"/>
+              </a:rPr>
+              <a:t>We use ‘however’ and ‘nevertheless’ to express a contrast.</a:t>
+            </a:r>
+            <a:endParaRPr b="0" lang="en-US" sz="1800" spc="-1" strike="noStrike">
+              <a:solidFill>
+                <a:srgbClr val="000000"/>
+              </a:solidFill>
+              <a:uFill>
+                <a:solidFill>
+                  <a:srgbClr val="ffffff"/>
+                </a:solidFill>
+              </a:uFill>
+              <a:latin typeface="Arial"/>
+            </a:endParaRPr>
+          </a:p>
+          <a:p>
+            <a:pPr marL="457200" indent="-367200">
+              <a:lnSpc>
+                <a:spcPct val="93000"/>
+              </a:lnSpc>
+              <a:buClr>
+                <a:srgbClr val="000000"/>
+              </a:buClr>
+              <a:buFont typeface="Georgia"/>
+              <a:buChar char="❖"/>
+            </a:pPr>
+            <a:r>
+              <a:rPr b="0" lang="en-US" sz="2200" spc="-1" strike="noStrike">
+                <a:solidFill>
+                  <a:srgbClr val="000000"/>
+                </a:solidFill>
+                <a:uFill>
+                  <a:solidFill>
+                    <a:srgbClr val="ffffff"/>
+                  </a:solidFill>
+                </a:uFill>
+                <a:latin typeface="Georgia"/>
+                <a:ea typeface="Georgia"/>
+              </a:rPr>
+              <a:t>Usually, the first half of a sentence contrasts (opposes) the second half.</a:t>
+            </a:r>
+            <a:endParaRPr b="0" lang="en-US" sz="1800" spc="-1" strike="noStrike">
+              <a:solidFill>
+                <a:srgbClr val="000000"/>
+              </a:solidFill>
+              <a:uFill>
+                <a:solidFill>
+                  <a:srgbClr val="ffffff"/>
+                </a:solidFill>
+              </a:uFill>
+              <a:latin typeface="Arial"/>
+            </a:endParaRPr>
+          </a:p>
+          <a:p>
+            <a:pPr marL="457200" indent="-367200">
+              <a:lnSpc>
+                <a:spcPct val="93000"/>
+              </a:lnSpc>
+              <a:buClr>
+                <a:srgbClr val="000000"/>
+              </a:buClr>
+              <a:buFont typeface="Georgia"/>
+              <a:buChar char="❖"/>
+            </a:pPr>
+            <a:r>
+              <a:rPr b="0" lang="en-US" sz="2200" spc="-1" strike="noStrike">
+                <a:solidFill>
+                  <a:srgbClr val="000000"/>
+                </a:solidFill>
+                <a:uFill>
+                  <a:solidFill>
+                    <a:srgbClr val="ffffff"/>
+                  </a:solidFill>
+                </a:uFill>
+                <a:latin typeface="Georgia"/>
+                <a:ea typeface="Georgia"/>
+              </a:rPr>
+              <a:t>However is closer to ‘but’ and Nevertheless is closer to ‘in spite of’</a:t>
+            </a:r>
+            <a:endParaRPr b="0" lang="en-US" sz="1800" spc="-1" strike="noStrike">
+              <a:solidFill>
+                <a:srgbClr val="000000"/>
+              </a:solidFill>
+              <a:uFill>
+                <a:solidFill>
+                  <a:srgbClr val="ffffff"/>
+                </a:solidFill>
+              </a:uFill>
+              <a:latin typeface="Arial"/>
+            </a:endParaRPr>
+          </a:p>
+          <a:p>
+            <a:pPr marL="457200" indent="-367200">
+              <a:lnSpc>
+                <a:spcPct val="93000"/>
+              </a:lnSpc>
+              <a:buClr>
+                <a:srgbClr val="000000"/>
+              </a:buClr>
+              <a:buFont typeface="Georgia"/>
+              <a:buChar char="❖"/>
+            </a:pPr>
+            <a:r>
+              <a:rPr b="0" lang="en-US" sz="2200" spc="-1" strike="noStrike">
+                <a:solidFill>
+                  <a:srgbClr val="000000"/>
+                </a:solidFill>
+                <a:uFill>
+                  <a:solidFill>
+                    <a:srgbClr val="ffffff"/>
+                  </a:solidFill>
+                </a:uFill>
+                <a:latin typeface="Georgia"/>
+                <a:ea typeface="Georgia"/>
+              </a:rPr>
+              <a:t>Nevertheless emphasizes a stronger contrast than however.</a:t>
+            </a:r>
+            <a:endParaRPr b="0" lang="en-US" sz="1800" spc="-1" strike="noStrike">
+              <a:solidFill>
+                <a:srgbClr val="000000"/>
+              </a:solidFill>
+              <a:uFill>
+                <a:solidFill>
+                  <a:srgbClr val="ffffff"/>
+                </a:solidFill>
+              </a:uFill>
+              <a:latin typeface="Arial"/>
+            </a:endParaRPr>
+          </a:p>
+          <a:p>
+            <a:pPr>
+              <a:lnSpc>
+                <a:spcPct val="93000"/>
+              </a:lnSpc>
+            </a:pPr>
+            <a:endParaRPr b="0" lang="en-US" sz="1800" spc="-1" strike="noStrike">
+              <a:solidFill>
+                <a:srgbClr val="000000"/>
+              </a:solidFill>
+              <a:uFill>
+                <a:solidFill>
+                  <a:srgbClr val="ffffff"/>
+                </a:solidFill>
+              </a:uFill>
+              <a:latin typeface="Arial"/>
+            </a:endParaRPr>
+          </a:p>
+          <a:p>
+            <a:pPr>
+              <a:lnSpc>
+                <a:spcPct val="93000"/>
+              </a:lnSpc>
+            </a:pPr>
+            <a:r>
+              <a:rPr b="0" lang="en-US" sz="2200" spc="-1" strike="noStrike" u="sng">
+                <a:solidFill>
+                  <a:srgbClr val="000000"/>
+                </a:solidFill>
+                <a:uFill>
+                  <a:solidFill>
+                    <a:srgbClr val="ffffff"/>
+                  </a:solidFill>
+                </a:uFill>
+                <a:latin typeface="Georgia"/>
+                <a:ea typeface="Georgia"/>
+              </a:rPr>
+              <a:t>Example</a:t>
+            </a:r>
+            <a:endParaRPr b="0" lang="en-US" sz="1800" spc="-1" strike="noStrike">
+              <a:solidFill>
+                <a:srgbClr val="000000"/>
+              </a:solidFill>
+              <a:uFill>
+                <a:solidFill>
+                  <a:srgbClr val="ffffff"/>
+                </a:solidFill>
+              </a:uFill>
+              <a:latin typeface="Arial"/>
+            </a:endParaRPr>
+          </a:p>
+          <a:p>
+            <a:pPr marL="457200" indent="-367200">
+              <a:lnSpc>
+                <a:spcPct val="93000"/>
+              </a:lnSpc>
+              <a:buClr>
+                <a:srgbClr val="000000"/>
+              </a:buClr>
+              <a:buFont typeface="Georgia"/>
+              <a:buAutoNum type="arabicPeriod"/>
+            </a:pPr>
+            <a:r>
+              <a:rPr b="0" lang="en-US" sz="2200" spc="-1" strike="noStrike">
+                <a:solidFill>
+                  <a:srgbClr val="000000"/>
+                </a:solidFill>
+                <a:uFill>
+                  <a:solidFill>
+                    <a:srgbClr val="ffffff"/>
+                  </a:solidFill>
+                </a:uFill>
+                <a:latin typeface="Georgia"/>
+                <a:ea typeface="Georgia"/>
+              </a:rPr>
+              <a:t>I already knew a lot about the subject; however, his presentation was still interesting.</a:t>
+            </a:r>
+            <a:endParaRPr b="0" lang="en-US" sz="1800" spc="-1" strike="noStrike">
+              <a:solidFill>
+                <a:srgbClr val="000000"/>
+              </a:solidFill>
+              <a:uFill>
+                <a:solidFill>
+                  <a:srgbClr val="ffffff"/>
+                </a:solidFill>
+              </a:uFill>
+              <a:latin typeface="Arial"/>
+            </a:endParaRPr>
+          </a:p>
+          <a:p>
+            <a:pPr marL="457200" indent="-367200">
+              <a:lnSpc>
+                <a:spcPct val="93000"/>
+              </a:lnSpc>
+              <a:buClr>
+                <a:srgbClr val="000000"/>
+              </a:buClr>
+              <a:buFont typeface="Georgia"/>
+              <a:buAutoNum type="arabicPeriod"/>
+            </a:pPr>
+            <a:r>
+              <a:rPr b="0" lang="en-US" sz="2200" spc="-1" strike="noStrike">
+                <a:solidFill>
+                  <a:srgbClr val="000000"/>
+                </a:solidFill>
+                <a:uFill>
+                  <a:solidFill>
+                    <a:srgbClr val="ffffff"/>
+                  </a:solidFill>
+                </a:uFill>
+                <a:latin typeface="Georgia"/>
+                <a:ea typeface="Georgia"/>
+              </a:rPr>
+              <a:t>I have already told on this topic. However, I am going to recapitulate once again what I told.</a:t>
+            </a:r>
+            <a:endParaRPr b="0" lang="en-US" sz="1800" spc="-1" strike="noStrike">
+              <a:solidFill>
+                <a:srgbClr val="000000"/>
+              </a:solidFill>
+              <a:uFill>
+                <a:solidFill>
+                  <a:srgbClr val="ffffff"/>
+                </a:solidFill>
+              </a:uFill>
+              <a:latin typeface="Arial"/>
+            </a:endParaRPr>
+          </a:p>
+          <a:p>
+            <a:pPr marL="457200" indent="-367200">
+              <a:lnSpc>
+                <a:spcPct val="93000"/>
+              </a:lnSpc>
+              <a:buClr>
+                <a:srgbClr val="000000"/>
+              </a:buClr>
+              <a:buFont typeface="Georgia"/>
+              <a:buAutoNum type="arabicPeriod"/>
+            </a:pPr>
+            <a:r>
+              <a:rPr b="0" lang="en-US" sz="2200" spc="-1" strike="noStrike">
+                <a:solidFill>
+                  <a:srgbClr val="000000"/>
+                </a:solidFill>
+                <a:uFill>
+                  <a:solidFill>
+                    <a:srgbClr val="ffffff"/>
+                  </a:solidFill>
+                </a:uFill>
+                <a:latin typeface="Georgia"/>
+                <a:ea typeface="Georgia"/>
+              </a:rPr>
+              <a:t>This is one solution to the problem. However, there are a number of others.</a:t>
+            </a:r>
+            <a:endParaRPr b="0" lang="en-US" sz="1800" spc="-1" strike="noStrike">
+              <a:solidFill>
+                <a:srgbClr val="000000"/>
+              </a:solidFill>
+              <a:uFill>
+                <a:solidFill>
+                  <a:srgbClr val="ffffff"/>
+                </a:solidFill>
+              </a:uFill>
+              <a:latin typeface="Arial"/>
+            </a:endParaRPr>
+          </a:p>
+          <a:p>
+            <a:pPr marL="457200" indent="-367200">
+              <a:lnSpc>
+                <a:spcPct val="93000"/>
+              </a:lnSpc>
+              <a:buClr>
+                <a:srgbClr val="000000"/>
+              </a:buClr>
+              <a:buFont typeface="Georgia"/>
+              <a:buAutoNum type="arabicPeriod"/>
+            </a:pPr>
+            <a:r>
+              <a:rPr b="0" lang="en-US" sz="2200" spc="-1" strike="noStrike">
+                <a:solidFill>
+                  <a:srgbClr val="000000"/>
+                </a:solidFill>
+                <a:uFill>
+                  <a:solidFill>
+                    <a:srgbClr val="ffffff"/>
+                  </a:solidFill>
+                </a:uFill>
+                <a:latin typeface="Georgia"/>
+                <a:ea typeface="Georgia"/>
+              </a:rPr>
+              <a:t>I'm a vegetarian. However, sometimes I eat fish.</a:t>
+            </a:r>
+            <a:endParaRPr b="0" lang="en-US" sz="1800" spc="-1" strike="noStrike">
+              <a:solidFill>
+                <a:srgbClr val="000000"/>
+              </a:solidFill>
+              <a:uFill>
+                <a:solidFill>
+                  <a:srgbClr val="ffffff"/>
+                </a:solidFill>
+              </a:uFill>
+              <a:latin typeface="Arial"/>
+            </a:endParaRPr>
+          </a:p>
+          <a:p>
+            <a:pPr marL="457200" indent="-367200">
+              <a:lnSpc>
+                <a:spcPct val="93000"/>
+              </a:lnSpc>
+              <a:buClr>
+                <a:srgbClr val="000000"/>
+              </a:buClr>
+              <a:buFont typeface="Georgia"/>
+              <a:buAutoNum type="arabicPeriod"/>
+            </a:pPr>
+            <a:r>
+              <a:rPr b="0" lang="en-US" sz="2200" spc="-1" strike="noStrike">
+                <a:solidFill>
+                  <a:srgbClr val="000000"/>
+                </a:solidFill>
+                <a:uFill>
+                  <a:solidFill>
+                    <a:srgbClr val="ffffff"/>
+                  </a:solidFill>
+                </a:uFill>
+                <a:latin typeface="Georgia"/>
+                <a:ea typeface="Georgia"/>
+              </a:rPr>
+              <a:t>I'm a vegetarian. Sometimes, however, I eat fish.</a:t>
+            </a:r>
+            <a:endParaRPr b="0" lang="en-US" sz="1800" spc="-1" strike="noStrike">
+              <a:solidFill>
+                <a:srgbClr val="000000"/>
+              </a:solidFill>
+              <a:uFill>
+                <a:solidFill>
+                  <a:srgbClr val="ffffff"/>
+                </a:solidFill>
+              </a:uFill>
+              <a:latin typeface="Arial"/>
+            </a:endParaRPr>
+          </a:p>
+          <a:p>
+            <a:pPr>
+              <a:lnSpc>
+                <a:spcPct val="93000"/>
+              </a:lnSpc>
+            </a:pPr>
+            <a:endParaRPr b="0" lang="en-US" sz="1800" spc="-1" strike="noStrike">
+              <a:solidFill>
+                <a:srgbClr val="000000"/>
+              </a:solidFill>
+              <a:uFill>
+                <a:solidFill>
+                  <a:srgbClr val="ffffff"/>
+                </a:solidFill>
+              </a:uFill>
+              <a:latin typeface="Arial"/>
+            </a:endParaRPr>
+          </a:p>
+          <a:p>
+            <a:pPr>
+              <a:lnSpc>
+                <a:spcPct val="93000"/>
+              </a:lnSpc>
+            </a:pPr>
+            <a:endParaRPr b="0" lang="en-US" sz="1800" spc="-1" strike="noStrike">
+              <a:solidFill>
+                <a:srgbClr val="000000"/>
+              </a:solidFill>
+              <a:uFill>
+                <a:solidFill>
+                  <a:srgbClr val="ffffff"/>
+                </a:solidFill>
+              </a:uFill>
+              <a:latin typeface="Arial"/>
+            </a:endParaRPr>
+          </a:p>
+          <a:p>
+            <a:pPr>
+              <a:lnSpc>
+                <a:spcPct val="93000"/>
+              </a:lnSpc>
+            </a:pPr>
             <a:endParaRPr b="0" lang="en-US" sz="1800" spc="-1" strike="noStrike">
               <a:solidFill>
                 <a:srgbClr val="000000"/>
@@ -12250,793 +11341,6 @@
           </a:p>
         </p:txBody>
       </p:sp>
-      <p:graphicFrame>
-        <p:nvGraphicFramePr>
-          <p:cNvPr id="60" name="Table 3"/>
-          <p:cNvGraphicFramePr/>
-          <p:nvPr/>
-        </p:nvGraphicFramePr>
-        <p:xfrm>
-          <a:off x="654480" y="1888200"/>
-          <a:ext cx="8175240" cy="1523520"/>
-        </p:xfrm>
-        <a:graphic>
-          <a:graphicData uri="http://schemas.openxmlformats.org/drawingml/2006/table">
-            <a:tbl>
-              <a:tblPr/>
-              <a:tblGrid>
-                <a:gridCol w="2725200"/>
-                <a:gridCol w="2725200"/>
-                <a:gridCol w="2725200"/>
-              </a:tblGrid>
-              <a:tr h="382320">
-                <a:tc>
-                  <a:txBody>
-                    <a:bodyPr lIns="91080" rIns="91080" tIns="91080" bIns="91080"/>
-                    <a:p>
-                      <a:pPr>
-                        <a:lnSpc>
-                          <a:spcPct val="100000"/>
-                        </a:lnSpc>
-                      </a:pPr>
-                      <a:r>
-                        <a:rPr b="1" lang="en-US" sz="1400" spc="-1" strike="noStrike">
-                          <a:solidFill>
-                            <a:srgbClr val="000000"/>
-                          </a:solidFill>
-                          <a:uFill>
-                            <a:solidFill>
-                              <a:srgbClr val="ffffff"/>
-                            </a:solidFill>
-                          </a:uFill>
-                          <a:latin typeface="Arial"/>
-                          <a:ea typeface="Arial"/>
-                        </a:rPr>
-                        <a:t>Subject</a:t>
-                      </a:r>
-                      <a:endParaRPr b="0" lang="en-US" sz="1800" spc="-1" strike="noStrike">
-                        <a:solidFill>
-                          <a:srgbClr val="000000"/>
-                        </a:solidFill>
-                        <a:uFill>
-                          <a:solidFill>
-                            <a:srgbClr val="ffffff"/>
-                          </a:solidFill>
-                        </a:uFill>
-                        <a:latin typeface="Arial"/>
-                      </a:endParaRPr>
-                    </a:p>
-                  </a:txBody>
-                  <a:tcPr marL="91080" marR="91080">
-                    <a:lnL w="9360">
-                      <a:solidFill>
-                        <a:srgbClr val="000000"/>
-                      </a:solidFill>
-                    </a:lnL>
-                    <a:lnR w="9360">
-                      <a:solidFill>
-                        <a:srgbClr val="000000"/>
-                      </a:solidFill>
-                    </a:lnR>
-                    <a:lnT w="9360">
-                      <a:solidFill>
-                        <a:srgbClr val="000000"/>
-                      </a:solidFill>
-                    </a:lnT>
-                    <a:lnB w="9360">
-                      <a:solidFill>
-                        <a:srgbClr val="000000"/>
-                      </a:solidFill>
-                    </a:lnB>
-                    <a:solidFill>
-                      <a:srgbClr val="729fcf"/>
-                    </a:solidFill>
-                  </a:tcPr>
-                </a:tc>
-                <a:tc>
-                  <a:txBody>
-                    <a:bodyPr lIns="91080" rIns="91080" tIns="91080" bIns="91080"/>
-                    <a:p>
-                      <a:pPr>
-                        <a:lnSpc>
-                          <a:spcPct val="100000"/>
-                        </a:lnSpc>
-                      </a:pPr>
-                      <a:r>
-                        <a:rPr b="1" lang="en-US" sz="1400" spc="-1" strike="noStrike">
-                          <a:solidFill>
-                            <a:srgbClr val="000000"/>
-                          </a:solidFill>
-                          <a:uFill>
-                            <a:solidFill>
-                              <a:srgbClr val="ffffff"/>
-                            </a:solidFill>
-                          </a:uFill>
-                          <a:latin typeface="Arial"/>
-                          <a:ea typeface="Arial"/>
-                        </a:rPr>
-                        <a:t>Object</a:t>
-                      </a:r>
-                      <a:endParaRPr b="0" lang="en-US" sz="1800" spc="-1" strike="noStrike">
-                        <a:solidFill>
-                          <a:srgbClr val="000000"/>
-                        </a:solidFill>
-                        <a:uFill>
-                          <a:solidFill>
-                            <a:srgbClr val="ffffff"/>
-                          </a:solidFill>
-                        </a:uFill>
-                        <a:latin typeface="Arial"/>
-                      </a:endParaRPr>
-                    </a:p>
-                  </a:txBody>
-                  <a:tcPr marL="91080" marR="91080">
-                    <a:lnL w="9360">
-                      <a:solidFill>
-                        <a:srgbClr val="000000"/>
-                      </a:solidFill>
-                    </a:lnL>
-                    <a:lnR w="9360">
-                      <a:solidFill>
-                        <a:srgbClr val="000000"/>
-                      </a:solidFill>
-                    </a:lnR>
-                    <a:lnT w="9360">
-                      <a:solidFill>
-                        <a:srgbClr val="000000"/>
-                      </a:solidFill>
-                    </a:lnT>
-                    <a:lnB w="9360">
-                      <a:solidFill>
-                        <a:srgbClr val="000000"/>
-                      </a:solidFill>
-                    </a:lnB>
-                    <a:solidFill>
-                      <a:srgbClr val="729fcf"/>
-                    </a:solidFill>
-                  </a:tcPr>
-                </a:tc>
-                <a:tc>
-                  <a:txBody>
-                    <a:bodyPr lIns="91080" rIns="91080" tIns="91080" bIns="91080"/>
-                    <a:p>
-                      <a:pPr>
-                        <a:lnSpc>
-                          <a:spcPct val="100000"/>
-                        </a:lnSpc>
-                      </a:pPr>
-                      <a:r>
-                        <a:rPr b="1" lang="en-US" sz="1400" spc="-1" strike="noStrike">
-                          <a:solidFill>
-                            <a:srgbClr val="000000"/>
-                          </a:solidFill>
-                          <a:uFill>
-                            <a:solidFill>
-                              <a:srgbClr val="ffffff"/>
-                            </a:solidFill>
-                          </a:uFill>
-                          <a:latin typeface="Arial"/>
-                          <a:ea typeface="Arial"/>
-                        </a:rPr>
-                        <a:t>Possessive</a:t>
-                      </a:r>
-                      <a:endParaRPr b="0" lang="en-US" sz="1800" spc="-1" strike="noStrike">
-                        <a:solidFill>
-                          <a:srgbClr val="000000"/>
-                        </a:solidFill>
-                        <a:uFill>
-                          <a:solidFill>
-                            <a:srgbClr val="ffffff"/>
-                          </a:solidFill>
-                        </a:uFill>
-                        <a:latin typeface="Arial"/>
-                      </a:endParaRPr>
-                    </a:p>
-                  </a:txBody>
-                  <a:tcPr marL="91080" marR="91080">
-                    <a:lnL w="9360">
-                      <a:solidFill>
-                        <a:srgbClr val="000000"/>
-                      </a:solidFill>
-                    </a:lnL>
-                    <a:lnR w="9360">
-                      <a:solidFill>
-                        <a:srgbClr val="000000"/>
-                      </a:solidFill>
-                    </a:lnR>
-                    <a:lnT w="9360">
-                      <a:solidFill>
-                        <a:srgbClr val="000000"/>
-                      </a:solidFill>
-                    </a:lnT>
-                    <a:lnB w="9360">
-                      <a:solidFill>
-                        <a:srgbClr val="000000"/>
-                      </a:solidFill>
-                    </a:lnB>
-                    <a:solidFill>
-                      <a:srgbClr val="729fcf"/>
-                    </a:solidFill>
-                  </a:tcPr>
-                </a:tc>
-              </a:tr>
-              <a:tr h="382320">
-                <a:tc>
-                  <a:txBody>
-                    <a:bodyPr lIns="91080" rIns="91080" tIns="91080" bIns="91080"/>
-                    <a:p>
-                      <a:pPr>
-                        <a:lnSpc>
-                          <a:spcPct val="100000"/>
-                        </a:lnSpc>
-                      </a:pPr>
-                      <a:r>
-                        <a:rPr b="0" lang="en-US" sz="1400" spc="-1" strike="noStrike">
-                          <a:solidFill>
-                            <a:srgbClr val="000000"/>
-                          </a:solidFill>
-                          <a:uFill>
-                            <a:solidFill>
-                              <a:srgbClr val="ffffff"/>
-                            </a:solidFill>
-                          </a:uFill>
-                          <a:latin typeface="Arial"/>
-                          <a:ea typeface="Arial"/>
-                        </a:rPr>
-                        <a:t>I</a:t>
-                      </a:r>
-                      <a:endParaRPr b="0" lang="en-US" sz="1800" spc="-1" strike="noStrike">
-                        <a:solidFill>
-                          <a:srgbClr val="000000"/>
-                        </a:solidFill>
-                        <a:uFill>
-                          <a:solidFill>
-                            <a:srgbClr val="ffffff"/>
-                          </a:solidFill>
-                        </a:uFill>
-                        <a:latin typeface="Arial"/>
-                      </a:endParaRPr>
-                    </a:p>
-                  </a:txBody>
-                  <a:tcPr marL="91080" marR="91080">
-                    <a:lnL w="9360">
-                      <a:solidFill>
-                        <a:srgbClr val="000000"/>
-                      </a:solidFill>
-                    </a:lnL>
-                    <a:lnR w="9360">
-                      <a:solidFill>
-                        <a:srgbClr val="000000"/>
-                      </a:solidFill>
-                    </a:lnR>
-                    <a:lnT w="9360">
-                      <a:solidFill>
-                        <a:srgbClr val="000000"/>
-                      </a:solidFill>
-                    </a:lnT>
-                    <a:lnB w="9360">
-                      <a:solidFill>
-                        <a:srgbClr val="000000"/>
-                      </a:solidFill>
-                    </a:lnB>
-                    <a:solidFill>
-                      <a:srgbClr val="729fcf"/>
-                    </a:solidFill>
-                  </a:tcPr>
-                </a:tc>
-                <a:tc>
-                  <a:txBody>
-                    <a:bodyPr lIns="91080" rIns="91080" tIns="91080" bIns="91080"/>
-                    <a:p>
-                      <a:pPr>
-                        <a:lnSpc>
-                          <a:spcPct val="100000"/>
-                        </a:lnSpc>
-                      </a:pPr>
-                      <a:r>
-                        <a:rPr b="0" lang="en-US" sz="1400" spc="-1" strike="noStrike">
-                          <a:solidFill>
-                            <a:srgbClr val="000000"/>
-                          </a:solidFill>
-                          <a:uFill>
-                            <a:solidFill>
-                              <a:srgbClr val="ffffff"/>
-                            </a:solidFill>
-                          </a:uFill>
-                          <a:latin typeface="Arial"/>
-                          <a:ea typeface="Arial"/>
-                        </a:rPr>
-                        <a:t>Me</a:t>
-                      </a:r>
-                      <a:endParaRPr b="0" lang="en-US" sz="1800" spc="-1" strike="noStrike">
-                        <a:solidFill>
-                          <a:srgbClr val="000000"/>
-                        </a:solidFill>
-                        <a:uFill>
-                          <a:solidFill>
-                            <a:srgbClr val="ffffff"/>
-                          </a:solidFill>
-                        </a:uFill>
-                        <a:latin typeface="Arial"/>
-                      </a:endParaRPr>
-                    </a:p>
-                  </a:txBody>
-                  <a:tcPr marL="91080" marR="91080">
-                    <a:lnL w="9360">
-                      <a:solidFill>
-                        <a:srgbClr val="000000"/>
-                      </a:solidFill>
-                    </a:lnL>
-                    <a:lnR w="9360">
-                      <a:solidFill>
-                        <a:srgbClr val="000000"/>
-                      </a:solidFill>
-                    </a:lnR>
-                    <a:lnT w="9360">
-                      <a:solidFill>
-                        <a:srgbClr val="000000"/>
-                      </a:solidFill>
-                    </a:lnT>
-                    <a:lnB w="9360">
-                      <a:solidFill>
-                        <a:srgbClr val="000000"/>
-                      </a:solidFill>
-                    </a:lnB>
-                    <a:solidFill>
-                      <a:srgbClr val="729fcf"/>
-                    </a:solidFill>
-                  </a:tcPr>
-                </a:tc>
-                <a:tc>
-                  <a:txBody>
-                    <a:bodyPr lIns="91080" rIns="91080" tIns="91080" bIns="91080"/>
-                    <a:p>
-                      <a:pPr>
-                        <a:lnSpc>
-                          <a:spcPct val="100000"/>
-                        </a:lnSpc>
-                      </a:pPr>
-                      <a:r>
-                        <a:rPr b="0" lang="en-US" sz="1400" spc="-1" strike="noStrike">
-                          <a:solidFill>
-                            <a:srgbClr val="000000"/>
-                          </a:solidFill>
-                          <a:uFill>
-                            <a:solidFill>
-                              <a:srgbClr val="ffffff"/>
-                            </a:solidFill>
-                          </a:uFill>
-                          <a:latin typeface="Arial"/>
-                          <a:ea typeface="Arial"/>
-                        </a:rPr>
-                        <a:t>My</a:t>
-                      </a:r>
-                      <a:endParaRPr b="0" lang="en-US" sz="1800" spc="-1" strike="noStrike">
-                        <a:solidFill>
-                          <a:srgbClr val="000000"/>
-                        </a:solidFill>
-                        <a:uFill>
-                          <a:solidFill>
-                            <a:srgbClr val="ffffff"/>
-                          </a:solidFill>
-                        </a:uFill>
-                        <a:latin typeface="Arial"/>
-                      </a:endParaRPr>
-                    </a:p>
-                  </a:txBody>
-                  <a:tcPr marL="91080" marR="91080">
-                    <a:lnL w="9360">
-                      <a:solidFill>
-                        <a:srgbClr val="000000"/>
-                      </a:solidFill>
-                    </a:lnL>
-                    <a:lnR w="9360">
-                      <a:solidFill>
-                        <a:srgbClr val="000000"/>
-                      </a:solidFill>
-                    </a:lnR>
-                    <a:lnT w="9360">
-                      <a:solidFill>
-                        <a:srgbClr val="000000"/>
-                      </a:solidFill>
-                    </a:lnT>
-                    <a:lnB w="9360">
-                      <a:solidFill>
-                        <a:srgbClr val="000000"/>
-                      </a:solidFill>
-                    </a:lnB>
-                    <a:solidFill>
-                      <a:srgbClr val="729fcf"/>
-                    </a:solidFill>
-                  </a:tcPr>
-                </a:tc>
-              </a:tr>
-              <a:tr h="382320">
-                <a:tc>
-                  <a:txBody>
-                    <a:bodyPr lIns="91080" rIns="91080" tIns="91080" bIns="91080"/>
-                    <a:p>
-                      <a:pPr>
-                        <a:lnSpc>
-                          <a:spcPct val="100000"/>
-                        </a:lnSpc>
-                      </a:pPr>
-                      <a:r>
-                        <a:rPr b="0" lang="en-US" sz="1400" spc="-1" strike="noStrike">
-                          <a:solidFill>
-                            <a:srgbClr val="000000"/>
-                          </a:solidFill>
-                          <a:uFill>
-                            <a:solidFill>
-                              <a:srgbClr val="ffffff"/>
-                            </a:solidFill>
-                          </a:uFill>
-                          <a:latin typeface="Arial"/>
-                          <a:ea typeface="Arial"/>
-                        </a:rPr>
-                        <a:t>He/ Hasan</a:t>
-                      </a:r>
-                      <a:endParaRPr b="0" lang="en-US" sz="1800" spc="-1" strike="noStrike">
-                        <a:solidFill>
-                          <a:srgbClr val="000000"/>
-                        </a:solidFill>
-                        <a:uFill>
-                          <a:solidFill>
-                            <a:srgbClr val="ffffff"/>
-                          </a:solidFill>
-                        </a:uFill>
-                        <a:latin typeface="Arial"/>
-                      </a:endParaRPr>
-                    </a:p>
-                  </a:txBody>
-                  <a:tcPr marL="91080" marR="91080">
-                    <a:lnL w="9360">
-                      <a:solidFill>
-                        <a:srgbClr val="000000"/>
-                      </a:solidFill>
-                    </a:lnL>
-                    <a:lnR w="9360">
-                      <a:solidFill>
-                        <a:srgbClr val="000000"/>
-                      </a:solidFill>
-                    </a:lnR>
-                    <a:lnT w="9360">
-                      <a:solidFill>
-                        <a:srgbClr val="000000"/>
-                      </a:solidFill>
-                    </a:lnT>
-                    <a:lnB w="9360">
-                      <a:solidFill>
-                        <a:srgbClr val="000000"/>
-                      </a:solidFill>
-                    </a:lnB>
-                    <a:solidFill>
-                      <a:srgbClr val="729fcf"/>
-                    </a:solidFill>
-                  </a:tcPr>
-                </a:tc>
-                <a:tc>
-                  <a:txBody>
-                    <a:bodyPr lIns="91080" rIns="91080" tIns="91080" bIns="91080"/>
-                    <a:p>
-                      <a:pPr>
-                        <a:lnSpc>
-                          <a:spcPct val="100000"/>
-                        </a:lnSpc>
-                      </a:pPr>
-                      <a:r>
-                        <a:rPr b="0" lang="en-US" sz="1400" spc="-1" strike="noStrike">
-                          <a:solidFill>
-                            <a:srgbClr val="000000"/>
-                          </a:solidFill>
-                          <a:uFill>
-                            <a:solidFill>
-                              <a:srgbClr val="ffffff"/>
-                            </a:solidFill>
-                          </a:uFill>
-                          <a:latin typeface="Arial"/>
-                          <a:ea typeface="Arial"/>
-                        </a:rPr>
-                        <a:t>Him</a:t>
-                      </a:r>
-                      <a:endParaRPr b="0" lang="en-US" sz="1800" spc="-1" strike="noStrike">
-                        <a:solidFill>
-                          <a:srgbClr val="000000"/>
-                        </a:solidFill>
-                        <a:uFill>
-                          <a:solidFill>
-                            <a:srgbClr val="ffffff"/>
-                          </a:solidFill>
-                        </a:uFill>
-                        <a:latin typeface="Arial"/>
-                      </a:endParaRPr>
-                    </a:p>
-                  </a:txBody>
-                  <a:tcPr marL="91080" marR="91080">
-                    <a:lnL w="9360">
-                      <a:solidFill>
-                        <a:srgbClr val="000000"/>
-                      </a:solidFill>
-                    </a:lnL>
-                    <a:lnR w="9360">
-                      <a:solidFill>
-                        <a:srgbClr val="000000"/>
-                      </a:solidFill>
-                    </a:lnR>
-                    <a:lnT w="9360">
-                      <a:solidFill>
-                        <a:srgbClr val="000000"/>
-                      </a:solidFill>
-                    </a:lnT>
-                    <a:lnB w="9360">
-                      <a:solidFill>
-                        <a:srgbClr val="000000"/>
-                      </a:solidFill>
-                    </a:lnB>
-                    <a:solidFill>
-                      <a:srgbClr val="729fcf"/>
-                    </a:solidFill>
-                  </a:tcPr>
-                </a:tc>
-                <a:tc>
-                  <a:txBody>
-                    <a:bodyPr lIns="91080" rIns="91080" tIns="91080" bIns="91080"/>
-                    <a:p>
-                      <a:pPr>
-                        <a:lnSpc>
-                          <a:spcPct val="100000"/>
-                        </a:lnSpc>
-                      </a:pPr>
-                      <a:r>
-                        <a:rPr b="0" lang="en-US" sz="1400" spc="-1" strike="noStrike">
-                          <a:solidFill>
-                            <a:srgbClr val="000000"/>
-                          </a:solidFill>
-                          <a:uFill>
-                            <a:solidFill>
-                              <a:srgbClr val="ffffff"/>
-                            </a:solidFill>
-                          </a:uFill>
-                          <a:latin typeface="Arial"/>
-                          <a:ea typeface="Arial"/>
-                        </a:rPr>
-                        <a:t>His</a:t>
-                      </a:r>
-                      <a:endParaRPr b="0" lang="en-US" sz="1800" spc="-1" strike="noStrike">
-                        <a:solidFill>
-                          <a:srgbClr val="000000"/>
-                        </a:solidFill>
-                        <a:uFill>
-                          <a:solidFill>
-                            <a:srgbClr val="ffffff"/>
-                          </a:solidFill>
-                        </a:uFill>
-                        <a:latin typeface="Arial"/>
-                      </a:endParaRPr>
-                    </a:p>
-                  </a:txBody>
-                  <a:tcPr marL="91080" marR="91080">
-                    <a:lnL w="9360">
-                      <a:solidFill>
-                        <a:srgbClr val="000000"/>
-                      </a:solidFill>
-                    </a:lnL>
-                    <a:lnR w="9360">
-                      <a:solidFill>
-                        <a:srgbClr val="000000"/>
-                      </a:solidFill>
-                    </a:lnR>
-                    <a:lnT w="9360">
-                      <a:solidFill>
-                        <a:srgbClr val="000000"/>
-                      </a:solidFill>
-                    </a:lnT>
-                    <a:lnB w="9360">
-                      <a:solidFill>
-                        <a:srgbClr val="000000"/>
-                      </a:solidFill>
-                    </a:lnB>
-                    <a:solidFill>
-                      <a:srgbClr val="729fcf"/>
-                    </a:solidFill>
-                  </a:tcPr>
-                </a:tc>
-              </a:tr>
-              <a:tr h="382320">
-                <a:tc>
-                  <a:txBody>
-                    <a:bodyPr lIns="91080" rIns="91080" tIns="91080" bIns="91080"/>
-                    <a:p>
-                      <a:pPr>
-                        <a:lnSpc>
-                          <a:spcPct val="100000"/>
-                        </a:lnSpc>
-                      </a:pPr>
-                      <a:r>
-                        <a:rPr b="0" lang="en-US" sz="1400" spc="-1" strike="noStrike">
-                          <a:solidFill>
-                            <a:srgbClr val="000000"/>
-                          </a:solidFill>
-                          <a:uFill>
-                            <a:solidFill>
-                              <a:srgbClr val="ffffff"/>
-                            </a:solidFill>
-                          </a:uFill>
-                          <a:latin typeface="Arial"/>
-                          <a:ea typeface="Arial"/>
-                        </a:rPr>
-                        <a:t>She/ Julia</a:t>
-                      </a:r>
-                      <a:endParaRPr b="0" lang="en-US" sz="1800" spc="-1" strike="noStrike">
-                        <a:solidFill>
-                          <a:srgbClr val="000000"/>
-                        </a:solidFill>
-                        <a:uFill>
-                          <a:solidFill>
-                            <a:srgbClr val="ffffff"/>
-                          </a:solidFill>
-                        </a:uFill>
-                        <a:latin typeface="Arial"/>
-                      </a:endParaRPr>
-                    </a:p>
-                  </a:txBody>
-                  <a:tcPr marL="91080" marR="91080">
-                    <a:lnL w="9360">
-                      <a:solidFill>
-                        <a:srgbClr val="000000"/>
-                      </a:solidFill>
-                    </a:lnL>
-                    <a:lnR w="9360">
-                      <a:solidFill>
-                        <a:srgbClr val="000000"/>
-                      </a:solidFill>
-                    </a:lnR>
-                    <a:lnT w="9360">
-                      <a:solidFill>
-                        <a:srgbClr val="000000"/>
-                      </a:solidFill>
-                    </a:lnT>
-                    <a:lnB w="9360">
-                      <a:solidFill>
-                        <a:srgbClr val="000000"/>
-                      </a:solidFill>
-                    </a:lnB>
-                    <a:solidFill>
-                      <a:srgbClr val="729fcf"/>
-                    </a:solidFill>
-                  </a:tcPr>
-                </a:tc>
-                <a:tc>
-                  <a:txBody>
-                    <a:bodyPr lIns="91080" rIns="91080" tIns="91080" bIns="91080"/>
-                    <a:p>
-                      <a:pPr>
-                        <a:lnSpc>
-                          <a:spcPct val="100000"/>
-                        </a:lnSpc>
-                      </a:pPr>
-                      <a:r>
-                        <a:rPr b="0" lang="en-US" sz="1400" spc="-1" strike="noStrike">
-                          <a:solidFill>
-                            <a:srgbClr val="000000"/>
-                          </a:solidFill>
-                          <a:uFill>
-                            <a:solidFill>
-                              <a:srgbClr val="ffffff"/>
-                            </a:solidFill>
-                          </a:uFill>
-                          <a:latin typeface="Arial"/>
-                          <a:ea typeface="Arial"/>
-                        </a:rPr>
-                        <a:t>her</a:t>
-                      </a:r>
-                      <a:endParaRPr b="0" lang="en-US" sz="1800" spc="-1" strike="noStrike">
-                        <a:solidFill>
-                          <a:srgbClr val="000000"/>
-                        </a:solidFill>
-                        <a:uFill>
-                          <a:solidFill>
-                            <a:srgbClr val="ffffff"/>
-                          </a:solidFill>
-                        </a:uFill>
-                        <a:latin typeface="Arial"/>
-                      </a:endParaRPr>
-                    </a:p>
-                  </a:txBody>
-                  <a:tcPr marL="91080" marR="91080">
-                    <a:lnL w="9360">
-                      <a:solidFill>
-                        <a:srgbClr val="000000"/>
-                      </a:solidFill>
-                    </a:lnL>
-                    <a:lnR w="9360">
-                      <a:solidFill>
-                        <a:srgbClr val="000000"/>
-                      </a:solidFill>
-                    </a:lnR>
-                    <a:lnT w="9360">
-                      <a:solidFill>
-                        <a:srgbClr val="000000"/>
-                      </a:solidFill>
-                    </a:lnT>
-                    <a:lnB w="9360">
-                      <a:solidFill>
-                        <a:srgbClr val="000000"/>
-                      </a:solidFill>
-                    </a:lnB>
-                    <a:solidFill>
-                      <a:srgbClr val="729fcf"/>
-                    </a:solidFill>
-                  </a:tcPr>
-                </a:tc>
-                <a:tc>
-                  <a:txBody>
-                    <a:bodyPr lIns="91080" rIns="91080" tIns="91080" bIns="91080"/>
-                    <a:p>
-                      <a:pPr>
-                        <a:lnSpc>
-                          <a:spcPct val="100000"/>
-                        </a:lnSpc>
-                      </a:pPr>
-                      <a:r>
-                        <a:rPr b="0" lang="en-US" sz="1400" spc="-1" strike="noStrike">
-                          <a:solidFill>
-                            <a:srgbClr val="000000"/>
-                          </a:solidFill>
-                          <a:uFill>
-                            <a:solidFill>
-                              <a:srgbClr val="ffffff"/>
-                            </a:solidFill>
-                          </a:uFill>
-                          <a:latin typeface="Arial"/>
-                          <a:ea typeface="Arial"/>
-                        </a:rPr>
-                        <a:t>her</a:t>
-                      </a:r>
-                      <a:endParaRPr b="0" lang="en-US" sz="1800" spc="-1" strike="noStrike">
-                        <a:solidFill>
-                          <a:srgbClr val="000000"/>
-                        </a:solidFill>
-                        <a:uFill>
-                          <a:solidFill>
-                            <a:srgbClr val="ffffff"/>
-                          </a:solidFill>
-                        </a:uFill>
-                        <a:latin typeface="Arial"/>
-                      </a:endParaRPr>
-                    </a:p>
-                  </a:txBody>
-                  <a:tcPr marL="91080" marR="91080">
-                    <a:lnL w="9360">
-                      <a:solidFill>
-                        <a:srgbClr val="000000"/>
-                      </a:solidFill>
-                    </a:lnL>
-                    <a:lnR w="9360">
-                      <a:solidFill>
-                        <a:srgbClr val="000000"/>
-                      </a:solidFill>
-                    </a:lnR>
-                    <a:lnT w="9360">
-                      <a:solidFill>
-                        <a:srgbClr val="000000"/>
-                      </a:solidFill>
-                    </a:lnT>
-                    <a:lnB w="9360">
-                      <a:solidFill>
-                        <a:srgbClr val="000000"/>
-                      </a:solidFill>
-                    </a:lnB>
-                    <a:solidFill>
-                      <a:srgbClr val="729fcf"/>
-                    </a:solidFill>
-                  </a:tcPr>
-                </a:tc>
-              </a:tr>
-            </a:tbl>
-          </a:graphicData>
-        </a:graphic>
-      </p:graphicFrame>
     </p:spTree>
   </p:cSld>
   <p:timing>
@@ -13095,14 +11399,14 @@
       </p:grpSpPr>
       <p:sp>
         <p:nvSpPr>
-          <p:cNvPr id="61" name="CustomShape 1"/>
+          <p:cNvPr id="60" name="CustomShape 1"/>
           <p:cNvSpPr/>
           <p:nvPr/>
         </p:nvSpPr>
         <p:spPr>
           <a:xfrm>
             <a:off x="456480" y="1188720"/>
-            <a:ext cx="9068400" cy="6216840"/>
+            <a:ext cx="9067680" cy="6216120"/>
           </a:xfrm>
           <a:prstGeom prst="rect">
             <a:avLst/>
@@ -13187,7 +11491,7 @@
             </a:endParaRPr>
           </a:p>
           <a:p>
-            <a:pPr marL="215640" indent="-207720">
+            <a:pPr marL="215640" indent="-207000">
               <a:lnSpc>
                 <a:spcPct val="98000"/>
               </a:lnSpc>
@@ -13220,7 +11524,7 @@
             </a:endParaRPr>
           </a:p>
           <a:p>
-            <a:pPr marL="215640" indent="-207720">
+            <a:pPr marL="215640" indent="-207000">
               <a:lnSpc>
                 <a:spcPct val="98000"/>
               </a:lnSpc>
@@ -13253,7 +11557,7 @@
             </a:endParaRPr>
           </a:p>
           <a:p>
-            <a:pPr marL="215640" indent="-207720">
+            <a:pPr marL="215640" indent="-207000">
               <a:lnSpc>
                 <a:spcPct val="98000"/>
               </a:lnSpc>
@@ -13289,14 +11593,14 @@
       </p:sp>
       <p:sp>
         <p:nvSpPr>
-          <p:cNvPr id="62" name="CustomShape 2"/>
+          <p:cNvPr id="61" name="CustomShape 2"/>
           <p:cNvSpPr/>
           <p:nvPr/>
         </p:nvSpPr>
         <p:spPr>
           <a:xfrm>
             <a:off x="437760" y="194400"/>
-            <a:ext cx="9068400" cy="6754320"/>
+            <a:ext cx="9067680" cy="6753600"/>
           </a:xfrm>
           <a:custGeom>
             <a:avLst/>
@@ -13338,7 +11642,25 @@
         <p:txBody>
           <a:bodyPr lIns="0" rIns="0" tIns="7200" bIns="0"/>
           <a:p>
-            <a:pPr algn="ctr">
+            <a:pPr>
+              <a:lnSpc>
+                <a:spcPct val="93000"/>
+              </a:lnSpc>
+            </a:pPr>
+            <a:endParaRPr b="0" lang="en-US" sz="1800" spc="-1" strike="noStrike">
+              <a:solidFill>
+                <a:srgbClr val="000000"/>
+              </a:solidFill>
+              <a:uFill>
+                <a:solidFill>
+                  <a:srgbClr val="ffffff"/>
+                </a:solidFill>
+              </a:uFill>
+              <a:latin typeface="Arial"/>
+            </a:endParaRPr>
+          </a:p>
+          <a:p>
+            <a:pPr>
               <a:lnSpc>
                 <a:spcPct val="93000"/>
               </a:lnSpc>
@@ -13356,26 +11678,8 @@
                 <a:latin typeface="Georgia"/>
                 <a:ea typeface="Georgia"/>
               </a:rPr>
-              <a:t>Linking words</a:t>
-            </a:r>
-            <a:endParaRPr b="0" lang="en-US" sz="1800" spc="-1" strike="noStrike">
-              <a:solidFill>
-                <a:srgbClr val="000000"/>
-              </a:solidFill>
-              <a:uFill>
-                <a:solidFill>
-                  <a:srgbClr val="ffffff"/>
-                </a:solidFill>
-              </a:uFill>
-              <a:latin typeface="Arial"/>
-            </a:endParaRPr>
-          </a:p>
-          <a:p>
-            <a:pPr>
-              <a:lnSpc>
-                <a:spcPct val="93000"/>
-              </a:lnSpc>
-            </a:pPr>
+              <a:t>Nevertheless (</a:t>
+            </a:r>
             <a:r>
               <a:rPr b="0" lang="en-US" sz="2200" spc="-1" strike="noStrike" u="sng">
                 <a:solidFill>
@@ -13389,22 +11693,55 @@
                 <a:latin typeface="Georgia"/>
                 <a:ea typeface="Georgia"/>
               </a:rPr>
-              <a:t>However</a:t>
-            </a:r>
-            <a:endParaRPr b="0" lang="en-US" sz="1800" spc="-1" strike="noStrike">
-              <a:solidFill>
-                <a:srgbClr val="000000"/>
-              </a:solidFill>
-              <a:uFill>
-                <a:solidFill>
-                  <a:srgbClr val="ffffff"/>
-                </a:solidFill>
-              </a:uFill>
-              <a:latin typeface="Arial"/>
-            </a:endParaRPr>
-          </a:p>
-          <a:p>
-            <a:pPr marL="457200" indent="-367920">
+              <a:t>তবুও</a:t>
+            </a:r>
+            <a:r>
+              <a:rPr b="0" lang="en-US" sz="2200" spc="-1" strike="noStrike" u="sng">
+                <a:solidFill>
+                  <a:srgbClr val="000000"/>
+                </a:solidFill>
+                <a:uFill>
+                  <a:solidFill>
+                    <a:srgbClr val="ffffff"/>
+                  </a:solidFill>
+                </a:uFill>
+                <a:latin typeface="Georgia"/>
+                <a:ea typeface="Georgia"/>
+              </a:rPr>
+              <a:t>) </a:t>
+            </a:r>
+            <a:endParaRPr b="0" lang="en-US" sz="1800" spc="-1" strike="noStrike">
+              <a:solidFill>
+                <a:srgbClr val="000000"/>
+              </a:solidFill>
+              <a:uFill>
+                <a:solidFill>
+                  <a:srgbClr val="ffffff"/>
+                </a:solidFill>
+              </a:uFill>
+              <a:latin typeface="Arial"/>
+            </a:endParaRPr>
+          </a:p>
+          <a:p>
+            <a:pPr>
+              <a:lnSpc>
+                <a:spcPct val="93000"/>
+              </a:lnSpc>
+            </a:pPr>
+            <a:endParaRPr b="0" lang="en-US" sz="1800" spc="-1" strike="noStrike">
+              <a:solidFill>
+                <a:srgbClr val="000000"/>
+              </a:solidFill>
+              <a:uFill>
+                <a:solidFill>
+                  <a:srgbClr val="ffffff"/>
+                </a:solidFill>
+              </a:uFill>
+              <a:latin typeface="Arial"/>
+            </a:endParaRPr>
+          </a:p>
+          <a:p>
+            <a:pPr marL="457200" indent="-367200">
               <a:lnSpc>
                 <a:spcPct val="93000"/>
               </a:lnSpc>
@@ -13427,22 +11764,40 @@
                 <a:latin typeface="Georgia"/>
                 <a:ea typeface="Georgia"/>
               </a:rPr>
-              <a:t>We use ‘however’ and ‘nevertheless’ to express a contrast.</a:t>
-            </a:r>
-            <a:endParaRPr b="0" lang="en-US" sz="1800" spc="-1" strike="noStrike">
-              <a:solidFill>
-                <a:srgbClr val="000000"/>
-              </a:solidFill>
-              <a:uFill>
-                <a:solidFill>
-                  <a:srgbClr val="ffffff"/>
-                </a:solidFill>
-              </a:uFill>
-              <a:latin typeface="Arial"/>
-            </a:endParaRPr>
-          </a:p>
-          <a:p>
-            <a:pPr marL="457200" indent="-367920">
+              <a:t>Many know that too much sugar is bad for health. Nevertheless, many continue to eat a lot of it every day.</a:t>
+            </a:r>
+            <a:endParaRPr b="0" lang="en-US" sz="1800" spc="-1" strike="noStrike">
+              <a:solidFill>
+                <a:srgbClr val="000000"/>
+              </a:solidFill>
+              <a:uFill>
+                <a:solidFill>
+                  <a:srgbClr val="ffffff"/>
+                </a:solidFill>
+              </a:uFill>
+              <a:latin typeface="Arial"/>
+            </a:endParaRPr>
+          </a:p>
+          <a:p>
+            <a:pPr marL="457200">
+              <a:lnSpc>
+                <a:spcPct val="93000"/>
+              </a:lnSpc>
+            </a:pPr>
+            <a:endParaRPr b="0" lang="en-US" sz="1800" spc="-1" strike="noStrike">
+              <a:solidFill>
+                <a:srgbClr val="000000"/>
+              </a:solidFill>
+              <a:uFill>
+                <a:solidFill>
+                  <a:srgbClr val="ffffff"/>
+                </a:solidFill>
+              </a:uFill>
+              <a:latin typeface="Arial"/>
+            </a:endParaRPr>
+          </a:p>
+          <a:p>
+            <a:pPr marL="457200" indent="-367200">
               <a:lnSpc>
                 <a:spcPct val="93000"/>
               </a:lnSpc>
@@ -13465,22 +11820,121 @@
                 <a:latin typeface="Georgia"/>
                 <a:ea typeface="Georgia"/>
               </a:rPr>
-              <a:t>Usually, the first half of a sentence contrasts (opposes) the second half.</a:t>
-            </a:r>
-            <a:endParaRPr b="0" lang="en-US" sz="1800" spc="-1" strike="noStrike">
-              <a:solidFill>
-                <a:srgbClr val="000000"/>
-              </a:solidFill>
-              <a:uFill>
-                <a:solidFill>
-                  <a:srgbClr val="ffffff"/>
-                </a:solidFill>
-              </a:uFill>
-              <a:latin typeface="Arial"/>
-            </a:endParaRPr>
-          </a:p>
-          <a:p>
-            <a:pPr marL="457200" indent="-367920">
+              <a:t>There are several serious problems with the car. Nevertheless, we will have to use it to drive to work this week.</a:t>
+            </a:r>
+            <a:endParaRPr b="0" lang="en-US" sz="1800" spc="-1" strike="noStrike">
+              <a:solidFill>
+                <a:srgbClr val="000000"/>
+              </a:solidFill>
+              <a:uFill>
+                <a:solidFill>
+                  <a:srgbClr val="ffffff"/>
+                </a:solidFill>
+              </a:uFill>
+              <a:latin typeface="Arial"/>
+            </a:endParaRPr>
+          </a:p>
+          <a:p>
+            <a:pPr>
+              <a:lnSpc>
+                <a:spcPct val="93000"/>
+              </a:lnSpc>
+            </a:pPr>
+            <a:endParaRPr b="0" lang="en-US" sz="1800" spc="-1" strike="noStrike">
+              <a:solidFill>
+                <a:srgbClr val="000000"/>
+              </a:solidFill>
+              <a:uFill>
+                <a:solidFill>
+                  <a:srgbClr val="ffffff"/>
+                </a:solidFill>
+              </a:uFill>
+              <a:latin typeface="Arial"/>
+            </a:endParaRPr>
+          </a:p>
+          <a:p>
+            <a:pPr>
+              <a:lnSpc>
+                <a:spcPct val="93000"/>
+              </a:lnSpc>
+            </a:pPr>
+            <a:r>
+              <a:rPr b="0" lang="en-US" sz="2200" spc="-1" strike="noStrike">
+                <a:solidFill>
+                  <a:srgbClr val="000000"/>
+                </a:solidFill>
+                <a:uFill>
+                  <a:solidFill>
+                    <a:srgbClr val="ffffff"/>
+                  </a:solidFill>
+                </a:uFill>
+                <a:latin typeface="Georgia"/>
+                <a:ea typeface="Georgia"/>
+              </a:rPr>
+              <a:t>Unless ( Condition or </a:t>
+            </a:r>
+            <a:r>
+              <a:rPr b="0" lang="en-US" sz="2200" spc="-1" strike="noStrike">
+                <a:solidFill>
+                  <a:srgbClr val="000000"/>
+                </a:solidFill>
+                <a:uFill>
+                  <a:solidFill>
+                    <a:srgbClr val="ffffff"/>
+                  </a:solidFill>
+                </a:uFill>
+                <a:latin typeface="Georgia"/>
+                <a:ea typeface="Georgia"/>
+              </a:rPr>
+              <a:t>শর্ত </a:t>
+            </a:r>
+            <a:r>
+              <a:rPr b="0" lang="en-US" sz="2200" spc="-1" strike="noStrike">
+                <a:solidFill>
+                  <a:srgbClr val="000000"/>
+                </a:solidFill>
+                <a:uFill>
+                  <a:solidFill>
+                    <a:srgbClr val="ffffff"/>
+                  </a:solidFill>
+                </a:uFill>
+                <a:latin typeface="Georgia"/>
+                <a:ea typeface="Georgia"/>
+              </a:rPr>
+              <a:t>)</a:t>
+            </a:r>
+            <a:endParaRPr b="0" lang="en-US" sz="1800" spc="-1" strike="noStrike">
+              <a:solidFill>
+                <a:srgbClr val="000000"/>
+              </a:solidFill>
+              <a:uFill>
+                <a:solidFill>
+                  <a:srgbClr val="ffffff"/>
+                </a:solidFill>
+              </a:uFill>
+              <a:latin typeface="Arial"/>
+            </a:endParaRPr>
+          </a:p>
+          <a:p>
+            <a:pPr>
+              <a:lnSpc>
+                <a:spcPct val="93000"/>
+              </a:lnSpc>
+            </a:pPr>
+            <a:endParaRPr b="0" lang="en-US" sz="1800" spc="-1" strike="noStrike">
+              <a:solidFill>
+                <a:srgbClr val="000000"/>
+              </a:solidFill>
+              <a:uFill>
+                <a:solidFill>
+                  <a:srgbClr val="ffffff"/>
+                </a:solidFill>
+              </a:uFill>
+              <a:latin typeface="Arial"/>
+            </a:endParaRPr>
+          </a:p>
+          <a:p>
+            <a:pPr marL="457200" indent="-367200">
               <a:lnSpc>
                 <a:spcPct val="93000"/>
               </a:lnSpc>
@@ -13503,22 +11957,40 @@
                 <a:latin typeface="Georgia"/>
                 <a:ea typeface="Georgia"/>
               </a:rPr>
-              <a:t>However is closer to ‘but’ and Nevertheless is closer to ‘in spite of’</a:t>
-            </a:r>
-            <a:endParaRPr b="0" lang="en-US" sz="1800" spc="-1" strike="noStrike">
-              <a:solidFill>
-                <a:srgbClr val="000000"/>
-              </a:solidFill>
-              <a:uFill>
-                <a:solidFill>
-                  <a:srgbClr val="ffffff"/>
-                </a:solidFill>
-              </a:uFill>
-              <a:latin typeface="Arial"/>
-            </a:endParaRPr>
-          </a:p>
-          <a:p>
-            <a:pPr marL="457200" indent="-367920">
+              <a:t>The guard will not allow you to enter the theatre unless you show the ticket.</a:t>
+            </a:r>
+            <a:endParaRPr b="0" lang="en-US" sz="1800" spc="-1" strike="noStrike">
+              <a:solidFill>
+                <a:srgbClr val="000000"/>
+              </a:solidFill>
+              <a:uFill>
+                <a:solidFill>
+                  <a:srgbClr val="ffffff"/>
+                </a:solidFill>
+              </a:uFill>
+              <a:latin typeface="Arial"/>
+            </a:endParaRPr>
+          </a:p>
+          <a:p>
+            <a:pPr marL="457200">
+              <a:lnSpc>
+                <a:spcPct val="93000"/>
+              </a:lnSpc>
+            </a:pPr>
+            <a:endParaRPr b="0" lang="en-US" sz="1800" spc="-1" strike="noStrike">
+              <a:solidFill>
+                <a:srgbClr val="000000"/>
+              </a:solidFill>
+              <a:uFill>
+                <a:solidFill>
+                  <a:srgbClr val="ffffff"/>
+                </a:solidFill>
+              </a:uFill>
+              <a:latin typeface="Arial"/>
+            </a:endParaRPr>
+          </a:p>
+          <a:p>
+            <a:pPr marL="457200" indent="-367200">
               <a:lnSpc>
                 <a:spcPct val="93000"/>
               </a:lnSpc>
@@ -13541,267 +12013,8 @@
                 <a:latin typeface="Georgia"/>
                 <a:ea typeface="Georgia"/>
               </a:rPr>
-              <a:t>Nevertheless emphasizes a stronger contrast than however.</a:t>
-            </a:r>
-            <a:endParaRPr b="0" lang="en-US" sz="1800" spc="-1" strike="noStrike">
-              <a:solidFill>
-                <a:srgbClr val="000000"/>
-              </a:solidFill>
-              <a:uFill>
-                <a:solidFill>
-                  <a:srgbClr val="ffffff"/>
-                </a:solidFill>
-              </a:uFill>
-              <a:latin typeface="Arial"/>
-            </a:endParaRPr>
-          </a:p>
-          <a:p>
-            <a:pPr>
-              <a:lnSpc>
-                <a:spcPct val="93000"/>
-              </a:lnSpc>
-            </a:pPr>
-            <a:endParaRPr b="0" lang="en-US" sz="1800" spc="-1" strike="noStrike">
-              <a:solidFill>
-                <a:srgbClr val="000000"/>
-              </a:solidFill>
-              <a:uFill>
-                <a:solidFill>
-                  <a:srgbClr val="ffffff"/>
-                </a:solidFill>
-              </a:uFill>
-              <a:latin typeface="Arial"/>
-            </a:endParaRPr>
-          </a:p>
-          <a:p>
-            <a:pPr>
-              <a:lnSpc>
-                <a:spcPct val="93000"/>
-              </a:lnSpc>
-            </a:pPr>
-            <a:r>
-              <a:rPr b="0" lang="en-US" sz="2200" spc="-1" strike="noStrike" u="sng">
-                <a:solidFill>
-                  <a:srgbClr val="000000"/>
-                </a:solidFill>
-                <a:uFill>
-                  <a:solidFill>
-                    <a:srgbClr val="ffffff"/>
-                  </a:solidFill>
-                </a:uFill>
-                <a:latin typeface="Georgia"/>
-                <a:ea typeface="Georgia"/>
-              </a:rPr>
-              <a:t>Example</a:t>
-            </a:r>
-            <a:endParaRPr b="0" lang="en-US" sz="1800" spc="-1" strike="noStrike">
-              <a:solidFill>
-                <a:srgbClr val="000000"/>
-              </a:solidFill>
-              <a:uFill>
-                <a:solidFill>
-                  <a:srgbClr val="ffffff"/>
-                </a:solidFill>
-              </a:uFill>
-              <a:latin typeface="Arial"/>
-            </a:endParaRPr>
-          </a:p>
-          <a:p>
-            <a:pPr marL="457200" indent="-367920">
-              <a:lnSpc>
-                <a:spcPct val="93000"/>
-              </a:lnSpc>
-              <a:buClr>
-                <a:srgbClr val="000000"/>
-              </a:buClr>
-              <a:buFont typeface="Georgia"/>
-              <a:buAutoNum type="arabicPeriod"/>
-            </a:pPr>
-            <a:r>
-              <a:rPr b="0" lang="en-US" sz="2200" spc="-1" strike="noStrike">
-                <a:solidFill>
-                  <a:srgbClr val="000000"/>
-                </a:solidFill>
-                <a:uFill>
-                  <a:solidFill>
-                    <a:srgbClr val="ffffff"/>
-                  </a:solidFill>
-                </a:uFill>
-                <a:latin typeface="Georgia"/>
-                <a:ea typeface="Georgia"/>
-              </a:rPr>
-              <a:t>I already knew a lot about the subject; however, his presentation was still interesting.</a:t>
-            </a:r>
-            <a:endParaRPr b="0" lang="en-US" sz="1800" spc="-1" strike="noStrike">
-              <a:solidFill>
-                <a:srgbClr val="000000"/>
-              </a:solidFill>
-              <a:uFill>
-                <a:solidFill>
-                  <a:srgbClr val="ffffff"/>
-                </a:solidFill>
-              </a:uFill>
-              <a:latin typeface="Arial"/>
-            </a:endParaRPr>
-          </a:p>
-          <a:p>
-            <a:pPr marL="457200" indent="-367920">
-              <a:lnSpc>
-                <a:spcPct val="93000"/>
-              </a:lnSpc>
-              <a:buClr>
-                <a:srgbClr val="000000"/>
-              </a:buClr>
-              <a:buFont typeface="Georgia"/>
-              <a:buAutoNum type="arabicPeriod"/>
-            </a:pPr>
-            <a:r>
-              <a:rPr b="0" lang="en-US" sz="2200" spc="-1" strike="noStrike">
-                <a:solidFill>
-                  <a:srgbClr val="000000"/>
-                </a:solidFill>
-                <a:uFill>
-                  <a:solidFill>
-                    <a:srgbClr val="ffffff"/>
-                  </a:solidFill>
-                </a:uFill>
-                <a:latin typeface="Georgia"/>
-                <a:ea typeface="Georgia"/>
-              </a:rPr>
-              <a:t>I have already told on this topic. However, I am going to recapitulate once again what I told.</a:t>
-            </a:r>
-            <a:endParaRPr b="0" lang="en-US" sz="1800" spc="-1" strike="noStrike">
-              <a:solidFill>
-                <a:srgbClr val="000000"/>
-              </a:solidFill>
-              <a:uFill>
-                <a:solidFill>
-                  <a:srgbClr val="ffffff"/>
-                </a:solidFill>
-              </a:uFill>
-              <a:latin typeface="Arial"/>
-            </a:endParaRPr>
-          </a:p>
-          <a:p>
-            <a:pPr marL="457200" indent="-367920">
-              <a:lnSpc>
-                <a:spcPct val="93000"/>
-              </a:lnSpc>
-              <a:buClr>
-                <a:srgbClr val="000000"/>
-              </a:buClr>
-              <a:buFont typeface="Georgia"/>
-              <a:buAutoNum type="arabicPeriod"/>
-            </a:pPr>
-            <a:r>
-              <a:rPr b="0" lang="en-US" sz="2200" spc="-1" strike="noStrike">
-                <a:solidFill>
-                  <a:srgbClr val="000000"/>
-                </a:solidFill>
-                <a:uFill>
-                  <a:solidFill>
-                    <a:srgbClr val="ffffff"/>
-                  </a:solidFill>
-                </a:uFill>
-                <a:latin typeface="Georgia"/>
-                <a:ea typeface="Georgia"/>
-              </a:rPr>
-              <a:t>This is one solution to the problem. However, there are a number of others.</a:t>
-            </a:r>
-            <a:endParaRPr b="0" lang="en-US" sz="1800" spc="-1" strike="noStrike">
-              <a:solidFill>
-                <a:srgbClr val="000000"/>
-              </a:solidFill>
-              <a:uFill>
-                <a:solidFill>
-                  <a:srgbClr val="ffffff"/>
-                </a:solidFill>
-              </a:uFill>
-              <a:latin typeface="Arial"/>
-            </a:endParaRPr>
-          </a:p>
-          <a:p>
-            <a:pPr marL="457200" indent="-367920">
-              <a:lnSpc>
-                <a:spcPct val="93000"/>
-              </a:lnSpc>
-              <a:buClr>
-                <a:srgbClr val="000000"/>
-              </a:buClr>
-              <a:buFont typeface="Georgia"/>
-              <a:buAutoNum type="arabicPeriod"/>
-            </a:pPr>
-            <a:r>
-              <a:rPr b="0" lang="en-US" sz="2200" spc="-1" strike="noStrike">
-                <a:solidFill>
-                  <a:srgbClr val="000000"/>
-                </a:solidFill>
-                <a:uFill>
-                  <a:solidFill>
-                    <a:srgbClr val="ffffff"/>
-                  </a:solidFill>
-                </a:uFill>
-                <a:latin typeface="Georgia"/>
-                <a:ea typeface="Georgia"/>
-              </a:rPr>
-              <a:t>I'm a vegetarian. However, sometimes I eat fish.</a:t>
-            </a:r>
-            <a:endParaRPr b="0" lang="en-US" sz="1800" spc="-1" strike="noStrike">
-              <a:solidFill>
-                <a:srgbClr val="000000"/>
-              </a:solidFill>
-              <a:uFill>
-                <a:solidFill>
-                  <a:srgbClr val="ffffff"/>
-                </a:solidFill>
-              </a:uFill>
-              <a:latin typeface="Arial"/>
-            </a:endParaRPr>
-          </a:p>
-          <a:p>
-            <a:pPr marL="457200" indent="-367920">
-              <a:lnSpc>
-                <a:spcPct val="93000"/>
-              </a:lnSpc>
-              <a:buClr>
-                <a:srgbClr val="000000"/>
-              </a:buClr>
-              <a:buFont typeface="Georgia"/>
-              <a:buAutoNum type="arabicPeriod"/>
-            </a:pPr>
-            <a:r>
-              <a:rPr b="0" lang="en-US" sz="2200" spc="-1" strike="noStrike">
-                <a:solidFill>
-                  <a:srgbClr val="000000"/>
-                </a:solidFill>
-                <a:uFill>
-                  <a:solidFill>
-                    <a:srgbClr val="ffffff"/>
-                  </a:solidFill>
-                </a:uFill>
-                <a:latin typeface="Georgia"/>
-                <a:ea typeface="Georgia"/>
-              </a:rPr>
-              <a:t>I'm a vegetarian. Sometimes, however, I eat fish.</a:t>
-            </a:r>
-            <a:endParaRPr b="0" lang="en-US" sz="1800" spc="-1" strike="noStrike">
-              <a:solidFill>
-                <a:srgbClr val="000000"/>
-              </a:solidFill>
-              <a:uFill>
-                <a:solidFill>
-                  <a:srgbClr val="ffffff"/>
-                </a:solidFill>
-              </a:uFill>
-              <a:latin typeface="Arial"/>
-            </a:endParaRPr>
-          </a:p>
-          <a:p>
-            <a:pPr>
-              <a:lnSpc>
-                <a:spcPct val="93000"/>
-              </a:lnSpc>
-            </a:pPr>
+              <a:t>I will not go unless Peter gives my phone.</a:t>
+            </a:r>
             <a:endParaRPr b="0" lang="en-US" sz="1800" spc="-1" strike="noStrike">
               <a:solidFill>
                 <a:srgbClr val="000000"/>
